--- a/public/aquopitchdeck.pptx
+++ b/public/aquopitchdeck.pptx
@@ -16171,7 +16171,7 @@
         <p:spPr>
           <a:xfrm>
             <a:off x="0" y="0"/>
-            <a:ext cx="9144000" cy="5143500"/>
+            <a:ext cx="9143998" cy="5143501"/>
           </a:xfrm>
           <a:prstGeom prst="rect">
             <a:avLst/>
@@ -16191,7 +16191,7 @@
         <p:spPr>
           <a:xfrm>
             <a:off x="869657" y="1378980"/>
-            <a:ext cx="7404687" cy="1752129"/>
+            <a:ext cx="7404600" cy="1752000"/>
           </a:xfrm>
           <a:prstGeom prst="rect">
             <a:avLst/>
@@ -16243,8 +16243,8 @@
         </p:nvSpPr>
         <p:spPr>
           <a:xfrm>
-            <a:off x="3863014" y="3719534"/>
-            <a:ext cx="1417972" cy="319252"/>
+            <a:off x="3863014" y="4251084"/>
+            <a:ext cx="1418100" cy="292500"/>
           </a:xfrm>
           <a:prstGeom prst="rect">
             <a:avLst/>
@@ -16296,8 +16296,8 @@
         </p:nvSpPr>
         <p:spPr>
           <a:xfrm>
-            <a:off x="-202100" y="3084875"/>
-            <a:ext cx="9640200" cy="1566000"/>
+            <a:off x="-251000" y="3008550"/>
+            <a:ext cx="9645900" cy="2040300"/>
           </a:xfrm>
           <a:prstGeom prst="rect">
             <a:avLst/>
@@ -16326,7 +16326,7 @@
               <a:buNone/>
             </a:pPr>
             <a:r>
-              <a:rPr b="1" i="0" lang="en-GB" sz="2200" u="none" cap="none" strike="noStrike">
+              <a:rPr b="1" lang="en-GB" sz="2200">
                 <a:solidFill>
                   <a:srgbClr val="FFFFFF"/>
                 </a:solidFill>
@@ -16335,7 +16335,54 @@
                 <a:cs typeface="Roboto"/>
                 <a:sym typeface="Roboto"/>
               </a:rPr>
-              <a:t>"</a:t>
+              <a:t>“</a:t>
+            </a:r>
+            <a:r>
+              <a:rPr b="1" i="1" lang="en-GB" sz="2200">
+                <a:solidFill>
+                  <a:srgbClr val="FFFFFF"/>
+                </a:solidFill>
+                <a:latin typeface="Roboto"/>
+                <a:ea typeface="Roboto"/>
+                <a:cs typeface="Roboto"/>
+                <a:sym typeface="Roboto"/>
+              </a:rPr>
+              <a:t>Web3 Asset Liquidity and Investment </a:t>
+            </a:r>
+            <a:endParaRPr b="1" i="1" sz="2200">
+              <a:solidFill>
+                <a:srgbClr val="FFFFFF"/>
+              </a:solidFill>
+              <a:latin typeface="Roboto"/>
+              <a:ea typeface="Roboto"/>
+              <a:cs typeface="Roboto"/>
+              <a:sym typeface="Roboto"/>
+            </a:endParaRPr>
+          </a:p>
+          <a:p>
+            <a:pPr indent="0" lvl="0" marL="0" marR="0" rtl="0" algn="ctr">
+              <a:lnSpc>
+                <a:spcPct val="140009"/>
+              </a:lnSpc>
+              <a:spcBef>
+                <a:spcPts val="0"/>
+              </a:spcBef>
+              <a:spcAft>
+                <a:spcPts val="0"/>
+              </a:spcAft>
+              <a:buNone/>
+            </a:pPr>
+            <a:r>
+              <a:rPr b="1" i="1" lang="en-GB" sz="2200">
+                <a:solidFill>
+                  <a:srgbClr val="FFFFFF"/>
+                </a:solidFill>
+                <a:latin typeface="Roboto"/>
+                <a:ea typeface="Roboto"/>
+                <a:cs typeface="Roboto"/>
+                <a:sym typeface="Roboto"/>
+              </a:rPr>
+              <a:t>Framework with Derivatives and Tokenization</a:t>
             </a:r>
             <a:r>
               <a:rPr b="1" lang="en-GB" sz="2200">
@@ -16347,19 +16394,7 @@
                 <a:cs typeface="Roboto"/>
                 <a:sym typeface="Roboto"/>
               </a:rPr>
-              <a:t>Create Asset Liquidity</a:t>
-            </a:r>
-            <a:r>
-              <a:rPr b="1" i="0" lang="en-GB" sz="2200" u="none" cap="none" strike="noStrike">
-                <a:solidFill>
-                  <a:srgbClr val="FFFFFF"/>
-                </a:solidFill>
-                <a:latin typeface="Roboto"/>
-                <a:ea typeface="Roboto"/>
-                <a:cs typeface="Roboto"/>
-                <a:sym typeface="Roboto"/>
-              </a:rPr>
-              <a:t>, Unleash Derivatives, Empower Stakeholders."</a:t>
+              <a:t>”</a:t>
             </a:r>
             <a:endParaRPr sz="700"/>
           </a:p>
@@ -23946,9 +23981,9 @@
 </file>
 
 <file path=ppt/theme/theme1.xml><?xml version="1.0" encoding="utf-8"?>
-<a:theme xmlns:a="http://schemas.openxmlformats.org/drawingml/2006/main" xmlns:r="http://schemas.openxmlformats.org/officeDocument/2006/relationships" name="Simple Light">
+<a:theme xmlns:a="http://schemas.openxmlformats.org/drawingml/2006/main" xmlns:r="http://schemas.openxmlformats.org/officeDocument/2006/relationships" name="Office Theme">
   <a:themeElements>
-    <a:clrScheme name="Simple Light">
+    <a:clrScheme name="Office">
       <a:dk1>
         <a:srgbClr val="000000"/>
       </a:dk1>
@@ -23956,34 +23991,34 @@
         <a:srgbClr val="FFFFFF"/>
       </a:lt1>
       <a:dk2>
-        <a:srgbClr val="595959"/>
+        <a:srgbClr val="1F497D"/>
       </a:dk2>
       <a:lt2>
-        <a:srgbClr val="EEEEEE"/>
+        <a:srgbClr val="EEECE1"/>
       </a:lt2>
       <a:accent1>
-        <a:srgbClr val="4285F4"/>
+        <a:srgbClr val="4F81BD"/>
       </a:accent1>
       <a:accent2>
-        <a:srgbClr val="212121"/>
+        <a:srgbClr val="C0504D"/>
       </a:accent2>
       <a:accent3>
-        <a:srgbClr val="78909C"/>
+        <a:srgbClr val="9BBB59"/>
       </a:accent3>
       <a:accent4>
-        <a:srgbClr val="FFAB40"/>
+        <a:srgbClr val="8064A2"/>
       </a:accent4>
       <a:accent5>
-        <a:srgbClr val="0097A7"/>
+        <a:srgbClr val="4BACC6"/>
       </a:accent5>
       <a:accent6>
-        <a:srgbClr val="EEFF41"/>
+        <a:srgbClr val="F79646"/>
       </a:accent6>
       <a:hlink>
-        <a:srgbClr val="0097A7"/>
+        <a:srgbClr val="0000FF"/>
       </a:hlink>
       <a:folHlink>
-        <a:srgbClr val="0097A7"/>
+        <a:srgbClr val="800080"/>
       </a:folHlink>
     </a:clrScheme>
     <a:fontScheme name="Office">
@@ -24225,9 +24260,9 @@
 </file>
 
 <file path=ppt/theme/theme2.xml><?xml version="1.0" encoding="utf-8"?>
-<a:theme xmlns:a="http://schemas.openxmlformats.org/drawingml/2006/main" xmlns:r="http://schemas.openxmlformats.org/officeDocument/2006/relationships" name="Office Theme">
+<a:theme xmlns:a="http://schemas.openxmlformats.org/drawingml/2006/main" xmlns:r="http://schemas.openxmlformats.org/officeDocument/2006/relationships" name="Simple Light">
   <a:themeElements>
-    <a:clrScheme name="Office">
+    <a:clrScheme name="Simple Light">
       <a:dk1>
         <a:srgbClr val="000000"/>
       </a:dk1>
@@ -24235,34 +24270,34 @@
         <a:srgbClr val="FFFFFF"/>
       </a:lt1>
       <a:dk2>
-        <a:srgbClr val="1F497D"/>
+        <a:srgbClr val="595959"/>
       </a:dk2>
       <a:lt2>
-        <a:srgbClr val="EEECE1"/>
+        <a:srgbClr val="EEEEEE"/>
       </a:lt2>
       <a:accent1>
-        <a:srgbClr val="4F81BD"/>
+        <a:srgbClr val="4285F4"/>
       </a:accent1>
       <a:accent2>
-        <a:srgbClr val="C0504D"/>
+        <a:srgbClr val="212121"/>
       </a:accent2>
       <a:accent3>
-        <a:srgbClr val="9BBB59"/>
+        <a:srgbClr val="78909C"/>
       </a:accent3>
       <a:accent4>
-        <a:srgbClr val="8064A2"/>
+        <a:srgbClr val="FFAB40"/>
       </a:accent4>
       <a:accent5>
-        <a:srgbClr val="4BACC6"/>
+        <a:srgbClr val="0097A7"/>
       </a:accent5>
       <a:accent6>
-        <a:srgbClr val="F79646"/>
+        <a:srgbClr val="EEFF41"/>
       </a:accent6>
       <a:hlink>
-        <a:srgbClr val="0000FF"/>
+        <a:srgbClr val="0097A7"/>
       </a:hlink>
       <a:folHlink>
-        <a:srgbClr val="800080"/>
+        <a:srgbClr val="0097A7"/>
       </a:folHlink>
     </a:clrScheme>
     <a:fontScheme name="Office">

--- a/public/aquopitchdeck.pptx
+++ b/public/aquopitchdeck.pptx
@@ -977,7 +977,7 @@
   <p:cSld>
     <p:spTree>
       <p:nvGrpSpPr>
-        <p:cNvPr id="165" name="Shape 165"/>
+        <p:cNvPr id="164" name="Shape 164"/>
         <p:cNvGrpSpPr/>
         <p:nvPr/>
       </p:nvGrpSpPr>
@@ -991,7 +991,7 @@
       </p:grpSpPr>
       <p:sp>
         <p:nvSpPr>
-          <p:cNvPr id="166" name="Google Shape;166;p11:notes"/>
+          <p:cNvPr id="165" name="Google Shape;165;p11:notes"/>
           <p:cNvSpPr/>
           <p:nvPr>
             <p:ph idx="2" type="sldImg"/>
@@ -1036,7 +1036,7 @@
       </p:sp>
       <p:sp>
         <p:nvSpPr>
-          <p:cNvPr id="167" name="Google Shape;167;p11:notes"/>
+          <p:cNvPr id="166" name="Google Shape;166;p11:notes"/>
           <p:cNvSpPr txBox="1"/>
           <p:nvPr>
             <p:ph idx="1" type="body"/>
@@ -1098,7 +1098,7 @@
   <p:cSld>
     <p:spTree>
       <p:nvGrpSpPr>
-        <p:cNvPr id="188" name="Shape 188"/>
+        <p:cNvPr id="187" name="Shape 187"/>
         <p:cNvGrpSpPr/>
         <p:nvPr/>
       </p:nvGrpSpPr>
@@ -1112,7 +1112,7 @@
       </p:grpSpPr>
       <p:sp>
         <p:nvSpPr>
-          <p:cNvPr id="189" name="Google Shape;189;p12:notes"/>
+          <p:cNvPr id="188" name="Google Shape;188;p12:notes"/>
           <p:cNvSpPr/>
           <p:nvPr>
             <p:ph idx="2" type="sldImg"/>
@@ -1157,7 +1157,7 @@
       </p:sp>
       <p:sp>
         <p:nvSpPr>
-          <p:cNvPr id="190" name="Google Shape;190;p12:notes"/>
+          <p:cNvPr id="189" name="Google Shape;189;p12:notes"/>
           <p:cNvSpPr txBox="1"/>
           <p:nvPr>
             <p:ph idx="1" type="body"/>
@@ -1219,7 +1219,7 @@
   <p:cSld>
     <p:spTree>
       <p:nvGrpSpPr>
-        <p:cNvPr id="213" name="Shape 213"/>
+        <p:cNvPr id="212" name="Shape 212"/>
         <p:cNvGrpSpPr/>
         <p:nvPr/>
       </p:nvGrpSpPr>
@@ -1233,7 +1233,7 @@
       </p:grpSpPr>
       <p:sp>
         <p:nvSpPr>
-          <p:cNvPr id="214" name="Google Shape;214;p13:notes"/>
+          <p:cNvPr id="213" name="Google Shape;213;p13:notes"/>
           <p:cNvSpPr txBox="1"/>
           <p:nvPr>
             <p:ph idx="1" type="body"/>
@@ -1280,7 +1280,7 @@
       </p:sp>
       <p:sp>
         <p:nvSpPr>
-          <p:cNvPr id="215" name="Google Shape;215;p13:notes"/>
+          <p:cNvPr id="214" name="Google Shape;214;p13:notes"/>
           <p:cNvSpPr/>
           <p:nvPr>
             <p:ph idx="2" type="sldImg"/>
@@ -1578,7 +1578,7 @@
   <p:cSld>
     <p:spTree>
       <p:nvGrpSpPr>
-        <p:cNvPr id="67" name="Shape 67"/>
+        <p:cNvPr id="66" name="Shape 66"/>
         <p:cNvGrpSpPr/>
         <p:nvPr/>
       </p:nvGrpSpPr>
@@ -1592,7 +1592,7 @@
       </p:grpSpPr>
       <p:sp>
         <p:nvSpPr>
-          <p:cNvPr id="68" name="Google Shape;68;p5:notes"/>
+          <p:cNvPr id="67" name="Google Shape;67;p5:notes"/>
           <p:cNvSpPr txBox="1"/>
           <p:nvPr>
             <p:ph idx="1" type="body"/>
@@ -1639,7 +1639,7 @@
       </p:sp>
       <p:sp>
         <p:nvSpPr>
-          <p:cNvPr id="69" name="Google Shape;69;p5:notes"/>
+          <p:cNvPr id="68" name="Google Shape;68;p5:notes"/>
           <p:cNvSpPr/>
           <p:nvPr>
             <p:ph idx="2" type="sldImg"/>
@@ -1695,7 +1695,7 @@
   <p:cSld>
     <p:spTree>
       <p:nvGrpSpPr>
-        <p:cNvPr id="84" name="Shape 84"/>
+        <p:cNvPr id="83" name="Shape 83"/>
         <p:cNvGrpSpPr/>
         <p:nvPr/>
       </p:nvGrpSpPr>
@@ -1709,7 +1709,7 @@
       </p:grpSpPr>
       <p:sp>
         <p:nvSpPr>
-          <p:cNvPr id="85" name="Google Shape;85;p6:notes"/>
+          <p:cNvPr id="84" name="Google Shape;84;p6:notes"/>
           <p:cNvSpPr/>
           <p:nvPr>
             <p:ph idx="2" type="sldImg"/>
@@ -1754,7 +1754,7 @@
       </p:sp>
       <p:sp>
         <p:nvSpPr>
-          <p:cNvPr id="86" name="Google Shape;86;p6:notes"/>
+          <p:cNvPr id="85" name="Google Shape;85;p6:notes"/>
           <p:cNvSpPr txBox="1"/>
           <p:nvPr>
             <p:ph idx="1" type="body"/>
@@ -1816,7 +1816,7 @@
   <p:cSld>
     <p:spTree>
       <p:nvGrpSpPr>
-        <p:cNvPr id="102" name="Shape 102"/>
+        <p:cNvPr id="101" name="Shape 101"/>
         <p:cNvGrpSpPr/>
         <p:nvPr/>
       </p:nvGrpSpPr>
@@ -1830,7 +1830,7 @@
       </p:grpSpPr>
       <p:sp>
         <p:nvSpPr>
-          <p:cNvPr id="103" name="Google Shape;103;p7:notes"/>
+          <p:cNvPr id="102" name="Google Shape;102;p7:notes"/>
           <p:cNvSpPr/>
           <p:nvPr>
             <p:ph idx="2" type="sldImg"/>
@@ -1875,7 +1875,7 @@
       </p:sp>
       <p:sp>
         <p:nvSpPr>
-          <p:cNvPr id="104" name="Google Shape;104;p7:notes"/>
+          <p:cNvPr id="103" name="Google Shape;103;p7:notes"/>
           <p:cNvSpPr txBox="1"/>
           <p:nvPr>
             <p:ph idx="1" type="body"/>
@@ -1937,7 +1937,7 @@
   <p:cSld>
     <p:spTree>
       <p:nvGrpSpPr>
-        <p:cNvPr id="118" name="Shape 118"/>
+        <p:cNvPr id="117" name="Shape 117"/>
         <p:cNvGrpSpPr/>
         <p:nvPr/>
       </p:nvGrpSpPr>
@@ -1951,7 +1951,7 @@
       </p:grpSpPr>
       <p:sp>
         <p:nvSpPr>
-          <p:cNvPr id="119" name="Google Shape;119;p8:notes"/>
+          <p:cNvPr id="118" name="Google Shape;118;p8:notes"/>
           <p:cNvSpPr/>
           <p:nvPr>
             <p:ph idx="2" type="sldImg"/>
@@ -1996,7 +1996,7 @@
       </p:sp>
       <p:sp>
         <p:nvSpPr>
-          <p:cNvPr id="120" name="Google Shape;120;p8:notes"/>
+          <p:cNvPr id="119" name="Google Shape;119;p8:notes"/>
           <p:cNvSpPr txBox="1"/>
           <p:nvPr>
             <p:ph idx="1" type="body"/>
@@ -2058,7 +2058,7 @@
   <p:cSld>
     <p:spTree>
       <p:nvGrpSpPr>
-        <p:cNvPr id="136" name="Shape 136"/>
+        <p:cNvPr id="135" name="Shape 135"/>
         <p:cNvGrpSpPr/>
         <p:nvPr/>
       </p:nvGrpSpPr>
@@ -2072,7 +2072,7 @@
       </p:grpSpPr>
       <p:sp>
         <p:nvSpPr>
-          <p:cNvPr id="137" name="Google Shape;137;p9:notes"/>
+          <p:cNvPr id="136" name="Google Shape;136;p9:notes"/>
           <p:cNvSpPr/>
           <p:nvPr>
             <p:ph idx="2" type="sldImg"/>
@@ -2117,7 +2117,7 @@
       </p:sp>
       <p:sp>
         <p:nvSpPr>
-          <p:cNvPr id="138" name="Google Shape;138;p9:notes"/>
+          <p:cNvPr id="137" name="Google Shape;137;p9:notes"/>
           <p:cNvSpPr txBox="1"/>
           <p:nvPr>
             <p:ph idx="1" type="body"/>
@@ -2179,7 +2179,7 @@
   <p:cSld>
     <p:spTree>
       <p:nvGrpSpPr>
-        <p:cNvPr id="145" name="Shape 145"/>
+        <p:cNvPr id="144" name="Shape 144"/>
         <p:cNvGrpSpPr/>
         <p:nvPr/>
       </p:nvGrpSpPr>
@@ -2193,7 +2193,7 @@
       </p:grpSpPr>
       <p:sp>
         <p:nvSpPr>
-          <p:cNvPr id="146" name="Google Shape;146;p10:notes"/>
+          <p:cNvPr id="145" name="Google Shape;145;p10:notes"/>
           <p:cNvSpPr/>
           <p:nvPr>
             <p:ph idx="2" type="sldImg"/>
@@ -2238,7 +2238,7 @@
       </p:sp>
       <p:sp>
         <p:nvSpPr>
-          <p:cNvPr id="147" name="Google Shape;147;p10:notes"/>
+          <p:cNvPr id="146" name="Google Shape;146;p10:notes"/>
           <p:cNvSpPr txBox="1"/>
           <p:nvPr>
             <p:ph idx="1" type="body"/>
@@ -3131,8 +3131,8 @@
         </p:nvSpPr>
         <p:spPr>
           <a:xfrm>
-            <a:off x="7484161" y="2029596"/>
-            <a:ext cx="3996639" cy="2101616"/>
+            <a:off x="7484150" y="2029601"/>
+            <a:ext cx="3996600" cy="2732100"/>
           </a:xfrm>
           <a:prstGeom prst="rect">
             <a:avLst/>
@@ -3177,8 +3177,36 @@
               </a:rPr>
               <a:t>Mission statement:</a:t>
             </a:r>
-            <a:br>
-              <a:rPr b="1" i="0" lang="en-GB" sz="2200" u="none" cap="none" strike="noStrike">
+            <a:endParaRPr b="1" i="0" sz="2200" u="none" cap="none" strike="noStrike">
+              <a:solidFill>
+                <a:srgbClr val="F2F4F5"/>
+              </a:solidFill>
+              <a:latin typeface="Open Sans"/>
+              <a:ea typeface="Open Sans"/>
+              <a:cs typeface="Open Sans"/>
+              <a:sym typeface="Open Sans"/>
+            </a:endParaRPr>
+          </a:p>
+          <a:p>
+            <a:pPr indent="0" lvl="0" marL="0" marR="0" rtl="0" algn="l">
+              <a:lnSpc>
+                <a:spcPct val="100000"/>
+              </a:lnSpc>
+              <a:spcBef>
+                <a:spcPts val="0"/>
+              </a:spcBef>
+              <a:spcAft>
+                <a:spcPts val="0"/>
+              </a:spcAft>
+              <a:buClr>
+                <a:schemeClr val="dk1"/>
+              </a:buClr>
+              <a:buSzPts val="1100"/>
+              <a:buFont typeface="Arial"/>
+              <a:buNone/>
+            </a:pPr>
+            <a:r>
+              <a:rPr lang="en-GB" sz="2200">
                 <a:solidFill>
                   <a:srgbClr val="F2F4F5"/>
                 </a:solidFill>
@@ -3187,9 +3215,10 @@
                 <a:cs typeface="Open Sans"/>
                 <a:sym typeface="Open Sans"/>
               </a:rPr>
-            </a:br>
-            <a:r>
-              <a:rPr b="0" i="0" lang="en-GB" sz="2200" u="none" cap="none" strike="noStrike">
+              <a:t>To integrate the world’s financial systems into one protocol.</a:t>
+            </a:r>
+            <a:br>
+              <a:rPr b="1" i="0" lang="en-GB" sz="2200" u="none" cap="none" strike="noStrike">
                 <a:solidFill>
                   <a:srgbClr val="F2F4F5"/>
                 </a:solidFill>
@@ -3198,8 +3227,7 @@
                 <a:cs typeface="Open Sans"/>
                 <a:sym typeface="Open Sans"/>
               </a:rPr>
-              <a:t>To make the world's real assets liquid, and to create high growth customizable financial instruments for these assets (derivatives).</a:t>
-            </a:r>
+            </a:br>
             <a:endParaRPr b="0" i="0" sz="2200" u="none" cap="none" strike="noStrike">
               <a:solidFill>
                 <a:srgbClr val="F2F4F5"/>
@@ -3361,7 +3389,7 @@
               </a:rPr>
               <a:t>Aquo</a:t>
             </a:r>
-            <a:endParaRPr b="0" i="0" sz="4400" u="none" cap="none" strike="noStrike">
+            <a:endParaRPr sz="4400">
               <a:solidFill>
                 <a:srgbClr val="F6F9FF"/>
               </a:solidFill>
@@ -3487,7 +3515,7 @@
     </p:bg>
     <p:spTree>
       <p:nvGrpSpPr>
-        <p:cNvPr id="168" name="Shape 168"/>
+        <p:cNvPr id="167" name="Shape 167"/>
         <p:cNvGrpSpPr/>
         <p:nvPr/>
       </p:nvGrpSpPr>
@@ -3501,7 +3529,7 @@
       </p:grpSpPr>
       <p:sp>
         <p:nvSpPr>
-          <p:cNvPr id="169" name="Google Shape;169;p13"/>
+          <p:cNvPr id="168" name="Google Shape;168;p13"/>
           <p:cNvSpPr/>
           <p:nvPr/>
         </p:nvSpPr>
@@ -3563,7 +3591,7 @@
       </p:sp>
       <p:sp>
         <p:nvSpPr>
-          <p:cNvPr id="170" name="Google Shape;170;p13"/>
+          <p:cNvPr id="169" name="Google Shape;169;p13"/>
           <p:cNvSpPr/>
           <p:nvPr/>
         </p:nvSpPr>
@@ -3631,7 +3659,7 @@
       </p:sp>
       <p:sp>
         <p:nvSpPr>
-          <p:cNvPr id="171" name="Google Shape;171;p13"/>
+          <p:cNvPr id="170" name="Google Shape;170;p13"/>
           <p:cNvSpPr txBox="1"/>
           <p:nvPr/>
         </p:nvSpPr>
@@ -3681,7 +3709,31 @@
                 <a:cs typeface="Work Sans SemiBold"/>
                 <a:sym typeface="Work Sans SemiBold"/>
               </a:rPr>
-              <a:t>Our team</a:t>
+              <a:t>Our </a:t>
+            </a:r>
+            <a:r>
+              <a:rPr lang="en-GB" sz="3400">
+                <a:solidFill>
+                  <a:srgbClr val="000646"/>
+                </a:solidFill>
+                <a:latin typeface="Work Sans SemiBold"/>
+                <a:ea typeface="Work Sans SemiBold"/>
+                <a:cs typeface="Work Sans SemiBold"/>
+                <a:sym typeface="Work Sans SemiBold"/>
+              </a:rPr>
+              <a:t>T</a:t>
+            </a:r>
+            <a:r>
+              <a:rPr b="0" i="0" lang="en-GB" sz="3400" u="none" cap="none" strike="noStrike">
+                <a:solidFill>
+                  <a:srgbClr val="000646"/>
+                </a:solidFill>
+                <a:latin typeface="Work Sans SemiBold"/>
+                <a:ea typeface="Work Sans SemiBold"/>
+                <a:cs typeface="Work Sans SemiBold"/>
+                <a:sym typeface="Work Sans SemiBold"/>
+              </a:rPr>
+              <a:t>eam</a:t>
             </a:r>
             <a:endParaRPr b="0" i="0" sz="3400" u="none" cap="none" strike="noStrike">
               <a:solidFill>
@@ -3697,7 +3749,7 @@
       </p:sp>
       <p:sp>
         <p:nvSpPr>
-          <p:cNvPr id="172" name="Google Shape;172;p13"/>
+          <p:cNvPr id="171" name="Google Shape;171;p13"/>
           <p:cNvSpPr/>
           <p:nvPr/>
         </p:nvSpPr>
@@ -3759,7 +3811,7 @@
       </p:sp>
       <p:pic>
         <p:nvPicPr>
-          <p:cNvPr id="173" name="Google Shape;173;p13"/>
+          <p:cNvPr id="172" name="Google Shape;172;p13"/>
           <p:cNvPicPr preferRelativeResize="0"/>
           <p:nvPr/>
         </p:nvPicPr>
@@ -3792,7 +3844,7 @@
       </p:pic>
       <p:sp>
         <p:nvSpPr>
-          <p:cNvPr id="174" name="Google Shape;174;p13"/>
+          <p:cNvPr id="173" name="Google Shape;173;p13"/>
           <p:cNvSpPr txBox="1"/>
           <p:nvPr/>
         </p:nvSpPr>
@@ -3842,7 +3894,7 @@
                 <a:cs typeface="Work Sans"/>
                 <a:sym typeface="Work Sans"/>
               </a:rPr>
-              <a:t>Blockchain specialist, experienced in lifestyle startups, advanced systems background (big data, AI), financial systems background.</a:t>
+              <a:t>Experienced in blockchains from when ETH traded at under 10 dollars, from a heavy systems background with a extensive financial systems experience. </a:t>
             </a:r>
             <a:endParaRPr b="0" i="0" sz="1400" u="none" cap="none" strike="noStrike">
               <a:solidFill>
@@ -3858,7 +3910,7 @@
       </p:sp>
       <p:sp>
         <p:nvSpPr>
-          <p:cNvPr id="175" name="Google Shape;175;p13"/>
+          <p:cNvPr id="174" name="Google Shape;174;p13"/>
           <p:cNvSpPr txBox="1"/>
           <p:nvPr/>
         </p:nvSpPr>
@@ -3964,7 +4016,7 @@
       </p:sp>
       <p:sp>
         <p:nvSpPr>
-          <p:cNvPr id="176" name="Google Shape;176;p13"/>
+          <p:cNvPr id="175" name="Google Shape;175;p13"/>
           <p:cNvSpPr/>
           <p:nvPr/>
         </p:nvSpPr>
@@ -4026,7 +4078,7 @@
       </p:sp>
       <p:pic>
         <p:nvPicPr>
-          <p:cNvPr id="177" name="Google Shape;177;p13"/>
+          <p:cNvPr id="176" name="Google Shape;176;p13"/>
           <p:cNvPicPr preferRelativeResize="0"/>
           <p:nvPr/>
         </p:nvPicPr>
@@ -4059,7 +4111,7 @@
       </p:pic>
       <p:sp>
         <p:nvSpPr>
-          <p:cNvPr id="178" name="Google Shape;178;p13"/>
+          <p:cNvPr id="177" name="Google Shape;177;p13"/>
           <p:cNvSpPr txBox="1"/>
           <p:nvPr/>
         </p:nvSpPr>
@@ -4109,7 +4161,7 @@
                 <a:cs typeface="Work Sans"/>
                 <a:sym typeface="Work Sans"/>
               </a:rPr>
-              <a:t>Marketing specialist. Experience in branding, PR statements, social media, logos, taglines, </a:t>
+              <a:t>A marketing specialist with a strong branding and financial service </a:t>
             </a:r>
             <a:r>
               <a:rPr lang="en-GB" sz="1200">
@@ -4121,7 +4173,7 @@
                 <a:cs typeface="Work Sans"/>
                 <a:sym typeface="Work Sans"/>
               </a:rPr>
-              <a:t>documents</a:t>
+              <a:t>background</a:t>
             </a:r>
             <a:r>
               <a:rPr lang="en-GB" sz="1200">
@@ -4133,31 +4185,7 @@
                 <a:cs typeface="Work Sans"/>
                 <a:sym typeface="Work Sans"/>
               </a:rPr>
-              <a:t>, website </a:t>
-            </a:r>
-            <a:r>
-              <a:rPr lang="en-GB" sz="1200">
-                <a:solidFill>
-                  <a:srgbClr val="000646"/>
-                </a:solidFill>
-                <a:latin typeface="Work Sans"/>
-                <a:ea typeface="Work Sans"/>
-                <a:cs typeface="Work Sans"/>
-                <a:sym typeface="Work Sans"/>
-              </a:rPr>
-              <a:t>appearance</a:t>
-            </a:r>
-            <a:r>
-              <a:rPr lang="en-GB" sz="1200">
-                <a:solidFill>
-                  <a:srgbClr val="000646"/>
-                </a:solidFill>
-                <a:latin typeface="Work Sans"/>
-                <a:ea typeface="Work Sans"/>
-                <a:cs typeface="Work Sans"/>
-                <a:sym typeface="Work Sans"/>
-              </a:rPr>
-              <a:t>. </a:t>
+              <a:t> to build investor (user) confidence. </a:t>
             </a:r>
             <a:endParaRPr b="0" i="0" sz="1400" u="none" cap="none" strike="noStrike">
               <a:solidFill>
@@ -4173,7 +4201,7 @@
       </p:sp>
       <p:sp>
         <p:nvSpPr>
-          <p:cNvPr id="179" name="Google Shape;179;p13"/>
+          <p:cNvPr id="178" name="Google Shape;178;p13"/>
           <p:cNvSpPr txBox="1"/>
           <p:nvPr/>
         </p:nvSpPr>
@@ -4223,7 +4251,7 @@
                 <a:cs typeface="Work Sans"/>
                 <a:sym typeface="Work Sans"/>
               </a:rPr>
-              <a:t>TBA</a:t>
+              <a:t>Marketing DIrector (TBA)</a:t>
             </a:r>
             <a:endParaRPr b="1" sz="1600">
               <a:solidFill>
@@ -4301,7 +4329,7 @@
       </p:sp>
       <p:sp>
         <p:nvSpPr>
-          <p:cNvPr id="180" name="Google Shape;180;p13"/>
+          <p:cNvPr id="179" name="Google Shape;179;p13"/>
           <p:cNvSpPr/>
           <p:nvPr/>
         </p:nvSpPr>
@@ -4363,7 +4391,7 @@
       </p:sp>
       <p:pic>
         <p:nvPicPr>
-          <p:cNvPr id="181" name="Google Shape;181;p13"/>
+          <p:cNvPr id="180" name="Google Shape;180;p13"/>
           <p:cNvPicPr preferRelativeResize="0"/>
           <p:nvPr/>
         </p:nvPicPr>
@@ -4396,7 +4424,7 @@
       </p:pic>
       <p:sp>
         <p:nvSpPr>
-          <p:cNvPr id="182" name="Google Shape;182;p13"/>
+          <p:cNvPr id="181" name="Google Shape;181;p13"/>
           <p:cNvSpPr txBox="1"/>
           <p:nvPr/>
         </p:nvSpPr>
@@ -4446,31 +4474,7 @@
                 <a:cs typeface="Work Sans"/>
                 <a:sym typeface="Work Sans"/>
               </a:rPr>
-              <a:t>Financial Specialist. Experienced in financial products, derivatives, financial statements, profit </a:t>
-            </a:r>
-            <a:r>
-              <a:rPr lang="en-GB" sz="1200">
-                <a:solidFill>
-                  <a:srgbClr val="000646"/>
-                </a:solidFill>
-                <a:latin typeface="Work Sans"/>
-                <a:ea typeface="Work Sans"/>
-                <a:cs typeface="Work Sans"/>
-                <a:sym typeface="Work Sans"/>
-              </a:rPr>
-              <a:t>analysis</a:t>
-            </a:r>
-            <a:r>
-              <a:rPr lang="en-GB" sz="1200">
-                <a:solidFill>
-                  <a:srgbClr val="000646"/>
-                </a:solidFill>
-                <a:latin typeface="Work Sans"/>
-                <a:ea typeface="Work Sans"/>
-                <a:cs typeface="Work Sans"/>
-                <a:sym typeface="Work Sans"/>
-              </a:rPr>
-              <a:t>, CDOs, CMOs, liquidity, markets, valuations. </a:t>
+              <a:t>Financial specialist with a strong background in financial products, including derivatives, real assets, lending, loan protections, liquidity, markets.</a:t>
             </a:r>
             <a:endParaRPr b="0" i="0" sz="1400" u="none" cap="none" strike="noStrike">
               <a:solidFill>
@@ -4486,7 +4490,7 @@
       </p:sp>
       <p:sp>
         <p:nvSpPr>
-          <p:cNvPr id="183" name="Google Shape;183;p13"/>
+          <p:cNvPr id="182" name="Google Shape;182;p13"/>
           <p:cNvSpPr txBox="1"/>
           <p:nvPr/>
         </p:nvSpPr>
@@ -4536,7 +4540,7 @@
                 <a:cs typeface="Work Sans"/>
                 <a:sym typeface="Work Sans"/>
               </a:rPr>
-              <a:t>TBA</a:t>
+              <a:t>Financial Director (TBA)</a:t>
             </a:r>
             <a:endParaRPr b="0" i="0" sz="1400" u="none" cap="none" strike="noStrike">
               <a:solidFill>
@@ -4552,7 +4556,7 @@
       </p:sp>
       <p:pic>
         <p:nvPicPr>
-          <p:cNvPr id="184" name="Google Shape;184;p13"/>
+          <p:cNvPr id="183" name="Google Shape;183;p13"/>
           <p:cNvPicPr preferRelativeResize="0"/>
           <p:nvPr/>
         </p:nvPicPr>
@@ -4585,7 +4589,7 @@
       </p:pic>
       <p:sp>
         <p:nvSpPr>
-          <p:cNvPr id="185" name="Google Shape;185;p13"/>
+          <p:cNvPr id="184" name="Google Shape;184;p13"/>
           <p:cNvSpPr txBox="1"/>
           <p:nvPr/>
         </p:nvSpPr>
@@ -4635,7 +4639,7 @@
                 <a:cs typeface="Work Sans"/>
                 <a:sym typeface="Work Sans"/>
               </a:rPr>
-              <a:t>Infrastructure Specialist Experienced in cloud, databases, Web3, UIs, Cloudflare, gateways, security, encryption, blockchains, networks, VPCs, wallets..</a:t>
+              <a:t>Web3 Specialist very skilled in smart contracts, ERC standards, EVM chains especially Ethereum, DeFi, Wallet integrations, oracles, and synthetic assets.</a:t>
             </a:r>
             <a:endParaRPr b="0" i="0" sz="1400" u="none" cap="none" strike="noStrike">
               <a:solidFill>
@@ -4651,7 +4655,7 @@
       </p:sp>
       <p:sp>
         <p:nvSpPr>
-          <p:cNvPr id="186" name="Google Shape;186;p13"/>
+          <p:cNvPr id="185" name="Google Shape;185;p13"/>
           <p:cNvSpPr txBox="1"/>
           <p:nvPr/>
         </p:nvSpPr>
@@ -4701,7 +4705,7 @@
                 <a:cs typeface="Work Sans"/>
                 <a:sym typeface="Work Sans"/>
               </a:rPr>
-              <a:t>TBA</a:t>
+              <a:t>Technology Director (TBA)</a:t>
             </a:r>
             <a:endParaRPr b="0" i="0" sz="1400" u="none" cap="none" strike="noStrike">
               <a:solidFill>
@@ -4717,7 +4721,7 @@
       </p:sp>
       <p:pic>
         <p:nvPicPr>
-          <p:cNvPr id="187" name="Google Shape;187;p13"/>
+          <p:cNvPr id="186" name="Google Shape;186;p13"/>
           <p:cNvPicPr preferRelativeResize="0"/>
           <p:nvPr/>
         </p:nvPicPr>
@@ -4763,7 +4767,7 @@
     </p:bg>
     <p:spTree>
       <p:nvGrpSpPr>
-        <p:cNvPr id="191" name="Shape 191"/>
+        <p:cNvPr id="190" name="Shape 190"/>
         <p:cNvGrpSpPr/>
         <p:nvPr/>
       </p:nvGrpSpPr>
@@ -4777,7 +4781,7 @@
       </p:grpSpPr>
       <p:sp>
         <p:nvSpPr>
-          <p:cNvPr id="192" name="Google Shape;192;p14"/>
+          <p:cNvPr id="191" name="Google Shape;191;p14"/>
           <p:cNvSpPr/>
           <p:nvPr/>
         </p:nvSpPr>
@@ -4839,7 +4843,7 @@
       </p:sp>
       <p:sp>
         <p:nvSpPr>
-          <p:cNvPr id="193" name="Google Shape;193;p14"/>
+          <p:cNvPr id="192" name="Google Shape;192;p14"/>
           <p:cNvSpPr/>
           <p:nvPr/>
         </p:nvSpPr>
@@ -4907,7 +4911,7 @@
       </p:sp>
       <p:sp>
         <p:nvSpPr>
-          <p:cNvPr id="194" name="Google Shape;194;p14"/>
+          <p:cNvPr id="193" name="Google Shape;193;p14"/>
           <p:cNvSpPr/>
           <p:nvPr/>
         </p:nvSpPr>
@@ -4969,7 +4973,7 @@
       </p:sp>
       <p:sp>
         <p:nvSpPr>
-          <p:cNvPr id="195" name="Google Shape;195;p14"/>
+          <p:cNvPr id="194" name="Google Shape;194;p14"/>
           <p:cNvSpPr/>
           <p:nvPr/>
         </p:nvSpPr>
@@ -5037,7 +5041,7 @@
       </p:sp>
       <p:sp>
         <p:nvSpPr>
-          <p:cNvPr id="196" name="Google Shape;196;p14"/>
+          <p:cNvPr id="195" name="Google Shape;195;p14"/>
           <p:cNvSpPr/>
           <p:nvPr/>
         </p:nvSpPr>
@@ -5099,7 +5103,7 @@
       </p:sp>
       <p:sp>
         <p:nvSpPr>
-          <p:cNvPr id="197" name="Google Shape;197;p14"/>
+          <p:cNvPr id="196" name="Google Shape;196;p14"/>
           <p:cNvSpPr/>
           <p:nvPr/>
         </p:nvSpPr>
@@ -5161,7 +5165,7 @@
       </p:sp>
       <p:sp>
         <p:nvSpPr>
-          <p:cNvPr id="198" name="Google Shape;198;p14"/>
+          <p:cNvPr id="197" name="Google Shape;197;p14"/>
           <p:cNvSpPr/>
           <p:nvPr/>
         </p:nvSpPr>
@@ -5229,7 +5233,7 @@
       </p:sp>
       <p:sp>
         <p:nvSpPr>
-          <p:cNvPr id="199" name="Google Shape;199;p14"/>
+          <p:cNvPr id="198" name="Google Shape;198;p14"/>
           <p:cNvSpPr txBox="1"/>
           <p:nvPr/>
         </p:nvSpPr>
@@ -5279,7 +5283,31 @@
                 <a:cs typeface="Work Sans SemiBold"/>
                 <a:sym typeface="Work Sans SemiBold"/>
               </a:rPr>
-              <a:t>Deal summary</a:t>
+              <a:t>Deal </a:t>
+            </a:r>
+            <a:r>
+              <a:rPr lang="en-GB" sz="3400">
+                <a:solidFill>
+                  <a:srgbClr val="000646"/>
+                </a:solidFill>
+                <a:latin typeface="Work Sans SemiBold"/>
+                <a:ea typeface="Work Sans SemiBold"/>
+                <a:cs typeface="Work Sans SemiBold"/>
+                <a:sym typeface="Work Sans SemiBold"/>
+              </a:rPr>
+              <a:t>S</a:t>
+            </a:r>
+            <a:r>
+              <a:rPr b="0" i="0" lang="en-GB" sz="3400" u="none" cap="none" strike="noStrike">
+                <a:solidFill>
+                  <a:srgbClr val="000646"/>
+                </a:solidFill>
+                <a:latin typeface="Work Sans SemiBold"/>
+                <a:ea typeface="Work Sans SemiBold"/>
+                <a:cs typeface="Work Sans SemiBold"/>
+                <a:sym typeface="Work Sans SemiBold"/>
+              </a:rPr>
+              <a:t>ummary</a:t>
             </a:r>
             <a:endParaRPr b="0" i="0" sz="3400" u="none" cap="none" strike="noStrike">
               <a:solidFill>
@@ -5295,7 +5323,7 @@
       </p:sp>
       <p:sp>
         <p:nvSpPr>
-          <p:cNvPr id="200" name="Google Shape;200;p14"/>
+          <p:cNvPr id="199" name="Google Shape;199;p14"/>
           <p:cNvSpPr txBox="1"/>
           <p:nvPr/>
         </p:nvSpPr>
@@ -5345,7 +5373,7 @@
                 <a:cs typeface="Work Sans"/>
                 <a:sym typeface="Work Sans"/>
               </a:rPr>
-              <a:t>$</a:t>
+              <a:t>$10</a:t>
             </a:r>
             <a:r>
               <a:rPr b="1" lang="en-GB" sz="3200">
@@ -5357,7 +5385,7 @@
                 <a:cs typeface="Work Sans"/>
                 <a:sym typeface="Work Sans"/>
               </a:rPr>
-              <a:t>50k</a:t>
+              <a:t>0k</a:t>
             </a:r>
             <a:br>
               <a:rPr b="0" i="0" lang="en-GB" sz="3200" u="none" cap="none" strike="noStrike">
@@ -5384,7 +5412,7 @@
       </p:sp>
       <p:sp>
         <p:nvSpPr>
-          <p:cNvPr id="201" name="Google Shape;201;p14"/>
+          <p:cNvPr id="200" name="Google Shape;200;p14"/>
           <p:cNvSpPr txBox="1"/>
           <p:nvPr/>
         </p:nvSpPr>
@@ -5434,48 +5462,33 @@
                 <a:cs typeface="Work Sans"/>
                 <a:sym typeface="Work Sans"/>
               </a:rPr>
-              <a:t>The valuation is 500K at this pre-seed round.</a:t>
-            </a:r>
-            <a:endParaRPr b="0" i="0" sz="1400" u="none" cap="none" strike="noStrike">
-              <a:solidFill>
-                <a:srgbClr val="000000"/>
-              </a:solidFill>
-              <a:latin typeface="Arial"/>
-              <a:ea typeface="Arial"/>
-              <a:cs typeface="Arial"/>
-              <a:sym typeface="Arial"/>
-            </a:endParaRPr>
-          </a:p>
-          <a:p>
-            <a:pPr indent="0" lvl="0" marL="0" marR="0" rtl="0" algn="l">
-              <a:lnSpc>
-                <a:spcPct val="100000"/>
-              </a:lnSpc>
-              <a:spcBef>
-                <a:spcPts val="0"/>
-              </a:spcBef>
-              <a:spcAft>
-                <a:spcPts val="0"/>
-              </a:spcAft>
-              <a:buClr>
-                <a:schemeClr val="dk1"/>
-              </a:buClr>
-              <a:buSzPts val="1100"/>
-              <a:buFont typeface="Arial"/>
-              <a:buNone/>
-            </a:pPr>
-            <a:br>
-              <a:rPr b="0" i="0" lang="en-GB" sz="1200" u="none" cap="none" strike="noStrike">
-                <a:solidFill>
-                  <a:srgbClr val="000646"/>
-                </a:solidFill>
-                <a:latin typeface="Work Sans"/>
-                <a:ea typeface="Work Sans"/>
-                <a:cs typeface="Work Sans"/>
-                <a:sym typeface="Work Sans"/>
-              </a:rPr>
-            </a:br>
-            <a:endParaRPr b="0" i="0" sz="1200" u="none" cap="none" strike="noStrike">
+              <a:t>Due to the </a:t>
+            </a:r>
+            <a:r>
+              <a:rPr lang="en-GB" sz="1600">
+                <a:solidFill>
+                  <a:srgbClr val="000646"/>
+                </a:solidFill>
+                <a:latin typeface="Work Sans"/>
+                <a:ea typeface="Work Sans"/>
+                <a:cs typeface="Work Sans"/>
+                <a:sym typeface="Work Sans"/>
+              </a:rPr>
+              <a:t>nature</a:t>
+            </a:r>
+            <a:r>
+              <a:rPr lang="en-GB" sz="1600">
+                <a:solidFill>
+                  <a:srgbClr val="000646"/>
+                </a:solidFill>
+                <a:latin typeface="Work Sans"/>
+                <a:ea typeface="Work Sans"/>
+                <a:cs typeface="Work Sans"/>
+                <a:sym typeface="Work Sans"/>
+              </a:rPr>
+              <a:t> of DeFi and the possible returns, the valuation shown is given.</a:t>
+            </a:r>
+            <a:endParaRPr sz="1600">
               <a:solidFill>
                 <a:srgbClr val="000646"/>
               </a:solidFill>
@@ -5485,11 +5498,192 @@
               <a:sym typeface="Work Sans"/>
             </a:endParaRPr>
           </a:p>
+          <a:p>
+            <a:pPr indent="0" lvl="0" marL="0" marR="0" rtl="0" algn="l">
+              <a:lnSpc>
+                <a:spcPct val="100000"/>
+              </a:lnSpc>
+              <a:spcBef>
+                <a:spcPts val="0"/>
+              </a:spcBef>
+              <a:spcAft>
+                <a:spcPts val="0"/>
+              </a:spcAft>
+              <a:buClr>
+                <a:schemeClr val="dk1"/>
+              </a:buClr>
+              <a:buSzPts val="1100"/>
+              <a:buFont typeface="Arial"/>
+              <a:buNone/>
+            </a:pPr>
+            <a:r>
+              <a:t/>
+            </a:r>
+            <a:endParaRPr sz="1600">
+              <a:solidFill>
+                <a:srgbClr val="000646"/>
+              </a:solidFill>
+              <a:latin typeface="Work Sans"/>
+              <a:ea typeface="Work Sans"/>
+              <a:cs typeface="Work Sans"/>
+              <a:sym typeface="Work Sans"/>
+            </a:endParaRPr>
+          </a:p>
+          <a:p>
+            <a:pPr indent="0" lvl="0" marL="0" marR="0" rtl="0" algn="l">
+              <a:lnSpc>
+                <a:spcPct val="100000"/>
+              </a:lnSpc>
+              <a:spcBef>
+                <a:spcPts val="0"/>
+              </a:spcBef>
+              <a:spcAft>
+                <a:spcPts val="0"/>
+              </a:spcAft>
+              <a:buClr>
+                <a:schemeClr val="dk1"/>
+              </a:buClr>
+              <a:buSzPts val="1100"/>
+              <a:buFont typeface="Arial"/>
+              <a:buNone/>
+            </a:pPr>
+            <a:r>
+              <a:rPr lang="en-GB" sz="1600">
+                <a:solidFill>
+                  <a:srgbClr val="000646"/>
+                </a:solidFill>
+                <a:latin typeface="Work Sans"/>
+                <a:ea typeface="Work Sans"/>
+                <a:cs typeface="Work Sans"/>
+                <a:sym typeface="Work Sans"/>
+              </a:rPr>
+              <a:t>Early investors could negotiate options to reduce their risks with rights to buy equity.</a:t>
+            </a:r>
+            <a:endParaRPr sz="1600">
+              <a:solidFill>
+                <a:srgbClr val="000646"/>
+              </a:solidFill>
+              <a:latin typeface="Work Sans"/>
+              <a:ea typeface="Work Sans"/>
+              <a:cs typeface="Work Sans"/>
+              <a:sym typeface="Work Sans"/>
+            </a:endParaRPr>
+          </a:p>
+          <a:p>
+            <a:pPr indent="0" lvl="0" marL="0" marR="0" rtl="0" algn="l">
+              <a:lnSpc>
+                <a:spcPct val="100000"/>
+              </a:lnSpc>
+              <a:spcBef>
+                <a:spcPts val="0"/>
+              </a:spcBef>
+              <a:spcAft>
+                <a:spcPts val="0"/>
+              </a:spcAft>
+              <a:buClr>
+                <a:schemeClr val="dk1"/>
+              </a:buClr>
+              <a:buSzPts val="1100"/>
+              <a:buFont typeface="Arial"/>
+              <a:buNone/>
+            </a:pPr>
+            <a:r>
+              <a:t/>
+            </a:r>
+            <a:endParaRPr sz="1600">
+              <a:solidFill>
+                <a:srgbClr val="000646"/>
+              </a:solidFill>
+              <a:latin typeface="Work Sans"/>
+              <a:ea typeface="Work Sans"/>
+              <a:cs typeface="Work Sans"/>
+              <a:sym typeface="Work Sans"/>
+            </a:endParaRPr>
+          </a:p>
+          <a:p>
+            <a:pPr indent="0" lvl="0" marL="0" marR="0" rtl="0" algn="l">
+              <a:lnSpc>
+                <a:spcPct val="100000"/>
+              </a:lnSpc>
+              <a:spcBef>
+                <a:spcPts val="0"/>
+              </a:spcBef>
+              <a:spcAft>
+                <a:spcPts val="0"/>
+              </a:spcAft>
+              <a:buClr>
+                <a:schemeClr val="dk1"/>
+              </a:buClr>
+              <a:buSzPts val="1100"/>
+              <a:buFont typeface="Arial"/>
+              <a:buNone/>
+            </a:pPr>
+            <a:r>
+              <a:rPr lang="en-GB" sz="1600">
+                <a:solidFill>
+                  <a:srgbClr val="000646"/>
+                </a:solidFill>
+                <a:latin typeface="Work Sans"/>
+                <a:ea typeface="Work Sans"/>
+                <a:cs typeface="Work Sans"/>
+                <a:sym typeface="Work Sans"/>
+              </a:rPr>
+              <a:t>This is a pre-seed round. </a:t>
+            </a:r>
+            <a:endParaRPr sz="1600">
+              <a:solidFill>
+                <a:srgbClr val="000646"/>
+              </a:solidFill>
+              <a:latin typeface="Work Sans"/>
+              <a:ea typeface="Work Sans"/>
+              <a:cs typeface="Work Sans"/>
+              <a:sym typeface="Work Sans"/>
+            </a:endParaRPr>
+          </a:p>
+          <a:p>
+            <a:pPr indent="0" lvl="0" marL="0" marR="0" rtl="0" algn="l">
+              <a:lnSpc>
+                <a:spcPct val="100000"/>
+              </a:lnSpc>
+              <a:spcBef>
+                <a:spcPts val="0"/>
+              </a:spcBef>
+              <a:spcAft>
+                <a:spcPts val="0"/>
+              </a:spcAft>
+              <a:buClr>
+                <a:schemeClr val="dk1"/>
+              </a:buClr>
+              <a:buSzPts val="1100"/>
+              <a:buFont typeface="Arial"/>
+              <a:buNone/>
+            </a:pPr>
+            <a:br>
+              <a:rPr b="0" i="0" lang="en-GB" sz="1200" u="none" cap="none" strike="noStrike">
+                <a:solidFill>
+                  <a:srgbClr val="000646"/>
+                </a:solidFill>
+                <a:latin typeface="Work Sans"/>
+                <a:ea typeface="Work Sans"/>
+                <a:cs typeface="Work Sans"/>
+                <a:sym typeface="Work Sans"/>
+              </a:rPr>
+            </a:br>
+            <a:endParaRPr b="0" i="0" sz="1200" u="none" cap="none" strike="noStrike">
+              <a:solidFill>
+                <a:srgbClr val="000646"/>
+              </a:solidFill>
+              <a:latin typeface="Work Sans"/>
+              <a:ea typeface="Work Sans"/>
+              <a:cs typeface="Work Sans"/>
+              <a:sym typeface="Work Sans"/>
+            </a:endParaRPr>
+          </a:p>
         </p:txBody>
       </p:sp>
       <p:sp>
         <p:nvSpPr>
-          <p:cNvPr id="202" name="Google Shape;202;p14"/>
+          <p:cNvPr id="201" name="Google Shape;201;p14"/>
           <p:cNvSpPr/>
           <p:nvPr/>
         </p:nvSpPr>
@@ -5557,7 +5751,7 @@
       </p:sp>
       <p:sp>
         <p:nvSpPr>
-          <p:cNvPr id="203" name="Google Shape;203;p14"/>
+          <p:cNvPr id="202" name="Google Shape;202;p14"/>
           <p:cNvSpPr txBox="1"/>
           <p:nvPr/>
         </p:nvSpPr>
@@ -5619,7 +5813,7 @@
       </p:sp>
       <p:sp>
         <p:nvSpPr>
-          <p:cNvPr id="204" name="Google Shape;204;p14"/>
+          <p:cNvPr id="203" name="Google Shape;203;p14"/>
           <p:cNvSpPr txBox="1"/>
           <p:nvPr/>
         </p:nvSpPr>
@@ -5716,7 +5910,7 @@
       </p:sp>
       <p:sp>
         <p:nvSpPr>
-          <p:cNvPr id="205" name="Google Shape;205;p14"/>
+          <p:cNvPr id="204" name="Google Shape;204;p14"/>
           <p:cNvSpPr txBox="1"/>
           <p:nvPr/>
         </p:nvSpPr>
@@ -5782,7 +5976,7 @@
       </p:sp>
       <p:sp>
         <p:nvSpPr>
-          <p:cNvPr id="206" name="Google Shape;206;p14"/>
+          <p:cNvPr id="205" name="Google Shape;205;p14"/>
           <p:cNvSpPr txBox="1"/>
           <p:nvPr/>
         </p:nvSpPr>
@@ -5871,7 +6065,7 @@
       </p:sp>
       <p:sp>
         <p:nvSpPr>
-          <p:cNvPr id="207" name="Google Shape;207;p14"/>
+          <p:cNvPr id="206" name="Google Shape;206;p14"/>
           <p:cNvSpPr txBox="1"/>
           <p:nvPr/>
         </p:nvSpPr>
@@ -5961,7 +6155,7 @@
       </p:sp>
       <p:sp>
         <p:nvSpPr>
-          <p:cNvPr id="208" name="Google Shape;208;p14"/>
+          <p:cNvPr id="207" name="Google Shape;207;p14"/>
           <p:cNvSpPr txBox="1"/>
           <p:nvPr/>
         </p:nvSpPr>
@@ -6058,7 +6252,7 @@
       </p:sp>
       <p:sp>
         <p:nvSpPr>
-          <p:cNvPr id="209" name="Google Shape;209;p14"/>
+          <p:cNvPr id="208" name="Google Shape;208;p14"/>
           <p:cNvSpPr txBox="1"/>
           <p:nvPr/>
         </p:nvSpPr>
@@ -6124,7 +6318,7 @@
       </p:sp>
       <p:sp>
         <p:nvSpPr>
-          <p:cNvPr id="210" name="Google Shape;210;p14"/>
+          <p:cNvPr id="209" name="Google Shape;209;p14"/>
           <p:cNvSpPr/>
           <p:nvPr/>
         </p:nvSpPr>
@@ -6192,7 +6386,7 @@
       </p:sp>
       <p:pic>
         <p:nvPicPr>
-          <p:cNvPr id="211" name="Google Shape;211;p14"/>
+          <p:cNvPr id="210" name="Google Shape;210;p14"/>
           <p:cNvPicPr preferRelativeResize="0"/>
           <p:nvPr/>
         </p:nvPicPr>
@@ -6220,7 +6414,7 @@
       </p:pic>
       <p:sp>
         <p:nvSpPr>
-          <p:cNvPr id="212" name="Google Shape;212;p14"/>
+          <p:cNvPr id="211" name="Google Shape;211;p14"/>
           <p:cNvSpPr txBox="1"/>
           <p:nvPr/>
         </p:nvSpPr>
@@ -6262,7 +6456,7 @@
                 <a:cs typeface="Work Sans"/>
                 <a:sym typeface="Work Sans"/>
               </a:rPr>
-              <a:t>$500K</a:t>
+              <a:t>$1M</a:t>
             </a:r>
             <a:endParaRPr b="1" sz="3200">
               <a:solidFill>
@@ -6296,7 +6490,7 @@
     </p:bg>
     <p:spTree>
       <p:nvGrpSpPr>
-        <p:cNvPr id="216" name="Shape 216"/>
+        <p:cNvPr id="215" name="Shape 215"/>
         <p:cNvGrpSpPr/>
         <p:nvPr/>
       </p:nvGrpSpPr>
@@ -6310,7 +6504,7 @@
       </p:grpSpPr>
       <p:sp>
         <p:nvSpPr>
-          <p:cNvPr id="217" name="Google Shape;217;p15"/>
+          <p:cNvPr id="216" name="Google Shape;216;p15"/>
           <p:cNvSpPr/>
           <p:nvPr/>
         </p:nvSpPr>
@@ -6378,14 +6572,14 @@
       </p:sp>
       <p:sp>
         <p:nvSpPr>
-          <p:cNvPr id="218" name="Google Shape;218;p15"/>
+          <p:cNvPr id="217" name="Google Shape;217;p15"/>
           <p:cNvSpPr txBox="1"/>
           <p:nvPr/>
         </p:nvSpPr>
         <p:spPr>
           <a:xfrm>
-            <a:off x="4436222" y="2932624"/>
-            <a:ext cx="3132197" cy="992752"/>
+            <a:off x="488825" y="2932625"/>
+            <a:ext cx="11214600" cy="992700"/>
           </a:xfrm>
           <a:prstGeom prst="rect">
             <a:avLst/>
@@ -6419,7 +6613,7 @@
               <a:buNone/>
             </a:pPr>
             <a:r>
-              <a:rPr b="0" i="0" lang="en-GB" sz="4400" u="none" cap="none" strike="noStrike">
+              <a:rPr lang="en-GB" sz="4400">
                 <a:solidFill>
                   <a:srgbClr val="F6F9FF"/>
                 </a:solidFill>
@@ -6428,7 +6622,7 @@
                 <a:cs typeface="Work Sans SemiBold"/>
                 <a:sym typeface="Work Sans SemiBold"/>
               </a:rPr>
-              <a:t>Thank you.</a:t>
+              <a:t>DeFi 2.0 is coming, be part of the vision. </a:t>
             </a:r>
             <a:endParaRPr b="0" i="0" sz="4400" u="none" cap="none" strike="noStrike">
               <a:solidFill>
@@ -6444,7 +6638,7 @@
       </p:sp>
       <p:sp>
         <p:nvSpPr>
-          <p:cNvPr id="219" name="Google Shape;219;p15"/>
+          <p:cNvPr id="218" name="Google Shape;218;p15"/>
           <p:cNvSpPr txBox="1"/>
           <p:nvPr/>
         </p:nvSpPr>
@@ -6590,7 +6784,7 @@
       </p:sp>
       <p:pic>
         <p:nvPicPr>
-          <p:cNvPr id="220" name="Google Shape;220;p15"/>
+          <p:cNvPr id="219" name="Google Shape;219;p15"/>
           <p:cNvPicPr preferRelativeResize="0"/>
           <p:nvPr/>
         </p:nvPicPr>
@@ -6910,61 +7104,158 @@
               </a:rPr>
             </a:br>
             <a:r>
-              <a:rPr b="1" i="0" lang="en-GB" sz="1500" u="none" cap="none" strike="noStrike">
-                <a:solidFill>
-                  <a:srgbClr val="000646"/>
-                </a:solidFill>
-                <a:latin typeface="Work Sans"/>
-                <a:ea typeface="Work Sans"/>
-                <a:cs typeface="Work Sans"/>
-                <a:sym typeface="Work Sans"/>
-              </a:rPr>
-              <a:t>Real assets</a:t>
-            </a:r>
-            <a:r>
-              <a:rPr b="0" i="0" lang="en-GB" sz="1500" u="none" cap="none" strike="noStrike">
-                <a:solidFill>
-                  <a:srgbClr val="000646"/>
-                </a:solidFill>
-                <a:latin typeface="Work Sans"/>
-                <a:ea typeface="Work Sans"/>
-                <a:cs typeface="Work Sans"/>
-                <a:sym typeface="Work Sans"/>
-              </a:rPr>
-              <a:t> - Real estate (land, buildings), Factories (machines, knowledge), Commodities, Precious metals, Natural resources, Art and collectibles, Vehicles (e.g. classic cars) - are </a:t>
-            </a:r>
-            <a:r>
-              <a:rPr b="1" i="0" lang="en-GB" sz="1500" u="none" cap="none" strike="noStrike">
-                <a:solidFill>
-                  <a:srgbClr val="000646"/>
-                </a:solidFill>
-                <a:latin typeface="Work Sans"/>
-                <a:ea typeface="Work Sans"/>
-                <a:cs typeface="Work Sans"/>
-                <a:sym typeface="Work Sans"/>
-              </a:rPr>
-              <a:t>illiquid</a:t>
-            </a:r>
-            <a:r>
-              <a:rPr b="0" i="0" lang="en-GB" sz="1500" u="none" cap="none" strike="noStrike">
-                <a:solidFill>
-                  <a:srgbClr val="000646"/>
-                </a:solidFill>
-                <a:latin typeface="Work Sans"/>
-                <a:ea typeface="Work Sans"/>
-                <a:cs typeface="Work Sans"/>
-                <a:sym typeface="Work Sans"/>
-              </a:rPr>
-              <a:t> creating Lower Investment Returns, higher opportunity costs, and difficulty in diversification.</a:t>
-            </a:r>
-            <a:endParaRPr b="0" i="0" sz="1500" u="none" cap="none" strike="noStrike">
-              <a:solidFill>
-                <a:srgbClr val="000000"/>
-              </a:solidFill>
-              <a:latin typeface="Arial"/>
-              <a:ea typeface="Arial"/>
-              <a:cs typeface="Arial"/>
-              <a:sym typeface="Arial"/>
+              <a:rPr lang="en-GB" sz="1500">
+                <a:solidFill>
+                  <a:srgbClr val="000646"/>
+                </a:solidFill>
+                <a:latin typeface="Work Sans"/>
+                <a:ea typeface="Work Sans"/>
+                <a:cs typeface="Work Sans"/>
+                <a:sym typeface="Work Sans"/>
+              </a:rPr>
+              <a:t>The first main problem to solve is related to liquidity itself for RWAs.  </a:t>
+            </a:r>
+            <a:endParaRPr sz="1500">
+              <a:solidFill>
+                <a:srgbClr val="000646"/>
+              </a:solidFill>
+              <a:latin typeface="Work Sans"/>
+              <a:ea typeface="Work Sans"/>
+              <a:cs typeface="Work Sans"/>
+              <a:sym typeface="Work Sans"/>
+            </a:endParaRPr>
+          </a:p>
+          <a:p>
+            <a:pPr indent="0" lvl="0" marL="0" marR="0" rtl="0" algn="l">
+              <a:lnSpc>
+                <a:spcPct val="100000"/>
+              </a:lnSpc>
+              <a:spcBef>
+                <a:spcPts val="0"/>
+              </a:spcBef>
+              <a:spcAft>
+                <a:spcPts val="0"/>
+              </a:spcAft>
+              <a:buClr>
+                <a:schemeClr val="dk1"/>
+              </a:buClr>
+              <a:buSzPts val="1100"/>
+              <a:buFont typeface="Arial"/>
+              <a:buNone/>
+            </a:pPr>
+            <a:r>
+              <a:t/>
+            </a:r>
+            <a:endParaRPr sz="1500">
+              <a:solidFill>
+                <a:srgbClr val="000646"/>
+              </a:solidFill>
+              <a:latin typeface="Work Sans"/>
+              <a:ea typeface="Work Sans"/>
+              <a:cs typeface="Work Sans"/>
+              <a:sym typeface="Work Sans"/>
+            </a:endParaRPr>
+          </a:p>
+          <a:p>
+            <a:pPr indent="0" lvl="0" marL="0" marR="0" rtl="0" algn="l">
+              <a:lnSpc>
+                <a:spcPct val="100000"/>
+              </a:lnSpc>
+              <a:spcBef>
+                <a:spcPts val="0"/>
+              </a:spcBef>
+              <a:spcAft>
+                <a:spcPts val="0"/>
+              </a:spcAft>
+              <a:buClr>
+                <a:schemeClr val="dk1"/>
+              </a:buClr>
+              <a:buSzPts val="1100"/>
+              <a:buFont typeface="Arial"/>
+              <a:buNone/>
+            </a:pPr>
+            <a:r>
+              <a:rPr lang="en-GB" sz="1500">
+                <a:solidFill>
+                  <a:srgbClr val="000646"/>
+                </a:solidFill>
+                <a:latin typeface="Work Sans"/>
+                <a:ea typeface="Work Sans"/>
+                <a:cs typeface="Work Sans"/>
+                <a:sym typeface="Work Sans"/>
+              </a:rPr>
+              <a:t>Once RWAs are tokenized they have limited liquidity which limits the entire point of tokenization. </a:t>
+            </a:r>
+            <a:endParaRPr sz="1500">
+              <a:solidFill>
+                <a:srgbClr val="000646"/>
+              </a:solidFill>
+              <a:latin typeface="Work Sans"/>
+              <a:ea typeface="Work Sans"/>
+              <a:cs typeface="Work Sans"/>
+              <a:sym typeface="Work Sans"/>
+            </a:endParaRPr>
+          </a:p>
+          <a:p>
+            <a:pPr indent="0" lvl="0" marL="0" marR="0" rtl="0" algn="l">
+              <a:lnSpc>
+                <a:spcPct val="100000"/>
+              </a:lnSpc>
+              <a:spcBef>
+                <a:spcPts val="0"/>
+              </a:spcBef>
+              <a:spcAft>
+                <a:spcPts val="0"/>
+              </a:spcAft>
+              <a:buClr>
+                <a:schemeClr val="dk1"/>
+              </a:buClr>
+              <a:buSzPts val="1100"/>
+              <a:buFont typeface="Arial"/>
+              <a:buNone/>
+            </a:pPr>
+            <a:r>
+              <a:t/>
+            </a:r>
+            <a:endParaRPr sz="1500">
+              <a:solidFill>
+                <a:srgbClr val="000646"/>
+              </a:solidFill>
+              <a:latin typeface="Work Sans"/>
+              <a:ea typeface="Work Sans"/>
+              <a:cs typeface="Work Sans"/>
+              <a:sym typeface="Work Sans"/>
+            </a:endParaRPr>
+          </a:p>
+          <a:p>
+            <a:pPr indent="0" lvl="0" marL="0" marR="0" rtl="0" algn="l">
+              <a:lnSpc>
+                <a:spcPct val="100000"/>
+              </a:lnSpc>
+              <a:spcBef>
+                <a:spcPts val="0"/>
+              </a:spcBef>
+              <a:spcAft>
+                <a:spcPts val="0"/>
+              </a:spcAft>
+              <a:buClr>
+                <a:schemeClr val="dk1"/>
+              </a:buClr>
+              <a:buSzPts val="1100"/>
+              <a:buFont typeface="Arial"/>
+              <a:buNone/>
+            </a:pPr>
+            <a:r>
+              <a:t/>
+            </a:r>
+            <a:endParaRPr sz="1500">
+              <a:solidFill>
+                <a:srgbClr val="000646"/>
+              </a:solidFill>
+              <a:latin typeface="Work Sans"/>
+              <a:ea typeface="Work Sans"/>
+              <a:cs typeface="Work Sans"/>
+              <a:sym typeface="Work Sans"/>
             </a:endParaRPr>
           </a:p>
           <a:p>
@@ -7094,30 +7385,6 @@
               <a:buNone/>
             </a:pPr>
             <a:r>
-              <a:rPr b="1" i="0" lang="en-GB" sz="1500" u="none" cap="none" strike="noStrike">
-                <a:solidFill>
-                  <a:srgbClr val="000646"/>
-                </a:solidFill>
-                <a:latin typeface="Work Sans"/>
-                <a:ea typeface="Work Sans"/>
-                <a:cs typeface="Work Sans"/>
-                <a:sym typeface="Work Sans"/>
-              </a:rPr>
-              <a:t>Derivatives</a:t>
-            </a:r>
-            <a:r>
-              <a:rPr b="0" i="0" lang="en-GB" sz="1500" u="none" cap="none" strike="noStrike">
-                <a:solidFill>
-                  <a:srgbClr val="000646"/>
-                </a:solidFill>
-                <a:latin typeface="Work Sans"/>
-                <a:ea typeface="Work Sans"/>
-                <a:cs typeface="Work Sans"/>
-                <a:sym typeface="Work Sans"/>
-              </a:rPr>
-              <a:t> (financial instruments) may be or have: non-transparent, overly complex, non-standardized, very risky, limited accessibility, </a:t>
-            </a:r>
-            <a:r>
               <a:rPr lang="en-GB" sz="1500">
                 <a:solidFill>
                   <a:srgbClr val="000646"/>
@@ -7127,48 +7394,87 @@
                 <a:cs typeface="Work Sans"/>
                 <a:sym typeface="Work Sans"/>
               </a:rPr>
-              <a:t>systematic</a:t>
-            </a:r>
-            <a:r>
-              <a:rPr b="0" i="0" lang="en-GB" sz="1500" u="none" cap="none" strike="noStrike">
-                <a:solidFill>
-                  <a:srgbClr val="000646"/>
-                </a:solidFill>
-                <a:latin typeface="Work Sans"/>
-                <a:ea typeface="Work Sans"/>
-                <a:cs typeface="Work Sans"/>
-                <a:sym typeface="Work Sans"/>
-              </a:rPr>
-              <a:t> risk, and counterparty risk, which leads to </a:t>
-            </a:r>
-            <a:r>
-              <a:rPr b="1" i="0" lang="en-GB" sz="1500" u="none" cap="none" strike="noStrike">
-                <a:solidFill>
-                  <a:srgbClr val="000646"/>
-                </a:solidFill>
-                <a:latin typeface="Work Sans"/>
-                <a:ea typeface="Work Sans"/>
-                <a:cs typeface="Work Sans"/>
-                <a:sym typeface="Work Sans"/>
-              </a:rPr>
-              <a:t>loss of investments,</a:t>
-            </a:r>
-            <a:r>
-              <a:rPr b="0" i="0" lang="en-GB" sz="1500" u="none" cap="none" strike="noStrike">
-                <a:solidFill>
-                  <a:srgbClr val="000646"/>
-                </a:solidFill>
-                <a:latin typeface="Work Sans"/>
-                <a:ea typeface="Work Sans"/>
-                <a:cs typeface="Work Sans"/>
-                <a:sym typeface="Work Sans"/>
-              </a:rPr>
-              <a:t> loss of opportunity and reduced market activity. collectibles</a:t>
+              <a:t>The next main problem is the absence of derivatives in mainstream DeFi and emerging DeFi. </a:t>
             </a:r>
             <a:endParaRPr sz="1500">
               <a:solidFill>
                 <a:srgbClr val="000646"/>
               </a:solidFill>
+              <a:latin typeface="Work Sans"/>
+              <a:ea typeface="Work Sans"/>
+              <a:cs typeface="Work Sans"/>
+              <a:sym typeface="Work Sans"/>
+            </a:endParaRPr>
+          </a:p>
+          <a:p>
+            <a:pPr indent="0" lvl="0" marL="0" marR="0" rtl="0" algn="l">
+              <a:lnSpc>
+                <a:spcPct val="100000"/>
+              </a:lnSpc>
+              <a:spcBef>
+                <a:spcPts val="0"/>
+              </a:spcBef>
+              <a:spcAft>
+                <a:spcPts val="0"/>
+              </a:spcAft>
+              <a:buClr>
+                <a:schemeClr val="dk1"/>
+              </a:buClr>
+              <a:buSzPts val="1400"/>
+              <a:buFont typeface="Arial"/>
+              <a:buNone/>
+            </a:pPr>
+            <a:r>
+              <a:t/>
+            </a:r>
+            <a:endParaRPr sz="1500">
+              <a:solidFill>
+                <a:srgbClr val="000646"/>
+              </a:solidFill>
+              <a:latin typeface="Work Sans"/>
+              <a:ea typeface="Work Sans"/>
+              <a:cs typeface="Work Sans"/>
+              <a:sym typeface="Work Sans"/>
+            </a:endParaRPr>
+          </a:p>
+          <a:p>
+            <a:pPr indent="0" lvl="0" marL="0" marR="0" rtl="0" algn="l">
+              <a:lnSpc>
+                <a:spcPct val="100000"/>
+              </a:lnSpc>
+              <a:spcBef>
+                <a:spcPts val="0"/>
+              </a:spcBef>
+              <a:spcAft>
+                <a:spcPts val="0"/>
+              </a:spcAft>
+              <a:buClr>
+                <a:schemeClr val="dk1"/>
+              </a:buClr>
+              <a:buSzPts val="1400"/>
+              <a:buFont typeface="Arial"/>
+              <a:buNone/>
+            </a:pPr>
+            <a:r>
+              <a:rPr lang="en-GB" sz="1500">
+                <a:solidFill>
+                  <a:srgbClr val="000646"/>
+                </a:solidFill>
+                <a:latin typeface="Work Sans"/>
+                <a:ea typeface="Work Sans"/>
+                <a:cs typeface="Work Sans"/>
+                <a:sym typeface="Work Sans"/>
+              </a:rPr>
+              <a:t>DeFi has focused on DEXs and PLFs but in TradFi market terms, derivatives provide great flexibility and enormous market activity. </a:t>
+            </a:r>
+            <a:endParaRPr sz="1500">
+              <a:solidFill>
+                <a:srgbClr val="000646"/>
+              </a:solidFill>
+              <a:latin typeface="Work Sans"/>
+              <a:ea typeface="Work Sans"/>
+              <a:cs typeface="Work Sans"/>
+              <a:sym typeface="Work Sans"/>
             </a:endParaRPr>
           </a:p>
         </p:txBody>
@@ -7250,18 +7556,6 @@
               </a:rPr>
             </a:br>
             <a:r>
-              <a:rPr b="1" lang="en-GB" sz="1500">
-                <a:solidFill>
-                  <a:srgbClr val="000646"/>
-                </a:solidFill>
-                <a:latin typeface="Work Sans"/>
-                <a:ea typeface="Work Sans"/>
-                <a:cs typeface="Work Sans"/>
-                <a:sym typeface="Work Sans"/>
-              </a:rPr>
-              <a:t>Capital</a:t>
-            </a:r>
-            <a:r>
               <a:rPr lang="en-GB" sz="1500">
                 <a:solidFill>
                   <a:srgbClr val="000646"/>
@@ -7271,20 +7565,67 @@
                 <a:cs typeface="Work Sans"/>
                 <a:sym typeface="Work Sans"/>
               </a:rPr>
-              <a:t> requirements and operating costs are </a:t>
-            </a:r>
-            <a:r>
-              <a:rPr b="1" lang="en-GB" sz="1500">
-                <a:solidFill>
-                  <a:srgbClr val="000646"/>
-                </a:solidFill>
-                <a:latin typeface="Work Sans"/>
-                <a:ea typeface="Work Sans"/>
-                <a:cs typeface="Work Sans"/>
-                <a:sym typeface="Work Sans"/>
-              </a:rPr>
-              <a:t>high</a:t>
-            </a:r>
+              <a:t>The third main problem is one of complex integration of financial products, and risk management. </a:t>
+            </a:r>
+            <a:endParaRPr sz="1500">
+              <a:solidFill>
+                <a:srgbClr val="000646"/>
+              </a:solidFill>
+              <a:latin typeface="Work Sans"/>
+              <a:ea typeface="Work Sans"/>
+              <a:cs typeface="Work Sans"/>
+              <a:sym typeface="Work Sans"/>
+            </a:endParaRPr>
+          </a:p>
+          <a:p>
+            <a:pPr indent="0" lvl="0" marL="0" marR="0" rtl="0" algn="l">
+              <a:lnSpc>
+                <a:spcPct val="100000"/>
+              </a:lnSpc>
+              <a:spcBef>
+                <a:spcPts val="0"/>
+              </a:spcBef>
+              <a:spcAft>
+                <a:spcPts val="0"/>
+              </a:spcAft>
+              <a:buClr>
+                <a:schemeClr val="dk1"/>
+              </a:buClr>
+              <a:buSzPts val="1100"/>
+              <a:buFont typeface="Arial"/>
+              <a:buNone/>
+            </a:pPr>
+            <a:r>
+              <a:t/>
+            </a:r>
+            <a:endParaRPr sz="1500">
+              <a:solidFill>
+                <a:srgbClr val="000646"/>
+              </a:solidFill>
+              <a:latin typeface="Work Sans"/>
+              <a:ea typeface="Work Sans"/>
+              <a:cs typeface="Work Sans"/>
+              <a:sym typeface="Work Sans"/>
+            </a:endParaRPr>
+          </a:p>
+          <a:p>
+            <a:pPr indent="0" lvl="0" marL="0" marR="0" rtl="0" algn="l">
+              <a:lnSpc>
+                <a:spcPct val="100000"/>
+              </a:lnSpc>
+              <a:spcBef>
+                <a:spcPts val="0"/>
+              </a:spcBef>
+              <a:spcAft>
+                <a:spcPts val="0"/>
+              </a:spcAft>
+              <a:buClr>
+                <a:schemeClr val="dk1"/>
+              </a:buClr>
+              <a:buSzPts val="1100"/>
+              <a:buFont typeface="Arial"/>
+              <a:buNone/>
+            </a:pPr>
             <a:r>
               <a:rPr lang="en-GB" sz="1500">
                 <a:solidFill>
@@ -7295,7 +7636,7 @@
                 <a:cs typeface="Work Sans"/>
                 <a:sym typeface="Work Sans"/>
               </a:rPr>
-              <a:t> for investors in the real asset investment sectors, and </a:t>
+              <a:t>TradFi </a:t>
             </a:r>
             <a:r>
               <a:rPr lang="en-GB" sz="1500">
@@ -7307,16 +7648,99 @@
                 <a:cs typeface="Work Sans"/>
                 <a:sym typeface="Work Sans"/>
               </a:rPr>
-              <a:t>derivatives. The centralized financial systems limit offerings to investors resulting in missed opportunities. </a:t>
-            </a:r>
-            <a:endParaRPr b="0" i="0" sz="1500" u="none" cap="none" strike="noStrike">
-              <a:solidFill>
-                <a:srgbClr val="000000"/>
-              </a:solidFill>
-              <a:latin typeface="Arial"/>
-              <a:ea typeface="Arial"/>
-              <a:cs typeface="Arial"/>
-              <a:sym typeface="Arial"/>
+              <a:t>routinely</a:t>
+            </a:r>
+            <a:r>
+              <a:rPr lang="en-GB" sz="1500">
+                <a:solidFill>
+                  <a:srgbClr val="000646"/>
+                </a:solidFill>
+                <a:latin typeface="Work Sans"/>
+                <a:ea typeface="Work Sans"/>
+                <a:cs typeface="Work Sans"/>
+                <a:sym typeface="Work Sans"/>
+              </a:rPr>
+              <a:t> integrates products which leads to considerable market activity, eg lending, derivatives, and loan protections.</a:t>
+            </a:r>
+            <a:endParaRPr sz="1500">
+              <a:solidFill>
+                <a:srgbClr val="000646"/>
+              </a:solidFill>
+              <a:latin typeface="Work Sans"/>
+              <a:ea typeface="Work Sans"/>
+              <a:cs typeface="Work Sans"/>
+              <a:sym typeface="Work Sans"/>
+            </a:endParaRPr>
+          </a:p>
+          <a:p>
+            <a:pPr indent="0" lvl="0" marL="0" marR="0" rtl="0" algn="l">
+              <a:lnSpc>
+                <a:spcPct val="100000"/>
+              </a:lnSpc>
+              <a:spcBef>
+                <a:spcPts val="0"/>
+              </a:spcBef>
+              <a:spcAft>
+                <a:spcPts val="0"/>
+              </a:spcAft>
+              <a:buClr>
+                <a:schemeClr val="dk1"/>
+              </a:buClr>
+              <a:buSzPts val="1100"/>
+              <a:buFont typeface="Arial"/>
+              <a:buNone/>
+            </a:pPr>
+            <a:r>
+              <a:t/>
+            </a:r>
+            <a:endParaRPr sz="1500">
+              <a:solidFill>
+                <a:srgbClr val="000646"/>
+              </a:solidFill>
+              <a:latin typeface="Work Sans"/>
+              <a:ea typeface="Work Sans"/>
+              <a:cs typeface="Work Sans"/>
+              <a:sym typeface="Work Sans"/>
+            </a:endParaRPr>
+          </a:p>
+          <a:p>
+            <a:pPr indent="0" lvl="0" marL="0" marR="0" rtl="0" algn="l">
+              <a:lnSpc>
+                <a:spcPct val="100000"/>
+              </a:lnSpc>
+              <a:spcBef>
+                <a:spcPts val="0"/>
+              </a:spcBef>
+              <a:spcAft>
+                <a:spcPts val="0"/>
+              </a:spcAft>
+              <a:buClr>
+                <a:schemeClr val="dk1"/>
+              </a:buClr>
+              <a:buSzPts val="1100"/>
+              <a:buFont typeface="Arial"/>
+              <a:buNone/>
+            </a:pPr>
+            <a:r>
+              <a:rPr lang="en-GB" sz="1500">
+                <a:solidFill>
+                  <a:srgbClr val="000646"/>
+                </a:solidFill>
+                <a:latin typeface="Work Sans"/>
+                <a:ea typeface="Work Sans"/>
+                <a:cs typeface="Work Sans"/>
+                <a:sym typeface="Work Sans"/>
+              </a:rPr>
+              <a:t> </a:t>
+            </a:r>
+            <a:endParaRPr sz="1500">
+              <a:solidFill>
+                <a:srgbClr val="000646"/>
+              </a:solidFill>
+              <a:latin typeface="Work Sans"/>
+              <a:ea typeface="Work Sans"/>
+              <a:cs typeface="Work Sans"/>
+              <a:sym typeface="Work Sans"/>
             </a:endParaRPr>
           </a:p>
         </p:txBody>
@@ -7373,19 +7797,7 @@
                 <a:cs typeface="Work Sans"/>
                 <a:sym typeface="Work Sans"/>
               </a:rPr>
-              <a:t>Investors today face high costs, limited transparency, illiquidity, centralized systems which take control from them, and high capital requirements. This </a:t>
-            </a:r>
-            <a:r>
-              <a:rPr i="1" lang="en-GB" sz="1600">
-                <a:solidFill>
-                  <a:srgbClr val="000646"/>
-                </a:solidFill>
-                <a:latin typeface="Work Sans"/>
-                <a:ea typeface="Work Sans"/>
-                <a:cs typeface="Work Sans"/>
-                <a:sym typeface="Work Sans"/>
-              </a:rPr>
-              <a:t>reduces</a:t>
+              <a:t>The core problem is how DeFi can meet market demand in 2023 and beyond. In TradFi a wide range of complex products are offered and there is considerable integration across financial services, eg lending, derivatives, and loan protections. But this is not mirrored in DeFi which leads to considerably limited DeFi services, which in </a:t>
             </a:r>
             <a:r>
               <a:rPr lang="en-GB" sz="1600">
@@ -7397,47 +7809,44 @@
                 <a:cs typeface="Work Sans"/>
                 <a:sym typeface="Work Sans"/>
               </a:rPr>
-              <a:t> their returns, creates loss of opportunity, and creates barriers to entry. </a:t>
-            </a:r>
-            <a:endParaRPr b="0" i="0" sz="1400" u="none" cap="none" strike="noStrike">
-              <a:solidFill>
-                <a:srgbClr val="000000"/>
-              </a:solidFill>
-              <a:latin typeface="Arial"/>
-              <a:ea typeface="Arial"/>
-              <a:cs typeface="Arial"/>
-              <a:sym typeface="Arial"/>
-            </a:endParaRPr>
-          </a:p>
-          <a:p>
-            <a:pPr indent="0" lvl="0" marL="0" marR="0" rtl="0" algn="l">
-              <a:lnSpc>
-                <a:spcPct val="100000"/>
-              </a:lnSpc>
-              <a:spcBef>
-                <a:spcPts val="0"/>
-              </a:spcBef>
-              <a:spcAft>
-                <a:spcPts val="0"/>
-              </a:spcAft>
-              <a:buClr>
-                <a:schemeClr val="dk1"/>
-              </a:buClr>
-              <a:buSzPts val="1100"/>
-              <a:buFont typeface="Arial"/>
-              <a:buNone/>
-            </a:pPr>
-            <a:br>
-              <a:rPr b="0" i="0" lang="en-GB" sz="1200" u="none" cap="none" strike="noStrike">
-                <a:solidFill>
-                  <a:srgbClr val="000646"/>
-                </a:solidFill>
-                <a:latin typeface="Work Sans"/>
-                <a:ea typeface="Work Sans"/>
-                <a:cs typeface="Work Sans"/>
-                <a:sym typeface="Work Sans"/>
-              </a:rPr>
-            </a:br>
+              <a:t>turn</a:t>
+            </a:r>
+            <a:r>
+              <a:rPr lang="en-GB" sz="1600">
+                <a:solidFill>
+                  <a:srgbClr val="000646"/>
+                </a:solidFill>
+                <a:latin typeface="Work Sans"/>
+                <a:ea typeface="Work Sans"/>
+                <a:cs typeface="Work Sans"/>
+                <a:sym typeface="Work Sans"/>
+              </a:rPr>
+              <a:t> limits growth and </a:t>
+            </a:r>
+            <a:r>
+              <a:rPr lang="en-GB" sz="1600">
+                <a:solidFill>
+                  <a:srgbClr val="000646"/>
+                </a:solidFill>
+                <a:latin typeface="Work Sans"/>
+                <a:ea typeface="Work Sans"/>
+                <a:cs typeface="Work Sans"/>
+                <a:sym typeface="Work Sans"/>
+              </a:rPr>
+              <a:t>adoption</a:t>
+            </a:r>
+            <a:r>
+              <a:rPr lang="en-GB" sz="1600">
+                <a:solidFill>
+                  <a:srgbClr val="000646"/>
+                </a:solidFill>
+                <a:latin typeface="Work Sans"/>
+                <a:ea typeface="Work Sans"/>
+                <a:cs typeface="Work Sans"/>
+                <a:sym typeface="Work Sans"/>
+              </a:rPr>
+              <a:t>.</a:t>
+            </a:r>
             <a:endParaRPr b="0" i="0" sz="1200" u="none" cap="none" strike="noStrike">
               <a:solidFill>
                 <a:srgbClr val="000646"/>
@@ -7998,8 +8407,8 @@
         </p:nvSpPr>
         <p:spPr>
           <a:xfrm>
-            <a:off x="703698" y="1301535"/>
-            <a:ext cx="3908100" cy="3018000"/>
+            <a:off x="703700" y="1301526"/>
+            <a:ext cx="3908100" cy="5556600"/>
           </a:xfrm>
           <a:prstGeom prst="rect">
             <a:avLst/>
@@ -8042,55 +8451,19 @@
                 <a:cs typeface="Work Sans"/>
                 <a:sym typeface="Work Sans"/>
               </a:rPr>
-              <a:t>Aquo is a marketplace platform listing opportunities with a management </a:t>
+              <a:t>Aquo is using concepts which are emerging called DeFi composition. This is where a single account transaction uses multiple DeFi protocols. </a:t>
             </a:r>
             <a:r>
               <a:rPr lang="en-GB" sz="1600">
                 <a:solidFill>
-                  <a:srgbClr val="000646"/>
-                </a:solidFill>
-                <a:latin typeface="Work Sans"/>
-                <a:ea typeface="Work Sans"/>
-                <a:cs typeface="Work Sans"/>
-                <a:sym typeface="Work Sans"/>
-              </a:rPr>
-              <a:t>dashboard</a:t>
-            </a:r>
-            <a:r>
-              <a:rPr lang="en-GB" sz="1600">
-                <a:solidFill>
-                  <a:srgbClr val="000646"/>
-                </a:solidFill>
-                <a:latin typeface="Work Sans"/>
-                <a:ea typeface="Work Sans"/>
-                <a:cs typeface="Work Sans"/>
-                <a:sym typeface="Work Sans"/>
-              </a:rPr>
-              <a:t> to assess and monitor investments. Liquidity pools and collateralized derivatives create </a:t>
-            </a:r>
-            <a:r>
-              <a:rPr lang="en-GB" sz="1600">
-                <a:solidFill>
-                  <a:srgbClr val="000646"/>
-                </a:solidFill>
-                <a:latin typeface="Work Sans"/>
-                <a:ea typeface="Work Sans"/>
-                <a:cs typeface="Work Sans"/>
-                <a:sym typeface="Work Sans"/>
-              </a:rPr>
-              <a:t>investment</a:t>
-            </a:r>
-            <a:r>
-              <a:rPr lang="en-GB" sz="1600">
-                <a:solidFill>
-                  <a:srgbClr val="000646"/>
-                </a:solidFill>
-                <a:latin typeface="Work Sans"/>
-                <a:ea typeface="Work Sans"/>
-                <a:cs typeface="Work Sans"/>
-                <a:sym typeface="Work Sans"/>
-              </a:rPr>
-              <a:t> opportunities to increase returns and lower costs. </a:t>
+                  <a:schemeClr val="dk1"/>
+                </a:solidFill>
+                <a:latin typeface="Work Sans"/>
+                <a:ea typeface="Work Sans"/>
+                <a:cs typeface="Work Sans"/>
+                <a:sym typeface="Work Sans"/>
+              </a:rPr>
+              <a:t>This is a “money lego” approach in which building blocks are used to build financial ecosystems. </a:t>
             </a:r>
             <a:endParaRPr sz="1600">
               <a:solidFill>
@@ -8161,7 +8534,211 @@
                 <a:cs typeface="Work Sans"/>
                 <a:sym typeface="Work Sans"/>
               </a:rPr>
-              <a:t>This is blockchain based enabling greater degrees of transparency and customization with globalization. </a:t>
+              <a:t>Composability as a outcome exists and is widely used in TradFi but the implementation is different.</a:t>
+            </a:r>
+            <a:endParaRPr sz="1600">
+              <a:solidFill>
+                <a:srgbClr val="000646"/>
+              </a:solidFill>
+              <a:latin typeface="Work Sans"/>
+              <a:ea typeface="Work Sans"/>
+              <a:cs typeface="Work Sans"/>
+              <a:sym typeface="Work Sans"/>
+            </a:endParaRPr>
+          </a:p>
+          <a:p>
+            <a:pPr indent="0" lvl="0" marL="0" marR="0" rtl="0" algn="l">
+              <a:lnSpc>
+                <a:spcPct val="100000"/>
+              </a:lnSpc>
+              <a:spcBef>
+                <a:spcPts val="0"/>
+              </a:spcBef>
+              <a:spcAft>
+                <a:spcPts val="0"/>
+              </a:spcAft>
+              <a:buClr>
+                <a:schemeClr val="dk1"/>
+              </a:buClr>
+              <a:buSzPts val="1100"/>
+              <a:buFont typeface="Arial"/>
+              <a:buNone/>
+            </a:pPr>
+            <a:r>
+              <a:t/>
+            </a:r>
+            <a:endParaRPr sz="1600">
+              <a:solidFill>
+                <a:srgbClr val="000646"/>
+              </a:solidFill>
+              <a:latin typeface="Work Sans"/>
+              <a:ea typeface="Work Sans"/>
+              <a:cs typeface="Work Sans"/>
+              <a:sym typeface="Work Sans"/>
+            </a:endParaRPr>
+          </a:p>
+          <a:p>
+            <a:pPr indent="0" lvl="0" marL="0" marR="0" rtl="0" algn="l">
+              <a:lnSpc>
+                <a:spcPct val="100000"/>
+              </a:lnSpc>
+              <a:spcBef>
+                <a:spcPts val="0"/>
+              </a:spcBef>
+              <a:spcAft>
+                <a:spcPts val="0"/>
+              </a:spcAft>
+              <a:buClr>
+                <a:schemeClr val="dk1"/>
+              </a:buClr>
+              <a:buSzPts val="1100"/>
+              <a:buFont typeface="Arial"/>
+              <a:buNone/>
+            </a:pPr>
+            <a:r>
+              <a:rPr lang="en-GB" sz="1600">
+                <a:solidFill>
+                  <a:srgbClr val="000646"/>
+                </a:solidFill>
+                <a:latin typeface="Work Sans"/>
+                <a:ea typeface="Work Sans"/>
+                <a:cs typeface="Work Sans"/>
+                <a:sym typeface="Work Sans"/>
+              </a:rPr>
+              <a:t>Defi could provide far greater flexibility and scope to improve access to finance, increased financial engineering, greater liquidity, and more growth, compared to TradFi.</a:t>
+            </a:r>
+            <a:endParaRPr sz="1600">
+              <a:solidFill>
+                <a:srgbClr val="000646"/>
+              </a:solidFill>
+              <a:latin typeface="Work Sans"/>
+              <a:ea typeface="Work Sans"/>
+              <a:cs typeface="Work Sans"/>
+              <a:sym typeface="Work Sans"/>
+            </a:endParaRPr>
+          </a:p>
+          <a:p>
+            <a:pPr indent="0" lvl="0" marL="0" marR="0" rtl="0" algn="l">
+              <a:lnSpc>
+                <a:spcPct val="100000"/>
+              </a:lnSpc>
+              <a:spcBef>
+                <a:spcPts val="0"/>
+              </a:spcBef>
+              <a:spcAft>
+                <a:spcPts val="0"/>
+              </a:spcAft>
+              <a:buClr>
+                <a:schemeClr val="dk1"/>
+              </a:buClr>
+              <a:buSzPts val="1100"/>
+              <a:buFont typeface="Arial"/>
+              <a:buNone/>
+            </a:pPr>
+            <a:r>
+              <a:t/>
+            </a:r>
+            <a:endParaRPr sz="1600">
+              <a:solidFill>
+                <a:srgbClr val="000646"/>
+              </a:solidFill>
+              <a:latin typeface="Work Sans"/>
+              <a:ea typeface="Work Sans"/>
+              <a:cs typeface="Work Sans"/>
+              <a:sym typeface="Work Sans"/>
+            </a:endParaRPr>
+          </a:p>
+          <a:p>
+            <a:pPr indent="0" lvl="0" marL="0" marR="0" rtl="0" algn="l">
+              <a:lnSpc>
+                <a:spcPct val="100000"/>
+              </a:lnSpc>
+              <a:spcBef>
+                <a:spcPts val="0"/>
+              </a:spcBef>
+              <a:spcAft>
+                <a:spcPts val="0"/>
+              </a:spcAft>
+              <a:buClr>
+                <a:schemeClr val="dk1"/>
+              </a:buClr>
+              <a:buSzPts val="1100"/>
+              <a:buFont typeface="Arial"/>
+              <a:buNone/>
+            </a:pPr>
+            <a:r>
+              <a:rPr lang="en-GB" sz="1600">
+                <a:solidFill>
+                  <a:srgbClr val="000646"/>
+                </a:solidFill>
+                <a:latin typeface="Work Sans"/>
+                <a:ea typeface="Work Sans"/>
+                <a:cs typeface="Work Sans"/>
+                <a:sym typeface="Work Sans"/>
+              </a:rPr>
+              <a:t>Aquo is a non-custody solution. </a:t>
+            </a:r>
+            <a:endParaRPr sz="1600">
+              <a:solidFill>
+                <a:srgbClr val="000646"/>
+              </a:solidFill>
+              <a:latin typeface="Work Sans"/>
+              <a:ea typeface="Work Sans"/>
+              <a:cs typeface="Work Sans"/>
+              <a:sym typeface="Work Sans"/>
+            </a:endParaRPr>
+          </a:p>
+          <a:p>
+            <a:pPr indent="0" lvl="0" marL="0" marR="0" rtl="0" algn="l">
+              <a:lnSpc>
+                <a:spcPct val="100000"/>
+              </a:lnSpc>
+              <a:spcBef>
+                <a:spcPts val="0"/>
+              </a:spcBef>
+              <a:spcAft>
+                <a:spcPts val="0"/>
+              </a:spcAft>
+              <a:buClr>
+                <a:schemeClr val="dk1"/>
+              </a:buClr>
+              <a:buSzPts val="1100"/>
+              <a:buFont typeface="Arial"/>
+              <a:buNone/>
+            </a:pPr>
+            <a:r>
+              <a:t/>
+            </a:r>
+            <a:endParaRPr sz="1600">
+              <a:solidFill>
+                <a:srgbClr val="000646"/>
+              </a:solidFill>
+              <a:latin typeface="Work Sans"/>
+              <a:ea typeface="Work Sans"/>
+              <a:cs typeface="Work Sans"/>
+              <a:sym typeface="Work Sans"/>
+            </a:endParaRPr>
+          </a:p>
+          <a:p>
+            <a:pPr indent="0" lvl="0" marL="0" marR="0" rtl="0" algn="l">
+              <a:lnSpc>
+                <a:spcPct val="100000"/>
+              </a:lnSpc>
+              <a:spcBef>
+                <a:spcPts val="0"/>
+              </a:spcBef>
+              <a:spcAft>
+                <a:spcPts val="0"/>
+              </a:spcAft>
+              <a:buClr>
+                <a:schemeClr val="dk1"/>
+              </a:buClr>
+              <a:buSzPts val="1100"/>
+              <a:buFont typeface="Arial"/>
+              <a:buNone/>
+            </a:pPr>
+            <a:r>
+              <a:t/>
             </a:r>
             <a:endParaRPr sz="1600">
               <a:solidFill>
@@ -8309,7 +8886,7 @@
         <p:spPr>
           <a:xfrm>
             <a:off x="5938782" y="973247"/>
-            <a:ext cx="2614500" cy="954300"/>
+            <a:ext cx="2614500" cy="738900"/>
           </a:xfrm>
           <a:prstGeom prst="rect">
             <a:avLst/>
@@ -8352,7 +8929,7 @@
                 <a:cs typeface="Work Sans"/>
                 <a:sym typeface="Work Sans"/>
               </a:rPr>
-              <a:t>Tokenize a Real Asset using an SPV, NFT and synthetic assets. This is an off-chain and on-chain solution.</a:t>
+              <a:t>Liquidity pool integrations, using decentralized oracles, DAOs, integrations into LPs.</a:t>
             </a:r>
             <a:endParaRPr b="0" i="0" sz="1400" u="none" cap="none" strike="noStrike">
               <a:solidFill>
@@ -8477,7 +9054,7 @@
                 <a:cs typeface="Work Sans"/>
                 <a:sym typeface="Work Sans"/>
               </a:rPr>
-              <a:t>Liquidity pools are created using DAO voting. This combines </a:t>
+              <a:t>Derivatives </a:t>
             </a:r>
             <a:r>
               <a:rPr lang="en-GB">
@@ -8489,19 +9066,7 @@
                 <a:cs typeface="Work Sans"/>
                 <a:sym typeface="Work Sans"/>
               </a:rPr>
-              <a:t>individual</a:t>
-            </a:r>
-            <a:r>
-              <a:rPr lang="en-GB">
-                <a:solidFill>
-                  <a:srgbClr val="000646"/>
-                </a:solidFill>
-                <a:latin typeface="Work Sans"/>
-                <a:ea typeface="Work Sans"/>
-                <a:cs typeface="Work Sans"/>
-                <a:sym typeface="Work Sans"/>
-              </a:rPr>
-              <a:t> tokenized assets.</a:t>
+              <a:t>constructed via smart contracts and integrated across DeFi protocols. </a:t>
             </a:r>
             <a:endParaRPr b="0" i="0" sz="1400" u="none" cap="none" strike="noStrike">
               <a:solidFill>
@@ -8583,7 +9148,7 @@
         <p:spPr>
           <a:xfrm>
             <a:off x="5938782" y="3778922"/>
-            <a:ext cx="2614500" cy="1169700"/>
+            <a:ext cx="2614500" cy="523200"/>
           </a:xfrm>
           <a:prstGeom prst="rect">
             <a:avLst/>
@@ -8626,7 +9191,19 @@
                 <a:cs typeface="Work Sans"/>
                 <a:sym typeface="Work Sans"/>
               </a:rPr>
-              <a:t>Marketplace listings of investment opportunities with documents, identities, and histories with a management dashboard.</a:t>
+              <a:t>Complex financial products </a:t>
+            </a:r>
+            <a:r>
+              <a:rPr lang="en-GB">
+                <a:solidFill>
+                  <a:srgbClr val="000646"/>
+                </a:solidFill>
+                <a:latin typeface="Work Sans"/>
+                <a:ea typeface="Work Sans"/>
+                <a:cs typeface="Work Sans"/>
+                <a:sym typeface="Work Sans"/>
+              </a:rPr>
+              <a:t>constructed and offered.</a:t>
             </a:r>
             <a:endParaRPr b="0" i="0" sz="1400" u="none" cap="none" strike="noStrike">
               <a:solidFill>
@@ -8708,7 +9285,7 @@
         <p:spPr>
           <a:xfrm>
             <a:off x="5938782" y="5278311"/>
-            <a:ext cx="2614500" cy="1385400"/>
+            <a:ext cx="2614500" cy="523200"/>
           </a:xfrm>
           <a:prstGeom prst="rect">
             <a:avLst/>
@@ -8751,7 +9328,7 @@
                 <a:cs typeface="Work Sans"/>
                 <a:sym typeface="Work Sans"/>
               </a:rPr>
-              <a:t>Libraries to create derivatives and systems to maintain collateralized derivatives with settlements (Decentralized Settlement Systems).</a:t>
+              <a:t>Risk management provisions.</a:t>
             </a:r>
             <a:endParaRPr b="0" i="0" sz="1400" u="none" cap="none" strike="noStrike">
               <a:solidFill>
@@ -8840,9 +9417,9 @@
         <p:grpSpPr>
           <a:xfrm>
             <a:off x="9082527" y="973247"/>
-            <a:ext cx="2821662" cy="954300"/>
+            <a:ext cx="2821662" cy="1169700"/>
             <a:chOff x="5850898" y="973247"/>
-            <a:chExt cx="2821662" cy="954300"/>
+            <a:chExt cx="2821662" cy="1169700"/>
           </a:xfrm>
         </p:grpSpPr>
         <p:sp>
@@ -8913,7 +9490,7 @@
           <p:spPr>
             <a:xfrm>
               <a:off x="6058060" y="973247"/>
-              <a:ext cx="2614500" cy="954300"/>
+              <a:ext cx="2614500" cy="1169700"/>
             </a:xfrm>
             <a:prstGeom prst="rect">
               <a:avLst/>
@@ -8956,7 +9533,55 @@
                   <a:cs typeface="Work Sans"/>
                   <a:sym typeface="Work Sans"/>
                 </a:rPr>
-                <a:t>A digital asset is created which is tradable. This assets is tradable globally to any party.</a:t>
+                <a:t>Liquidity is essential in all financial ecosystems, and this would allow stable </a:t>
+              </a:r>
+              <a:r>
+                <a:rPr lang="en-GB">
+                  <a:solidFill>
+                    <a:srgbClr val="000646"/>
+                  </a:solidFill>
+                  <a:latin typeface="Work Sans"/>
+                  <a:ea typeface="Work Sans"/>
+                  <a:cs typeface="Work Sans"/>
+                  <a:sym typeface="Work Sans"/>
+                </a:rPr>
+                <a:t>market</a:t>
+              </a:r>
+              <a:r>
+                <a:rPr lang="en-GB">
+                  <a:solidFill>
+                    <a:srgbClr val="000646"/>
+                  </a:solidFill>
+                  <a:latin typeface="Work Sans"/>
+                  <a:ea typeface="Work Sans"/>
+                  <a:cs typeface="Work Sans"/>
+                  <a:sym typeface="Work Sans"/>
+                </a:rPr>
+                <a:t> prices and </a:t>
+              </a:r>
+              <a:r>
+                <a:rPr lang="en-GB">
+                  <a:solidFill>
+                    <a:srgbClr val="000646"/>
+                  </a:solidFill>
+                  <a:latin typeface="Work Sans"/>
+                  <a:ea typeface="Work Sans"/>
+                  <a:cs typeface="Work Sans"/>
+                  <a:sym typeface="Work Sans"/>
+                </a:rPr>
+                <a:t>would</a:t>
+              </a:r>
+              <a:r>
+                <a:rPr lang="en-GB">
+                  <a:solidFill>
+                    <a:srgbClr val="000646"/>
+                  </a:solidFill>
+                  <a:latin typeface="Work Sans"/>
+                  <a:ea typeface="Work Sans"/>
+                  <a:cs typeface="Work Sans"/>
+                  <a:sym typeface="Work Sans"/>
+                </a:rPr>
+                <a:t> meet user demand.</a:t>
               </a:r>
               <a:endParaRPr b="0" i="0" sz="1400" u="none" cap="none" strike="noStrike">
                 <a:solidFill>
@@ -8980,9 +9605,9 @@
         <p:grpSpPr>
           <a:xfrm>
             <a:off x="9082527" y="2353370"/>
-            <a:ext cx="2821662" cy="1169700"/>
+            <a:ext cx="2821662" cy="1385400"/>
             <a:chOff x="5850898" y="973247"/>
-            <a:chExt cx="2821662" cy="1169700"/>
+            <a:chExt cx="2821662" cy="1385400"/>
           </a:xfrm>
         </p:grpSpPr>
         <p:sp>
@@ -9053,7 +9678,7 @@
           <p:spPr>
             <a:xfrm>
               <a:off x="6058060" y="973247"/>
-              <a:ext cx="2614500" cy="1169700"/>
+              <a:ext cx="2614500" cy="1385400"/>
             </a:xfrm>
             <a:prstGeom prst="rect">
               <a:avLst/>
@@ -9096,7 +9721,55 @@
                   <a:cs typeface="Work Sans"/>
                   <a:sym typeface="Work Sans"/>
                 </a:rPr>
-                <a:t>Creates a tradeable liquid asset. This enables assets to be bought and sold. Prices are pegged to the asset value for stability. </a:t>
+                <a:t>Derivatives </a:t>
+              </a:r>
+              <a:r>
+                <a:rPr lang="en-GB">
+                  <a:solidFill>
+                    <a:srgbClr val="000646"/>
+                  </a:solidFill>
+                  <a:latin typeface="Work Sans"/>
+                  <a:ea typeface="Work Sans"/>
+                  <a:cs typeface="Work Sans"/>
+                  <a:sym typeface="Work Sans"/>
+                </a:rPr>
+                <a:t>would</a:t>
+              </a:r>
+              <a:r>
+                <a:rPr lang="en-GB">
+                  <a:solidFill>
+                    <a:srgbClr val="000646"/>
+                  </a:solidFill>
+                  <a:latin typeface="Work Sans"/>
+                  <a:ea typeface="Work Sans"/>
+                  <a:cs typeface="Work Sans"/>
+                  <a:sym typeface="Work Sans"/>
+                </a:rPr>
+                <a:t> allow </a:t>
+              </a:r>
+              <a:r>
+                <a:rPr lang="en-GB">
+                  <a:solidFill>
+                    <a:srgbClr val="000646"/>
+                  </a:solidFill>
+                  <a:latin typeface="Work Sans"/>
+                  <a:ea typeface="Work Sans"/>
+                  <a:cs typeface="Work Sans"/>
+                  <a:sym typeface="Work Sans"/>
+                </a:rPr>
+                <a:t>considerable</a:t>
+              </a:r>
+              <a:r>
+                <a:rPr lang="en-GB">
+                  <a:solidFill>
+                    <a:srgbClr val="000646"/>
+                  </a:solidFill>
+                  <a:latin typeface="Work Sans"/>
+                  <a:ea typeface="Work Sans"/>
+                  <a:cs typeface="Work Sans"/>
+                  <a:sym typeface="Work Sans"/>
+                </a:rPr>
+                <a:t> growth in markets and they can be used to hedge and speculate allowing user demand to be met.</a:t>
               </a:r>
               <a:endParaRPr b="0" i="0" sz="1400" u="none" cap="none" strike="noStrike">
                 <a:solidFill>
@@ -9120,9 +9793,9 @@
         <p:grpSpPr>
           <a:xfrm>
             <a:off x="9082527" y="3778922"/>
-            <a:ext cx="2821662" cy="1169700"/>
+            <a:ext cx="2821662" cy="1600800"/>
             <a:chOff x="5850898" y="973247"/>
-            <a:chExt cx="2821662" cy="1169700"/>
+            <a:chExt cx="2821662" cy="1600800"/>
           </a:xfrm>
         </p:grpSpPr>
         <p:sp>
@@ -9193,7 +9866,7 @@
           <p:spPr>
             <a:xfrm>
               <a:off x="6058060" y="973247"/>
-              <a:ext cx="2614500" cy="1169700"/>
+              <a:ext cx="2614500" cy="1600800"/>
             </a:xfrm>
             <a:prstGeom prst="rect">
               <a:avLst/>
@@ -9236,7 +9909,7 @@
                   <a:cs typeface="Work Sans"/>
                   <a:sym typeface="Work Sans"/>
                 </a:rPr>
-                <a:t>Investors can freely list and </a:t>
+                <a:t>Complex financial products are a key feature in TradFi and they allow considerable market activity, eg options, forward </a:t>
               </a:r>
               <a:r>
                 <a:rPr lang="en-GB">
@@ -9248,7 +9921,19 @@
                   <a:cs typeface="Work Sans"/>
                   <a:sym typeface="Work Sans"/>
                 </a:rPr>
-                <a:t>accessible opportunities allowing more growth. Aquo does not recommend but only list opportunities.</a:t>
+                <a:t>forward</a:t>
+              </a:r>
+              <a:r>
+                <a:rPr lang="en-GB">
+                  <a:solidFill>
+                    <a:srgbClr val="000646"/>
+                  </a:solidFill>
+                  <a:latin typeface="Work Sans"/>
+                  <a:ea typeface="Work Sans"/>
+                  <a:cs typeface="Work Sans"/>
+                  <a:sym typeface="Work Sans"/>
+                </a:rPr>
+                <a:t> (future debt), loan protections.</a:t>
               </a:r>
               <a:endParaRPr b="0" i="0" sz="1400" u="none" cap="none" strike="noStrike">
                 <a:solidFill>
@@ -9272,9 +9957,9 @@
         <p:grpSpPr>
           <a:xfrm>
             <a:off x="9082527" y="5278311"/>
-            <a:ext cx="2821662" cy="954300"/>
+            <a:ext cx="2821662" cy="1385400"/>
             <a:chOff x="5850898" y="973247"/>
-            <a:chExt cx="2821662" cy="954300"/>
+            <a:chExt cx="2821662" cy="1385400"/>
           </a:xfrm>
         </p:grpSpPr>
         <p:sp>
@@ -9345,7 +10030,7 @@
           <p:spPr>
             <a:xfrm>
               <a:off x="6058060" y="973247"/>
-              <a:ext cx="2614500" cy="954300"/>
+              <a:ext cx="2614500" cy="1385400"/>
             </a:xfrm>
             <a:prstGeom prst="rect">
               <a:avLst/>
@@ -9388,7 +10073,79 @@
                   <a:cs typeface="Work Sans"/>
                   <a:sym typeface="Work Sans"/>
                 </a:rPr>
-                <a:t>Transparency, investor control, customization available, specific opportunities are available.</a:t>
+                <a:t>Risk and counterparty risk are key </a:t>
+              </a:r>
+              <a:r>
+                <a:rPr lang="en-GB">
+                  <a:solidFill>
+                    <a:srgbClr val="000646"/>
+                  </a:solidFill>
+                  <a:latin typeface="Work Sans"/>
+                  <a:ea typeface="Work Sans"/>
+                  <a:cs typeface="Work Sans"/>
+                  <a:sym typeface="Work Sans"/>
+                </a:rPr>
+                <a:t>factors</a:t>
+              </a:r>
+              <a:r>
+                <a:rPr lang="en-GB">
+                  <a:solidFill>
+                    <a:srgbClr val="000646"/>
+                  </a:solidFill>
+                  <a:latin typeface="Work Sans"/>
+                  <a:ea typeface="Work Sans"/>
+                  <a:cs typeface="Work Sans"/>
+                  <a:sym typeface="Work Sans"/>
+                </a:rPr>
+                <a:t> in all </a:t>
+              </a:r>
+              <a:r>
+                <a:rPr lang="en-GB">
+                  <a:solidFill>
+                    <a:srgbClr val="000646"/>
+                  </a:solidFill>
+                  <a:latin typeface="Work Sans"/>
+                  <a:ea typeface="Work Sans"/>
+                  <a:cs typeface="Work Sans"/>
+                  <a:sym typeface="Work Sans"/>
+                </a:rPr>
+                <a:t>financial</a:t>
+              </a:r>
+              <a:r>
+                <a:rPr lang="en-GB">
+                  <a:solidFill>
+                    <a:srgbClr val="000646"/>
+                  </a:solidFill>
+                  <a:latin typeface="Work Sans"/>
+                  <a:ea typeface="Work Sans"/>
+                  <a:cs typeface="Work Sans"/>
+                  <a:sym typeface="Work Sans"/>
+                </a:rPr>
+                <a:t> </a:t>
+              </a:r>
+              <a:r>
+                <a:rPr lang="en-GB">
+                  <a:solidFill>
+                    <a:srgbClr val="000646"/>
+                  </a:solidFill>
+                  <a:latin typeface="Work Sans"/>
+                  <a:ea typeface="Work Sans"/>
+                  <a:cs typeface="Work Sans"/>
+                  <a:sym typeface="Work Sans"/>
+                </a:rPr>
+                <a:t>ecosystems</a:t>
+              </a:r>
+              <a:r>
+                <a:rPr lang="en-GB">
+                  <a:solidFill>
+                    <a:srgbClr val="000646"/>
+                  </a:solidFill>
+                  <a:latin typeface="Work Sans"/>
+                  <a:ea typeface="Work Sans"/>
+                  <a:cs typeface="Work Sans"/>
+                  <a:sym typeface="Work Sans"/>
+                </a:rPr>
+                <a:t>. Aquo would offer transparency with trusted building blocks to limit risk. </a:t>
               </a:r>
               <a:endParaRPr b="0" i="0" sz="1400" u="none" cap="none" strike="noStrike">
                 <a:solidFill>
@@ -9539,34 +10296,6 @@
           </a:p>
         </p:txBody>
       </p:sp>
-      <p:pic>
-        <p:nvPicPr>
-          <p:cNvPr id="66" name="Google Shape;66;p6"/>
-          <p:cNvPicPr preferRelativeResize="0"/>
-          <p:nvPr/>
-        </p:nvPicPr>
-        <p:blipFill>
-          <a:blip r:embed="rId3">
-            <a:alphaModFix/>
-          </a:blip>
-          <a:stretch>
-            <a:fillRect/>
-          </a:stretch>
-        </p:blipFill>
-        <p:spPr>
-          <a:xfrm>
-            <a:off x="359850" y="5543200"/>
-            <a:ext cx="1048450" cy="1048450"/>
-          </a:xfrm>
-          <a:prstGeom prst="rect">
-            <a:avLst/>
-          </a:prstGeom>
-          <a:noFill/>
-          <a:ln>
-            <a:noFill/>
-          </a:ln>
-        </p:spPr>
-      </p:pic>
     </p:spTree>
   </p:cSld>
   <p:clrMapOvr>
@@ -9580,7 +10309,7 @@
   <p:cSld>
     <p:spTree>
       <p:nvGrpSpPr>
-        <p:cNvPr id="70" name="Shape 70"/>
+        <p:cNvPr id="69" name="Shape 69"/>
         <p:cNvGrpSpPr/>
         <p:nvPr/>
       </p:nvGrpSpPr>
@@ -9594,7 +10323,7 @@
       </p:grpSpPr>
       <p:pic>
         <p:nvPicPr>
-          <p:cNvPr id="71" name="Google Shape;71;p7"/>
+          <p:cNvPr id="70" name="Google Shape;70;p7"/>
           <p:cNvPicPr preferRelativeResize="0"/>
           <p:nvPr/>
         </p:nvPicPr>
@@ -9621,7 +10350,7 @@
       </p:pic>
       <p:sp>
         <p:nvSpPr>
-          <p:cNvPr id="72" name="Google Shape;72;p7"/>
+          <p:cNvPr id="71" name="Google Shape;71;p7"/>
           <p:cNvSpPr/>
           <p:nvPr/>
         </p:nvSpPr>
@@ -9689,7 +10418,7 @@
       </p:sp>
       <p:sp>
         <p:nvSpPr>
-          <p:cNvPr id="73" name="Google Shape;73;p7"/>
+          <p:cNvPr id="72" name="Google Shape;72;p7"/>
           <p:cNvSpPr txBox="1"/>
           <p:nvPr/>
         </p:nvSpPr>
@@ -9779,7 +10508,7 @@
       </p:sp>
       <p:cxnSp>
         <p:nvCxnSpPr>
-          <p:cNvPr id="74" name="Google Shape;74;p7"/>
+          <p:cNvPr id="73" name="Google Shape;73;p7"/>
           <p:cNvCxnSpPr/>
           <p:nvPr/>
         </p:nvCxnSpPr>
@@ -9805,14 +10534,14 @@
       </p:cxnSp>
       <p:sp>
         <p:nvSpPr>
-          <p:cNvPr id="75" name="Google Shape;75;p7"/>
+          <p:cNvPr id="74" name="Google Shape;74;p7"/>
           <p:cNvSpPr txBox="1"/>
           <p:nvPr/>
         </p:nvSpPr>
         <p:spPr>
           <a:xfrm>
-            <a:off x="824781" y="4558267"/>
-            <a:ext cx="2324400" cy="1155300"/>
+            <a:off x="824775" y="4558281"/>
+            <a:ext cx="2324400" cy="2064300"/>
           </a:xfrm>
           <a:prstGeom prst="rect">
             <a:avLst/>
@@ -9889,7 +10618,79 @@
                 <a:cs typeface="Work Sans"/>
                 <a:sym typeface="Work Sans"/>
               </a:rPr>
-              <a:t>LIst an investment opportunity (real asset) with documents. Investors promise investments</a:t>
+              <a:t>User initiates a request, eg an option on an asset with a </a:t>
+            </a:r>
+            <a:r>
+              <a:rPr lang="en-GB" sz="1200">
+                <a:solidFill>
+                  <a:srgbClr val="000646"/>
+                </a:solidFill>
+                <a:latin typeface="Work Sans"/>
+                <a:ea typeface="Work Sans"/>
+                <a:cs typeface="Work Sans"/>
+                <a:sym typeface="Work Sans"/>
+              </a:rPr>
+              <a:t>future</a:t>
+            </a:r>
+            <a:r>
+              <a:rPr lang="en-GB" sz="1200">
+                <a:solidFill>
+                  <a:srgbClr val="000646"/>
+                </a:solidFill>
+                <a:latin typeface="Work Sans"/>
+                <a:ea typeface="Work Sans"/>
+                <a:cs typeface="Work Sans"/>
+                <a:sym typeface="Work Sans"/>
+              </a:rPr>
+              <a:t> debt and the lender wants protection </a:t>
+            </a:r>
+            <a:r>
+              <a:rPr lang="en-GB" sz="1200">
+                <a:solidFill>
+                  <a:srgbClr val="000646"/>
+                </a:solidFill>
+                <a:latin typeface="Work Sans"/>
+                <a:ea typeface="Work Sans"/>
+                <a:cs typeface="Work Sans"/>
+                <a:sym typeface="Work Sans"/>
+              </a:rPr>
+              <a:t>against</a:t>
+            </a:r>
+            <a:r>
+              <a:rPr lang="en-GB" sz="1200">
+                <a:solidFill>
+                  <a:srgbClr val="000646"/>
+                </a:solidFill>
+                <a:latin typeface="Work Sans"/>
+                <a:ea typeface="Work Sans"/>
+                <a:cs typeface="Work Sans"/>
+                <a:sym typeface="Work Sans"/>
+              </a:rPr>
+              <a:t> a debt default. This is an option (eg call), a forward </a:t>
+            </a:r>
+            <a:r>
+              <a:rPr lang="en-GB" sz="1200">
+                <a:solidFill>
+                  <a:srgbClr val="000646"/>
+                </a:solidFill>
+                <a:latin typeface="Work Sans"/>
+                <a:ea typeface="Work Sans"/>
+                <a:cs typeface="Work Sans"/>
+                <a:sym typeface="Work Sans"/>
+              </a:rPr>
+              <a:t>forward</a:t>
+            </a:r>
+            <a:r>
+              <a:rPr lang="en-GB" sz="1200">
+                <a:solidFill>
+                  <a:srgbClr val="000646"/>
+                </a:solidFill>
+                <a:latin typeface="Work Sans"/>
+                <a:ea typeface="Work Sans"/>
+                <a:cs typeface="Work Sans"/>
+                <a:sym typeface="Work Sans"/>
+              </a:rPr>
+              <a:t> for the debt, and a future CDS,  </a:t>
             </a:r>
             <a:endParaRPr b="0" i="0" sz="1400" u="none" cap="none" strike="noStrike">
               <a:solidFill>
@@ -9905,14 +10706,14 @@
       </p:sp>
       <p:sp>
         <p:nvSpPr>
-          <p:cNvPr id="76" name="Google Shape;76;p7"/>
+          <p:cNvPr id="75" name="Google Shape;75;p7"/>
           <p:cNvSpPr txBox="1"/>
           <p:nvPr/>
         </p:nvSpPr>
         <p:spPr>
           <a:xfrm>
-            <a:off x="3980347" y="4558267"/>
-            <a:ext cx="2324400" cy="1155300"/>
+            <a:off x="3980350" y="4558282"/>
+            <a:ext cx="2324400" cy="2158800"/>
           </a:xfrm>
           <a:prstGeom prst="rect">
             <a:avLst/>
@@ -9989,7 +10790,55 @@
                 <a:cs typeface="Work Sans"/>
                 <a:sym typeface="Work Sans"/>
               </a:rPr>
-              <a:t>Investments are settled, real asset is tokenized. Assets stored in wallets. </a:t>
+              <a:t>Aquo’s standards, extending ERC20,  are used to compose the transaction into multiple </a:t>
+            </a:r>
+            <a:r>
+              <a:rPr lang="en-GB" sz="1200">
+                <a:solidFill>
+                  <a:srgbClr val="000646"/>
+                </a:solidFill>
+                <a:latin typeface="Work Sans"/>
+                <a:ea typeface="Work Sans"/>
+                <a:cs typeface="Work Sans"/>
+                <a:sym typeface="Work Sans"/>
+              </a:rPr>
+              <a:t>protocols</a:t>
+            </a:r>
+            <a:r>
+              <a:rPr lang="en-GB" sz="1200">
+                <a:solidFill>
+                  <a:srgbClr val="000646"/>
+                </a:solidFill>
+                <a:latin typeface="Work Sans"/>
+                <a:ea typeface="Work Sans"/>
+                <a:cs typeface="Work Sans"/>
+                <a:sym typeface="Work Sans"/>
+              </a:rPr>
+              <a:t>. There is an options protocol, lender, CDS providers, LP. These are mostly innovated financial engineered products and </a:t>
+            </a:r>
+            <a:r>
+              <a:rPr lang="en-GB" sz="1200">
+                <a:solidFill>
+                  <a:srgbClr val="000646"/>
+                </a:solidFill>
+                <a:latin typeface="Work Sans"/>
+                <a:ea typeface="Work Sans"/>
+                <a:cs typeface="Work Sans"/>
+                <a:sym typeface="Work Sans"/>
+              </a:rPr>
+              <a:t>instruments</a:t>
+            </a:r>
+            <a:r>
+              <a:rPr lang="en-GB" sz="1200">
+                <a:solidFill>
+                  <a:srgbClr val="000646"/>
+                </a:solidFill>
+                <a:latin typeface="Work Sans"/>
+                <a:ea typeface="Work Sans"/>
+                <a:cs typeface="Work Sans"/>
+                <a:sym typeface="Work Sans"/>
+              </a:rPr>
+              <a:t>.</a:t>
             </a:r>
             <a:endParaRPr b="0" i="0" sz="1400" u="none" cap="none" strike="noStrike">
               <a:solidFill>
@@ -10005,14 +10854,14 @@
       </p:sp>
       <p:sp>
         <p:nvSpPr>
-          <p:cNvPr id="77" name="Google Shape;77;p7"/>
+          <p:cNvPr id="76" name="Google Shape;76;p7"/>
           <p:cNvSpPr txBox="1"/>
           <p:nvPr/>
         </p:nvSpPr>
         <p:spPr>
           <a:xfrm>
-            <a:off x="6695151" y="4558267"/>
-            <a:ext cx="2070900" cy="1155300"/>
+            <a:off x="6695150" y="4558281"/>
+            <a:ext cx="2070900" cy="2000700"/>
           </a:xfrm>
           <a:prstGeom prst="rect">
             <a:avLst/>
@@ -10089,19 +10938,7 @@
                 <a:cs typeface="Work Sans"/>
                 <a:sym typeface="Work Sans"/>
               </a:rPr>
-              <a:t>Liquidity Pools created</a:t>
-            </a:r>
-            <a:r>
-              <a:rPr b="0" i="0" lang="en-GB" sz="1200" u="none" cap="none" strike="noStrike">
-                <a:solidFill>
-                  <a:srgbClr val="000646"/>
-                </a:solidFill>
-                <a:latin typeface="Work Sans"/>
-                <a:ea typeface="Work Sans"/>
-                <a:cs typeface="Work Sans"/>
-                <a:sym typeface="Work Sans"/>
-              </a:rPr>
-              <a:t> via DAO </a:t>
+              <a:t>The transaction is executed and the </a:t>
             </a:r>
             <a:r>
               <a:rPr lang="en-GB" sz="1200">
@@ -10113,7 +10950,7 @@
                 <a:cs typeface="Work Sans"/>
                 <a:sym typeface="Work Sans"/>
               </a:rPr>
-              <a:t>voting</a:t>
+              <a:t>outcome</a:t>
             </a:r>
             <a:r>
               <a:rPr lang="en-GB" sz="1200">
@@ -10125,30 +10962,101 @@
                 <a:cs typeface="Work Sans"/>
                 <a:sym typeface="Work Sans"/>
               </a:rPr>
-              <a:t> which creates tradable assets (liquidity).</a:t>
-            </a:r>
-            <a:endParaRPr b="0" i="0" sz="1400" u="none" cap="none" strike="noStrike">
-              <a:solidFill>
-                <a:srgbClr val="000000"/>
-              </a:solidFill>
-              <a:latin typeface="Arial"/>
-              <a:ea typeface="Arial"/>
-              <a:cs typeface="Arial"/>
-              <a:sym typeface="Arial"/>
+              <a:t> given to the account holder; the derivative premium is paid. </a:t>
+            </a:r>
+            <a:endParaRPr sz="1200">
+              <a:solidFill>
+                <a:srgbClr val="000646"/>
+              </a:solidFill>
+              <a:latin typeface="Work Sans"/>
+              <a:ea typeface="Work Sans"/>
+              <a:cs typeface="Work Sans"/>
+              <a:sym typeface="Work Sans"/>
+            </a:endParaRPr>
+          </a:p>
+          <a:p>
+            <a:pPr indent="0" lvl="0" marL="0" marR="0" rtl="0" algn="l">
+              <a:lnSpc>
+                <a:spcPct val="100000"/>
+              </a:lnSpc>
+              <a:spcBef>
+                <a:spcPts val="0"/>
+              </a:spcBef>
+              <a:spcAft>
+                <a:spcPts val="0"/>
+              </a:spcAft>
+              <a:buClr>
+                <a:schemeClr val="dk1"/>
+              </a:buClr>
+              <a:buSzPts val="1100"/>
+              <a:buFont typeface="Arial"/>
+              <a:buNone/>
+            </a:pPr>
+            <a:r>
+              <a:t/>
+            </a:r>
+            <a:endParaRPr sz="1200">
+              <a:solidFill>
+                <a:srgbClr val="000646"/>
+              </a:solidFill>
+              <a:latin typeface="Work Sans"/>
+              <a:ea typeface="Work Sans"/>
+              <a:cs typeface="Work Sans"/>
+              <a:sym typeface="Work Sans"/>
+            </a:endParaRPr>
+          </a:p>
+          <a:p>
+            <a:pPr indent="0" lvl="0" marL="0" marR="0" rtl="0" algn="l">
+              <a:lnSpc>
+                <a:spcPct val="100000"/>
+              </a:lnSpc>
+              <a:spcBef>
+                <a:spcPts val="0"/>
+              </a:spcBef>
+              <a:spcAft>
+                <a:spcPts val="0"/>
+              </a:spcAft>
+              <a:buClr>
+                <a:schemeClr val="dk1"/>
+              </a:buClr>
+              <a:buSzPts val="1100"/>
+              <a:buFont typeface="Arial"/>
+              <a:buNone/>
+            </a:pPr>
+            <a:r>
+              <a:rPr lang="en-GB" sz="1200">
+                <a:solidFill>
+                  <a:srgbClr val="000646"/>
+                </a:solidFill>
+                <a:latin typeface="Work Sans"/>
+                <a:ea typeface="Work Sans"/>
+                <a:cs typeface="Work Sans"/>
+                <a:sym typeface="Work Sans"/>
+              </a:rPr>
+              <a:t>There is transparency, audit, and protection, </a:t>
+            </a:r>
+            <a:endParaRPr sz="1200">
+              <a:solidFill>
+                <a:srgbClr val="000646"/>
+              </a:solidFill>
+              <a:latin typeface="Work Sans"/>
+              <a:ea typeface="Work Sans"/>
+              <a:cs typeface="Work Sans"/>
+              <a:sym typeface="Work Sans"/>
             </a:endParaRPr>
           </a:p>
         </p:txBody>
       </p:sp>
       <p:sp>
         <p:nvSpPr>
-          <p:cNvPr id="78" name="Google Shape;78;p7"/>
+          <p:cNvPr id="77" name="Google Shape;77;p7"/>
           <p:cNvSpPr txBox="1"/>
           <p:nvPr/>
         </p:nvSpPr>
         <p:spPr>
           <a:xfrm>
-            <a:off x="9272096" y="4558267"/>
-            <a:ext cx="2070900" cy="1155300"/>
+            <a:off x="9272100" y="4558280"/>
+            <a:ext cx="2070900" cy="1943100"/>
           </a:xfrm>
           <a:prstGeom prst="rect">
             <a:avLst/>
@@ -10225,7 +11133,31 @@
                 <a:cs typeface="Work Sans"/>
                 <a:sym typeface="Work Sans"/>
               </a:rPr>
-              <a:t>Derivatives are created (over underlying assets) via library functions with settlement options.</a:t>
+              <a:t>Options are exercised, and forward contracts are also executed with </a:t>
+            </a:r>
+            <a:r>
+              <a:rPr lang="en-GB" sz="1200">
+                <a:solidFill>
+                  <a:srgbClr val="000646"/>
+                </a:solidFill>
+                <a:latin typeface="Work Sans"/>
+                <a:ea typeface="Work Sans"/>
+                <a:cs typeface="Work Sans"/>
+                <a:sym typeface="Work Sans"/>
+              </a:rPr>
+              <a:t>appropriate</a:t>
+            </a:r>
+            <a:r>
+              <a:rPr lang="en-GB" sz="1200">
+                <a:solidFill>
+                  <a:srgbClr val="000646"/>
+                </a:solidFill>
+                <a:latin typeface="Work Sans"/>
+                <a:ea typeface="Work Sans"/>
+                <a:cs typeface="Work Sans"/>
+                <a:sym typeface="Work Sans"/>
+              </a:rPr>
+              <a:t> collateralization and counterparty risk reduced. </a:t>
             </a:r>
             <a:endParaRPr b="0" i="0" sz="1400" u="none" cap="none" strike="noStrike">
               <a:solidFill>
@@ -10241,7 +11173,7 @@
       </p:sp>
       <p:pic>
         <p:nvPicPr>
-          <p:cNvPr id="79" name="Google Shape;79;p7"/>
+          <p:cNvPr id="78" name="Google Shape;78;p7"/>
           <p:cNvPicPr preferRelativeResize="0"/>
           <p:nvPr/>
         </p:nvPicPr>
@@ -10269,17 +11201,16 @@
       </p:pic>
       <p:pic>
         <p:nvPicPr>
-          <p:cNvPr id="80" name="Google Shape;80;p7"/>
+          <p:cNvPr id="79" name="Google Shape;79;p7"/>
           <p:cNvPicPr preferRelativeResize="0"/>
           <p:nvPr/>
         </p:nvPicPr>
-        <p:blipFill>
+        <p:blipFill rotWithShape="1">
           <a:blip r:embed="rId5">
             <a:alphaModFix/>
           </a:blip>
-          <a:stretch>
-            <a:fillRect/>
-          </a:stretch>
+          <a:srcRect b="0" l="0" r="0" t="0"/>
+          <a:stretch/>
         </p:blipFill>
         <p:spPr>
           <a:xfrm>
@@ -10297,17 +11228,16 @@
       </p:pic>
       <p:pic>
         <p:nvPicPr>
-          <p:cNvPr id="81" name="Google Shape;81;p7"/>
+          <p:cNvPr id="80" name="Google Shape;80;p7"/>
           <p:cNvPicPr preferRelativeResize="0"/>
           <p:nvPr/>
         </p:nvPicPr>
-        <p:blipFill>
+        <p:blipFill rotWithShape="1">
           <a:blip r:embed="rId6">
             <a:alphaModFix/>
           </a:blip>
-          <a:stretch>
-            <a:fillRect/>
-          </a:stretch>
+          <a:srcRect b="0" l="0" r="0" t="0"/>
+          <a:stretch/>
         </p:blipFill>
         <p:spPr>
           <a:xfrm>
@@ -10325,17 +11255,16 @@
       </p:pic>
       <p:pic>
         <p:nvPicPr>
-          <p:cNvPr id="82" name="Google Shape;82;p7"/>
+          <p:cNvPr id="81" name="Google Shape;81;p7"/>
           <p:cNvPicPr preferRelativeResize="0"/>
           <p:nvPr/>
         </p:nvPicPr>
-        <p:blipFill>
+        <p:blipFill rotWithShape="1">
           <a:blip r:embed="rId7">
             <a:alphaModFix/>
           </a:blip>
-          <a:stretch>
-            <a:fillRect/>
-          </a:stretch>
+          <a:srcRect b="0" l="0" r="0" t="0"/>
+          <a:stretch/>
         </p:blipFill>
         <p:spPr>
           <a:xfrm>
@@ -10353,17 +11282,16 @@
       </p:pic>
       <p:pic>
         <p:nvPicPr>
-          <p:cNvPr id="83" name="Google Shape;83;p7"/>
+          <p:cNvPr id="82" name="Google Shape;82;p7"/>
           <p:cNvPicPr preferRelativeResize="0"/>
           <p:nvPr/>
         </p:nvPicPr>
-        <p:blipFill>
+        <p:blipFill rotWithShape="1">
           <a:blip r:embed="rId8">
             <a:alphaModFix/>
           </a:blip>
-          <a:stretch>
-            <a:fillRect/>
-          </a:stretch>
+          <a:srcRect b="0" l="0" r="0" t="0"/>
+          <a:stretch/>
         </p:blipFill>
         <p:spPr>
           <a:xfrm>
@@ -10399,7 +11327,7 @@
     </p:bg>
     <p:spTree>
       <p:nvGrpSpPr>
-        <p:cNvPr id="87" name="Shape 87"/>
+        <p:cNvPr id="86" name="Shape 86"/>
         <p:cNvGrpSpPr/>
         <p:nvPr/>
       </p:nvGrpSpPr>
@@ -10413,7 +11341,7 @@
       </p:grpSpPr>
       <p:sp>
         <p:nvSpPr>
-          <p:cNvPr id="88" name="Google Shape;88;p8"/>
+          <p:cNvPr id="87" name="Google Shape;87;p8"/>
           <p:cNvSpPr/>
           <p:nvPr/>
         </p:nvSpPr>
@@ -10472,7 +11400,7 @@
       </p:sp>
       <p:sp>
         <p:nvSpPr>
-          <p:cNvPr id="89" name="Google Shape;89;p8"/>
+          <p:cNvPr id="88" name="Google Shape;88;p8"/>
           <p:cNvSpPr/>
           <p:nvPr/>
         </p:nvSpPr>
@@ -10540,7 +11468,7 @@
       </p:sp>
       <p:sp>
         <p:nvSpPr>
-          <p:cNvPr id="90" name="Google Shape;90;p8"/>
+          <p:cNvPr id="89" name="Google Shape;89;p8"/>
           <p:cNvSpPr txBox="1"/>
           <p:nvPr/>
         </p:nvSpPr>
@@ -10606,14 +11534,14 @@
       </p:sp>
       <p:sp>
         <p:nvSpPr>
-          <p:cNvPr id="91" name="Google Shape;91;p8"/>
+          <p:cNvPr id="90" name="Google Shape;90;p8"/>
           <p:cNvSpPr txBox="1"/>
           <p:nvPr/>
         </p:nvSpPr>
         <p:spPr>
           <a:xfrm>
-            <a:off x="6008914" y="919882"/>
-            <a:ext cx="5458003" cy="1141785"/>
+            <a:off x="6008925" y="919871"/>
+            <a:ext cx="5457900" cy="1755300"/>
           </a:xfrm>
           <a:prstGeom prst="rect">
             <a:avLst/>
@@ -10696,7 +11624,7 @@
                 <a:cs typeface="Work Sans"/>
                 <a:sym typeface="Work Sans"/>
               </a:rPr>
-              <a:t>Core systems built and deployed via Cloudflare with UIs, </a:t>
+              <a:t>Research into published papers referencing DeFi composition to formulate what could work in the emerging market. This includes a new DeFi protocol, </a:t>
             </a:r>
             <a:r>
               <a:rPr lang="en-GB" sz="1600">
@@ -10708,23 +11636,106 @@
                 <a:cs typeface="Work Sans"/>
                 <a:sym typeface="Work Sans"/>
               </a:rPr>
-              <a:t>smart contracts, IPFS, wallet connect, nodejs, DBs, API calls, and AWS.</a:t>
-            </a:r>
-            <a:endParaRPr b="0" i="0" sz="1400" u="none" cap="none" strike="noStrike">
-              <a:solidFill>
-                <a:srgbClr val="000000"/>
-              </a:solidFill>
-              <a:latin typeface="Arial"/>
-              <a:ea typeface="Arial"/>
-              <a:cs typeface="Arial"/>
-              <a:sym typeface="Arial"/>
+              <a:t>risk</a:t>
+            </a:r>
+            <a:r>
+              <a:rPr lang="en-GB" sz="1600">
+                <a:solidFill>
+                  <a:srgbClr val="000646"/>
+                </a:solidFill>
+                <a:latin typeface="Work Sans"/>
+                <a:ea typeface="Work Sans"/>
+                <a:cs typeface="Work Sans"/>
+                <a:sym typeface="Work Sans"/>
+              </a:rPr>
+              <a:t> management, and a new taxonomy.</a:t>
+            </a:r>
+            <a:endParaRPr sz="1600">
+              <a:solidFill>
+                <a:srgbClr val="000646"/>
+              </a:solidFill>
+              <a:latin typeface="Work Sans"/>
+              <a:ea typeface="Work Sans"/>
+              <a:cs typeface="Work Sans"/>
+              <a:sym typeface="Work Sans"/>
+            </a:endParaRPr>
+          </a:p>
+          <a:p>
+            <a:pPr indent="0" lvl="0" marL="0" marR="0" rtl="0" algn="l">
+              <a:lnSpc>
+                <a:spcPct val="100000"/>
+              </a:lnSpc>
+              <a:spcBef>
+                <a:spcPts val="0"/>
+              </a:spcBef>
+              <a:spcAft>
+                <a:spcPts val="0"/>
+              </a:spcAft>
+              <a:buClr>
+                <a:schemeClr val="dk1"/>
+              </a:buClr>
+              <a:buSzPts val="1100"/>
+              <a:buFont typeface="Arial"/>
+              <a:buNone/>
+            </a:pPr>
+            <a:r>
+              <a:t/>
+            </a:r>
+            <a:endParaRPr sz="1600">
+              <a:solidFill>
+                <a:srgbClr val="000646"/>
+              </a:solidFill>
+              <a:latin typeface="Work Sans"/>
+              <a:ea typeface="Work Sans"/>
+              <a:cs typeface="Work Sans"/>
+              <a:sym typeface="Work Sans"/>
+            </a:endParaRPr>
+          </a:p>
+          <a:p>
+            <a:pPr indent="0" lvl="0" marL="0" marR="0" rtl="0" algn="l">
+              <a:lnSpc>
+                <a:spcPct val="100000"/>
+              </a:lnSpc>
+              <a:spcBef>
+                <a:spcPts val="0"/>
+              </a:spcBef>
+              <a:spcAft>
+                <a:spcPts val="0"/>
+              </a:spcAft>
+              <a:buClr>
+                <a:schemeClr val="dk1"/>
+              </a:buClr>
+              <a:buSzPts val="1100"/>
+              <a:buFont typeface="Arial"/>
+              <a:buNone/>
+            </a:pPr>
+            <a:r>
+              <a:rPr lang="en-GB" sz="1600">
+                <a:solidFill>
+                  <a:srgbClr val="000646"/>
+                </a:solidFill>
+                <a:latin typeface="Work Sans"/>
+                <a:ea typeface="Work Sans"/>
+                <a:cs typeface="Work Sans"/>
+                <a:sym typeface="Work Sans"/>
+              </a:rPr>
+              <a:t>Several documents produced outlining these findings.</a:t>
+            </a:r>
+            <a:endParaRPr sz="1600">
+              <a:solidFill>
+                <a:srgbClr val="000646"/>
+              </a:solidFill>
+              <a:latin typeface="Work Sans"/>
+              <a:ea typeface="Work Sans"/>
+              <a:cs typeface="Work Sans"/>
+              <a:sym typeface="Work Sans"/>
             </a:endParaRPr>
           </a:p>
         </p:txBody>
       </p:sp>
       <p:sp>
         <p:nvSpPr>
-          <p:cNvPr id="92" name="Google Shape;92;p8"/>
+          <p:cNvPr id="91" name="Google Shape;91;p8"/>
           <p:cNvSpPr txBox="1"/>
           <p:nvPr/>
         </p:nvSpPr>
@@ -10774,7 +11785,19 @@
                 <a:cs typeface="Work Sans"/>
                 <a:sym typeface="Work Sans"/>
               </a:rPr>
-              <a:t>We developed a number of demo systems, researched the market, and verified the idea.</a:t>
+              <a:t>Aquo has evolved as an idea. The achievements </a:t>
+            </a:r>
+            <a:r>
+              <a:rPr lang="en-GB" sz="1600">
+                <a:solidFill>
+                  <a:srgbClr val="000646"/>
+                </a:solidFill>
+                <a:latin typeface="Work Sans"/>
+                <a:ea typeface="Work Sans"/>
+                <a:cs typeface="Work Sans"/>
+                <a:sym typeface="Work Sans"/>
+              </a:rPr>
+              <a:t>to-date have focused on market research, feasibility, and some simple demos showing the concepts. </a:t>
             </a:r>
             <a:endParaRPr sz="1600">
               <a:solidFill>
@@ -10845,31 +11868,7 @@
                 <a:cs typeface="Work Sans"/>
                 <a:sym typeface="Work Sans"/>
               </a:rPr>
-              <a:t>The demo systems are stored in github (public access granted), the white papers are online at aquo.world, and the verified comments were done via video calls with </a:t>
-            </a:r>
-            <a:r>
-              <a:rPr lang="en-GB" sz="1600">
-                <a:solidFill>
-                  <a:srgbClr val="000646"/>
-                </a:solidFill>
-                <a:latin typeface="Work Sans"/>
-                <a:ea typeface="Work Sans"/>
-                <a:cs typeface="Work Sans"/>
-                <a:sym typeface="Work Sans"/>
-              </a:rPr>
-              <a:t>qualified</a:t>
-            </a:r>
-            <a:r>
-              <a:rPr lang="en-GB" sz="1600">
-                <a:solidFill>
-                  <a:srgbClr val="000646"/>
-                </a:solidFill>
-                <a:latin typeface="Work Sans"/>
-                <a:ea typeface="Work Sans"/>
-                <a:cs typeface="Work Sans"/>
-                <a:sym typeface="Work Sans"/>
-              </a:rPr>
-              <a:t> parties.</a:t>
+              <a:t> </a:t>
             </a:r>
             <a:endParaRPr sz="1600">
               <a:solidFill>
@@ -10924,7 +11923,7 @@
       </p:sp>
       <p:cxnSp>
         <p:nvCxnSpPr>
-          <p:cNvPr id="93" name="Google Shape;93;p8"/>
+          <p:cNvPr id="92" name="Google Shape;92;p8"/>
           <p:cNvCxnSpPr/>
           <p:nvPr/>
         </p:nvCxnSpPr>
@@ -10950,14 +11949,14 @@
       </p:cxnSp>
       <p:sp>
         <p:nvSpPr>
-          <p:cNvPr id="94" name="Google Shape;94;p8"/>
+          <p:cNvPr id="93" name="Google Shape;93;p8"/>
           <p:cNvSpPr txBox="1"/>
           <p:nvPr/>
         </p:nvSpPr>
         <p:spPr>
           <a:xfrm>
-            <a:off x="6008925" y="3004472"/>
-            <a:ext cx="5457900" cy="1485000"/>
+            <a:off x="6008925" y="3004476"/>
+            <a:ext cx="5457900" cy="1868700"/>
           </a:xfrm>
           <a:prstGeom prst="rect">
             <a:avLst/>
@@ -11040,7 +12039,79 @@
                 <a:cs typeface="Work Sans"/>
                 <a:sym typeface="Work Sans"/>
               </a:rPr>
-              <a:t>Market research on loss of market opportunity for investors, construction of white paper documents. This covered the tokenization aspects, liquidity, and derivatives.</a:t>
+              <a:t>Aquo’s DeFi </a:t>
+            </a:r>
+            <a:r>
+              <a:rPr lang="en-GB" sz="1600">
+                <a:solidFill>
+                  <a:srgbClr val="000646"/>
+                </a:solidFill>
+                <a:latin typeface="Work Sans"/>
+                <a:ea typeface="Work Sans"/>
+                <a:cs typeface="Work Sans"/>
+                <a:sym typeface="Work Sans"/>
+              </a:rPr>
+              <a:t>original</a:t>
+            </a:r>
+            <a:r>
+              <a:rPr lang="en-GB" sz="1600">
+                <a:solidFill>
+                  <a:srgbClr val="000646"/>
+                </a:solidFill>
+                <a:latin typeface="Work Sans"/>
+                <a:ea typeface="Work Sans"/>
+                <a:cs typeface="Work Sans"/>
+                <a:sym typeface="Work Sans"/>
+              </a:rPr>
+              <a:t> concepts were discussed with a number of DeFi professionals and the feedback has been positive. A number of VCs have said Aquo could be a significant trading force if the underlying ideas had traction. </a:t>
+            </a:r>
+            <a:r>
+              <a:rPr lang="en-GB" sz="1600">
+                <a:solidFill>
+                  <a:srgbClr val="000646"/>
+                </a:solidFill>
+                <a:latin typeface="Work Sans"/>
+                <a:ea typeface="Work Sans"/>
+                <a:cs typeface="Work Sans"/>
+                <a:sym typeface="Work Sans"/>
+              </a:rPr>
+              <a:t>Recent</a:t>
+            </a:r>
+            <a:r>
+              <a:rPr lang="en-GB" sz="1600">
+                <a:solidFill>
+                  <a:srgbClr val="000646"/>
+                </a:solidFill>
+                <a:latin typeface="Work Sans"/>
+                <a:ea typeface="Work Sans"/>
+                <a:cs typeface="Work Sans"/>
+                <a:sym typeface="Work Sans"/>
+              </a:rPr>
+              <a:t> enhancements have extended the </a:t>
+            </a:r>
+            <a:r>
+              <a:rPr lang="en-GB" sz="1600">
+                <a:solidFill>
+                  <a:srgbClr val="000646"/>
+                </a:solidFill>
+                <a:latin typeface="Work Sans"/>
+                <a:ea typeface="Work Sans"/>
+                <a:cs typeface="Work Sans"/>
+                <a:sym typeface="Work Sans"/>
+              </a:rPr>
+              <a:t>original</a:t>
+            </a:r>
+            <a:r>
+              <a:rPr lang="en-GB" sz="1600">
+                <a:solidFill>
+                  <a:srgbClr val="000646"/>
+                </a:solidFill>
+                <a:latin typeface="Work Sans"/>
+                <a:ea typeface="Work Sans"/>
+                <a:cs typeface="Work Sans"/>
+                <a:sym typeface="Work Sans"/>
+              </a:rPr>
+              <a:t> DeFi ideas.</a:t>
             </a:r>
             <a:endParaRPr b="0" i="0" sz="1400" u="none" cap="none" strike="noStrike">
               <a:solidFill>
@@ -11056,7 +12127,7 @@
       </p:sp>
       <p:cxnSp>
         <p:nvCxnSpPr>
-          <p:cNvPr id="95" name="Google Shape;95;p8"/>
+          <p:cNvPr id="94" name="Google Shape;94;p8"/>
           <p:cNvCxnSpPr/>
           <p:nvPr/>
         </p:nvCxnSpPr>
@@ -11082,14 +12153,14 @@
       </p:cxnSp>
       <p:sp>
         <p:nvSpPr>
-          <p:cNvPr id="96" name="Google Shape;96;p8"/>
+          <p:cNvPr id="95" name="Google Shape;95;p8"/>
           <p:cNvSpPr txBox="1"/>
           <p:nvPr/>
         </p:nvSpPr>
         <p:spPr>
           <a:xfrm>
-            <a:off x="6008914" y="5060240"/>
-            <a:ext cx="5458003" cy="1141785"/>
+            <a:off x="6008925" y="5060256"/>
+            <a:ext cx="5457900" cy="1755300"/>
           </a:xfrm>
           <a:prstGeom prst="rect">
             <a:avLst/>
@@ -11172,31 +12243,7 @@
                 <a:cs typeface="Work Sans"/>
                 <a:sym typeface="Work Sans"/>
               </a:rPr>
-              <a:t>Verification of the idea with industry experts following a Linkedin job ad (co-founder) in which 200 people replied many were very experienced </a:t>
-            </a:r>
-            <a:r>
-              <a:rPr lang="en-GB" sz="1600">
-                <a:solidFill>
-                  <a:srgbClr val="000646"/>
-                </a:solidFill>
-                <a:latin typeface="Work Sans"/>
-                <a:ea typeface="Work Sans"/>
-                <a:cs typeface="Work Sans"/>
-                <a:sym typeface="Work Sans"/>
-              </a:rPr>
-              <a:t>with</a:t>
-            </a:r>
-            <a:r>
-              <a:rPr lang="en-GB" sz="1600">
-                <a:solidFill>
-                  <a:srgbClr val="000646"/>
-                </a:solidFill>
-                <a:latin typeface="Work Sans"/>
-                <a:ea typeface="Work Sans"/>
-                <a:cs typeface="Work Sans"/>
-                <a:sym typeface="Work Sans"/>
-              </a:rPr>
-              <a:t> higher degrees.</a:t>
+              <a:t>Several demos produced showing WalletConnect working with ReactJS, and API service, IPFS, smart contracts (solidity), and Ethereum integrations. </a:t>
             </a:r>
             <a:endParaRPr b="0" i="0" sz="1400" u="none" cap="none" strike="noStrike">
               <a:solidFill>
@@ -11212,7 +12259,7 @@
       </p:sp>
       <p:cxnSp>
         <p:nvCxnSpPr>
-          <p:cNvPr id="97" name="Google Shape;97;p8"/>
+          <p:cNvPr id="96" name="Google Shape;96;p8"/>
           <p:cNvCxnSpPr/>
           <p:nvPr/>
         </p:nvCxnSpPr>
@@ -11238,7 +12285,7 @@
       </p:cxnSp>
       <p:sp>
         <p:nvSpPr>
-          <p:cNvPr id="98" name="Google Shape;98;p8"/>
+          <p:cNvPr id="97" name="Google Shape;97;p8"/>
           <p:cNvSpPr/>
           <p:nvPr/>
         </p:nvSpPr>
@@ -11307,7 +12354,7 @@
       </p:sp>
       <p:sp>
         <p:nvSpPr>
-          <p:cNvPr id="99" name="Google Shape;99;p8"/>
+          <p:cNvPr id="98" name="Google Shape;98;p8"/>
           <p:cNvSpPr/>
           <p:nvPr/>
         </p:nvSpPr>
@@ -11376,7 +12423,7 @@
       </p:sp>
       <p:sp>
         <p:nvSpPr>
-          <p:cNvPr id="100" name="Google Shape;100;p8"/>
+          <p:cNvPr id="99" name="Google Shape;99;p8"/>
           <p:cNvSpPr/>
           <p:nvPr/>
         </p:nvSpPr>
@@ -11445,7 +12492,7 @@
       </p:sp>
       <p:pic>
         <p:nvPicPr>
-          <p:cNvPr id="101" name="Google Shape;101;p8"/>
+          <p:cNvPr id="100" name="Google Shape;100;p8"/>
           <p:cNvPicPr preferRelativeResize="0"/>
           <p:nvPr/>
         </p:nvPicPr>
@@ -11491,7 +12538,7 @@
     </p:bg>
     <p:spTree>
       <p:nvGrpSpPr>
-        <p:cNvPr id="105" name="Shape 105"/>
+        <p:cNvPr id="104" name="Shape 104"/>
         <p:cNvGrpSpPr/>
         <p:nvPr/>
       </p:nvGrpSpPr>
@@ -11505,7 +12552,7 @@
       </p:grpSpPr>
       <p:sp>
         <p:nvSpPr>
-          <p:cNvPr id="106" name="Google Shape;106;p9"/>
+          <p:cNvPr id="105" name="Google Shape;105;p9"/>
           <p:cNvSpPr/>
           <p:nvPr/>
         </p:nvSpPr>
@@ -11573,14 +12620,14 @@
       </p:sp>
       <p:sp>
         <p:nvSpPr>
-          <p:cNvPr id="107" name="Google Shape;107;p9"/>
+          <p:cNvPr id="106" name="Google Shape;106;p9"/>
           <p:cNvSpPr txBox="1"/>
           <p:nvPr/>
         </p:nvSpPr>
         <p:spPr>
           <a:xfrm>
-            <a:off x="848705" y="1953313"/>
-            <a:ext cx="4914360" cy="1080716"/>
+            <a:off x="848695" y="1953325"/>
+            <a:ext cx="9603600" cy="1080600"/>
           </a:xfrm>
           <a:prstGeom prst="rect">
             <a:avLst/>
@@ -11623,7 +12670,7 @@
                 <a:cs typeface="Work Sans"/>
                 <a:sym typeface="Work Sans"/>
               </a:rPr>
-              <a:t>Predictions for usage and engagement.</a:t>
+              <a:t>The initial adoption is foreseen as simple tokenization of RWAs already widely practiced. We predict further adoption will happen with liquidity on these tokenizations, and then leading into DeFi integrations and composability. </a:t>
             </a:r>
             <a:endParaRPr i="0" sz="1400" u="none" cap="none" strike="noStrike">
               <a:solidFill>
@@ -11635,7 +12682,7 @@
       </p:sp>
       <p:sp>
         <p:nvSpPr>
-          <p:cNvPr id="108" name="Google Shape;108;p9"/>
+          <p:cNvPr id="107" name="Google Shape;107;p9"/>
           <p:cNvSpPr/>
           <p:nvPr/>
         </p:nvSpPr>
@@ -11703,7 +12750,7 @@
       </p:sp>
       <p:sp>
         <p:nvSpPr>
-          <p:cNvPr id="109" name="Google Shape;109;p9"/>
+          <p:cNvPr id="108" name="Google Shape;108;p9"/>
           <p:cNvSpPr/>
           <p:nvPr/>
         </p:nvSpPr>
@@ -11771,7 +12818,7 @@
       </p:sp>
       <p:sp>
         <p:nvSpPr>
-          <p:cNvPr id="110" name="Google Shape;110;p9"/>
+          <p:cNvPr id="109" name="Google Shape;109;p9"/>
           <p:cNvSpPr/>
           <p:nvPr/>
         </p:nvSpPr>
@@ -11839,7 +12886,7 @@
       </p:sp>
       <p:sp>
         <p:nvSpPr>
-          <p:cNvPr id="111" name="Google Shape;111;p9"/>
+          <p:cNvPr id="110" name="Google Shape;110;p9"/>
           <p:cNvSpPr txBox="1"/>
           <p:nvPr/>
         </p:nvSpPr>
@@ -11953,14 +13000,14 @@
       </p:sp>
       <p:sp>
         <p:nvSpPr>
-          <p:cNvPr id="112" name="Google Shape;112;p9"/>
+          <p:cNvPr id="111" name="Google Shape;111;p9"/>
           <p:cNvSpPr txBox="1"/>
           <p:nvPr/>
         </p:nvSpPr>
         <p:spPr>
           <a:xfrm>
-            <a:off x="859504" y="2859455"/>
-            <a:ext cx="2815800" cy="2251800"/>
+            <a:off x="859500" y="2859448"/>
+            <a:ext cx="2815800" cy="3289800"/>
           </a:xfrm>
           <a:prstGeom prst="rect">
             <a:avLst/>
@@ -12037,9 +13084,68 @@
                 <a:cs typeface="Work Sans"/>
                 <a:sym typeface="Work Sans"/>
               </a:rPr>
-              <a:t>Initial tokenization of houses for rent, NFTs minted, SPVs created, shared allocated. </a:t>
-            </a:r>
-            <a:br>
+              <a:t>The simplest starting point is asset tokenization of real-world assets. This is done widely already but with limited liquidity. </a:t>
+            </a:r>
+            <a:endParaRPr>
+              <a:solidFill>
+                <a:srgbClr val="000646"/>
+              </a:solidFill>
+              <a:latin typeface="Work Sans"/>
+              <a:ea typeface="Work Sans"/>
+              <a:cs typeface="Work Sans"/>
+              <a:sym typeface="Work Sans"/>
+            </a:endParaRPr>
+          </a:p>
+          <a:p>
+            <a:pPr indent="0" lvl="0" marL="0" marR="0" rtl="0" algn="l">
+              <a:lnSpc>
+                <a:spcPct val="100000"/>
+              </a:lnSpc>
+              <a:spcBef>
+                <a:spcPts val="0"/>
+              </a:spcBef>
+              <a:spcAft>
+                <a:spcPts val="0"/>
+              </a:spcAft>
+              <a:buClr>
+                <a:schemeClr val="dk1"/>
+              </a:buClr>
+              <a:buSzPts val="1100"/>
+              <a:buFont typeface="Arial"/>
+              <a:buNone/>
+            </a:pPr>
+            <a:r>
+              <a:t/>
+            </a:r>
+            <a:endParaRPr>
+              <a:solidFill>
+                <a:srgbClr val="000646"/>
+              </a:solidFill>
+              <a:latin typeface="Work Sans"/>
+              <a:ea typeface="Work Sans"/>
+              <a:cs typeface="Work Sans"/>
+              <a:sym typeface="Work Sans"/>
+            </a:endParaRPr>
+          </a:p>
+          <a:p>
+            <a:pPr indent="0" lvl="0" marL="0" marR="0" rtl="0" algn="l">
+              <a:lnSpc>
+                <a:spcPct val="100000"/>
+              </a:lnSpc>
+              <a:spcBef>
+                <a:spcPts val="0"/>
+              </a:spcBef>
+              <a:spcAft>
+                <a:spcPts val="0"/>
+              </a:spcAft>
+              <a:buClr>
+                <a:schemeClr val="dk1"/>
+              </a:buClr>
+              <a:buSzPts val="1100"/>
+              <a:buFont typeface="Arial"/>
+              <a:buNone/>
+            </a:pPr>
+            <a:r>
               <a:rPr lang="en-GB">
                 <a:solidFill>
                   <a:srgbClr val="000646"/>
@@ -12049,8 +13155,9 @@
                 <a:cs typeface="Work Sans"/>
                 <a:sym typeface="Work Sans"/>
               </a:rPr>
-            </a:br>
-            <a:br>
+              <a:t>The </a:t>
+            </a:r>
+            <a:r>
               <a:rPr lang="en-GB">
                 <a:solidFill>
                   <a:srgbClr val="000646"/>
@@ -12060,7 +13167,8 @@
                 <a:cs typeface="Work Sans"/>
                 <a:sym typeface="Work Sans"/>
               </a:rPr>
-            </a:br>
+              <a:t>first</a:t>
+            </a:r>
             <a:r>
               <a:rPr lang="en-GB">
                 <a:solidFill>
@@ -12071,42 +13179,125 @@
                 <a:cs typeface="Work Sans"/>
                 <a:sym typeface="Work Sans"/>
               </a:rPr>
-              <a:t>Management dashboard working to monitor investments.</a:t>
-            </a:r>
-            <a:r>
-              <a:rPr b="0" i="0" lang="en-GB" sz="1400" u="none" cap="none" strike="noStrike">
-                <a:solidFill>
-                  <a:srgbClr val="000646"/>
-                </a:solidFill>
-                <a:latin typeface="Work Sans"/>
-                <a:ea typeface="Work Sans"/>
-                <a:cs typeface="Work Sans"/>
-                <a:sym typeface="Work Sans"/>
-              </a:rPr>
               <a:t> </a:t>
             </a:r>
-            <a:endParaRPr b="0" i="0" sz="1400" u="none" cap="none" strike="noStrike">
-              <a:solidFill>
-                <a:srgbClr val="000000"/>
-              </a:solidFill>
-              <a:latin typeface="Arial"/>
-              <a:ea typeface="Arial"/>
-              <a:cs typeface="Arial"/>
-              <a:sym typeface="Arial"/>
+            <a:r>
+              <a:rPr lang="en-GB">
+                <a:solidFill>
+                  <a:srgbClr val="000646"/>
+                </a:solidFill>
+                <a:latin typeface="Work Sans"/>
+                <a:ea typeface="Work Sans"/>
+                <a:cs typeface="Work Sans"/>
+                <a:sym typeface="Work Sans"/>
+              </a:rPr>
+              <a:t>adoption</a:t>
+            </a:r>
+            <a:r>
+              <a:rPr lang="en-GB">
+                <a:solidFill>
+                  <a:srgbClr val="000646"/>
+                </a:solidFill>
+                <a:latin typeface="Work Sans"/>
+                <a:ea typeface="Work Sans"/>
+                <a:cs typeface="Work Sans"/>
+                <a:sym typeface="Work Sans"/>
+              </a:rPr>
+              <a:t> would be RWAs and liquidity via Aquo integrations. </a:t>
+            </a:r>
+            <a:endParaRPr>
+              <a:solidFill>
+                <a:srgbClr val="000646"/>
+              </a:solidFill>
+              <a:latin typeface="Work Sans"/>
+              <a:ea typeface="Work Sans"/>
+              <a:cs typeface="Work Sans"/>
+              <a:sym typeface="Work Sans"/>
+            </a:endParaRPr>
+          </a:p>
+          <a:p>
+            <a:pPr indent="0" lvl="0" marL="0" marR="0" rtl="0" algn="l">
+              <a:lnSpc>
+                <a:spcPct val="100000"/>
+              </a:lnSpc>
+              <a:spcBef>
+                <a:spcPts val="0"/>
+              </a:spcBef>
+              <a:spcAft>
+                <a:spcPts val="0"/>
+              </a:spcAft>
+              <a:buClr>
+                <a:schemeClr val="dk1"/>
+              </a:buClr>
+              <a:buSzPts val="1100"/>
+              <a:buFont typeface="Arial"/>
+              <a:buNone/>
+            </a:pPr>
+            <a:r>
+              <a:t/>
+            </a:r>
+            <a:endParaRPr>
+              <a:solidFill>
+                <a:srgbClr val="000646"/>
+              </a:solidFill>
+              <a:latin typeface="Work Sans"/>
+              <a:ea typeface="Work Sans"/>
+              <a:cs typeface="Work Sans"/>
+              <a:sym typeface="Work Sans"/>
+            </a:endParaRPr>
+          </a:p>
+          <a:p>
+            <a:pPr indent="0" lvl="0" marL="0" marR="0" rtl="0" algn="l">
+              <a:lnSpc>
+                <a:spcPct val="100000"/>
+              </a:lnSpc>
+              <a:spcBef>
+                <a:spcPts val="0"/>
+              </a:spcBef>
+              <a:spcAft>
+                <a:spcPts val="0"/>
+              </a:spcAft>
+              <a:buClr>
+                <a:schemeClr val="dk1"/>
+              </a:buClr>
+              <a:buSzPts val="1100"/>
+              <a:buFont typeface="Arial"/>
+              <a:buNone/>
+            </a:pPr>
+            <a:r>
+              <a:rPr lang="en-GB">
+                <a:solidFill>
+                  <a:srgbClr val="000646"/>
+                </a:solidFill>
+                <a:latin typeface="Work Sans"/>
+                <a:ea typeface="Work Sans"/>
+                <a:cs typeface="Work Sans"/>
+                <a:sym typeface="Work Sans"/>
+              </a:rPr>
+              <a:t>If no platforms existed for this, we would have to build the platforms too. </a:t>
+            </a:r>
+            <a:endParaRPr>
+              <a:solidFill>
+                <a:srgbClr val="000646"/>
+              </a:solidFill>
+              <a:latin typeface="Work Sans"/>
+              <a:ea typeface="Work Sans"/>
+              <a:cs typeface="Work Sans"/>
+              <a:sym typeface="Work Sans"/>
             </a:endParaRPr>
           </a:p>
         </p:txBody>
       </p:sp>
       <p:sp>
         <p:nvSpPr>
-          <p:cNvPr id="113" name="Google Shape;113;p9"/>
+          <p:cNvPr id="112" name="Google Shape;112;p9"/>
           <p:cNvSpPr txBox="1"/>
           <p:nvPr/>
         </p:nvSpPr>
         <p:spPr>
           <a:xfrm>
-            <a:off x="4676131" y="2859455"/>
-            <a:ext cx="2815800" cy="2118600"/>
+            <a:off x="4676125" y="2859447"/>
+            <a:ext cx="2815800" cy="3289800"/>
           </a:xfrm>
           <a:prstGeom prst="rect">
             <a:avLst/>
@@ -12149,7 +13340,7 @@
                 <a:cs typeface="Work Sans"/>
                 <a:sym typeface="Work Sans"/>
               </a:rPr>
-              <a:t>Creating Liquidity</a:t>
+              <a:t>Creating Derivatives</a:t>
             </a:r>
             <a:br>
               <a:rPr b="0" i="0" lang="en-GB" sz="1600" u="none" cap="none" strike="noStrike">
@@ -12183,9 +13374,9 @@
                 <a:cs typeface="Work Sans"/>
                 <a:sym typeface="Work Sans"/>
               </a:rPr>
-              <a:t>First DAO based fund created. Targets are for low millions in capital value e.g. 3-5 million USD. </a:t>
-            </a:r>
-            <a:endParaRPr>
+              <a:t>The simplest derivatives will just be synthetic assets which track the RWA price via a decentralized oracle, and we expect that is would be first adoption allowing liquidity.</a:t>
+            </a:r>
+            <a:endParaRPr b="0" i="0" sz="1400" u="none" cap="none" strike="noStrike">
               <a:solidFill>
                 <a:srgbClr val="000646"/>
               </a:solidFill>
@@ -12254,35 +13445,23 @@
                 <a:cs typeface="Work Sans"/>
                 <a:sym typeface="Work Sans"/>
               </a:rPr>
-              <a:t>Prices are pegged. </a:t>
-            </a:r>
-            <a:r>
-              <a:rPr b="0" i="0" lang="en-GB" sz="1400" u="none" cap="none" strike="noStrike">
-                <a:solidFill>
-                  <a:srgbClr val="000646"/>
-                </a:solidFill>
-                <a:latin typeface="Work Sans"/>
-                <a:ea typeface="Work Sans"/>
-                <a:cs typeface="Work Sans"/>
-                <a:sym typeface="Work Sans"/>
-              </a:rPr>
-              <a:t> </a:t>
-            </a:r>
-            <a:endParaRPr b="0" i="0" sz="1400" u="none" cap="none" strike="noStrike">
-              <a:solidFill>
-                <a:srgbClr val="000000"/>
-              </a:solidFill>
-              <a:latin typeface="Arial"/>
-              <a:ea typeface="Arial"/>
-              <a:cs typeface="Arial"/>
-              <a:sym typeface="Arial"/>
+              <a:t>Following that we expect options as derivatives, eg an option to buy a RWA. </a:t>
+            </a:r>
+            <a:endParaRPr>
+              <a:solidFill>
+                <a:srgbClr val="000646"/>
+              </a:solidFill>
+              <a:latin typeface="Work Sans"/>
+              <a:ea typeface="Work Sans"/>
+              <a:cs typeface="Work Sans"/>
+              <a:sym typeface="Work Sans"/>
             </a:endParaRPr>
           </a:p>
         </p:txBody>
       </p:sp>
       <p:pic>
         <p:nvPicPr>
-          <p:cNvPr id="114" name="Google Shape;114;p9"/>
+          <p:cNvPr id="113" name="Google Shape;113;p9"/>
           <p:cNvPicPr preferRelativeResize="0"/>
           <p:nvPr/>
         </p:nvPicPr>
@@ -12309,7 +13488,7 @@
       </p:pic>
       <p:sp>
         <p:nvSpPr>
-          <p:cNvPr id="115" name="Google Shape;115;p9"/>
+          <p:cNvPr id="114" name="Google Shape;114;p9"/>
           <p:cNvSpPr txBox="1"/>
           <p:nvPr/>
         </p:nvSpPr>
@@ -12359,7 +13538,7 @@
                 <a:cs typeface="Work Sans"/>
                 <a:sym typeface="Work Sans"/>
               </a:rPr>
-              <a:t>Creating Derivatives</a:t>
+              <a:t>DeFi Protocol Integration</a:t>
             </a:r>
             <a:br>
               <a:rPr b="0" i="0" lang="en-GB" sz="1600" u="none" cap="none" strike="noStrike">
@@ -12393,7 +13572,7 @@
                 <a:cs typeface="Work Sans"/>
                 <a:sym typeface="Work Sans"/>
               </a:rPr>
-              <a:t>First derivatives created from library functions and settlement systems created to reduce counterparty risk. </a:t>
+              <a:t>We expect that a new standard extending ERC20 will emerge led by us, to enable full integrations. </a:t>
             </a:r>
             <a:endParaRPr>
               <a:solidFill>
@@ -12464,19 +13643,7 @@
                 <a:cs typeface="Work Sans"/>
                 <a:sym typeface="Work Sans"/>
               </a:rPr>
-              <a:t>These are novel derivatives and they need volatility in the market itself for trading, hence these are long-term options (eg 12 months), but the </a:t>
-            </a:r>
-            <a:r>
-              <a:rPr lang="en-GB">
-                <a:solidFill>
-                  <a:srgbClr val="000646"/>
-                </a:solidFill>
-                <a:latin typeface="Work Sans"/>
-                <a:ea typeface="Work Sans"/>
-                <a:cs typeface="Work Sans"/>
-                <a:sym typeface="Work Sans"/>
-              </a:rPr>
-              <a:t>contracts themselves are saleable.</a:t>
+              <a:t>These solutions will solve risk management problems, and start to offer complex financial products to users. This will extend financial engineering. </a:t>
             </a:r>
             <a:endParaRPr>
               <a:solidFill>
@@ -12488,11 +13655,82 @@
               <a:sym typeface="Work Sans"/>
             </a:endParaRPr>
           </a:p>
+          <a:p>
+            <a:pPr indent="0" lvl="0" marL="0" marR="0" rtl="0" algn="l">
+              <a:lnSpc>
+                <a:spcPct val="100000"/>
+              </a:lnSpc>
+              <a:spcBef>
+                <a:spcPts val="0"/>
+              </a:spcBef>
+              <a:spcAft>
+                <a:spcPts val="0"/>
+              </a:spcAft>
+              <a:buClr>
+                <a:schemeClr val="dk1"/>
+              </a:buClr>
+              <a:buSzPts val="1100"/>
+              <a:buFont typeface="Arial"/>
+              <a:buNone/>
+            </a:pPr>
+            <a:r>
+              <a:t/>
+            </a:r>
+            <a:endParaRPr>
+              <a:solidFill>
+                <a:srgbClr val="000646"/>
+              </a:solidFill>
+              <a:latin typeface="Work Sans"/>
+              <a:ea typeface="Work Sans"/>
+              <a:cs typeface="Work Sans"/>
+              <a:sym typeface="Work Sans"/>
+            </a:endParaRPr>
+          </a:p>
+          <a:p>
+            <a:pPr indent="0" lvl="0" marL="0" marR="0" rtl="0" algn="l">
+              <a:lnSpc>
+                <a:spcPct val="100000"/>
+              </a:lnSpc>
+              <a:spcBef>
+                <a:spcPts val="0"/>
+              </a:spcBef>
+              <a:spcAft>
+                <a:spcPts val="0"/>
+              </a:spcAft>
+              <a:buClr>
+                <a:schemeClr val="dk1"/>
+              </a:buClr>
+              <a:buSzPts val="1100"/>
+              <a:buFont typeface="Arial"/>
+              <a:buNone/>
+            </a:pPr>
+            <a:r>
+              <a:rPr lang="en-GB">
+                <a:solidFill>
+                  <a:srgbClr val="000646"/>
+                </a:solidFill>
+                <a:latin typeface="Work Sans"/>
+                <a:ea typeface="Work Sans"/>
+                <a:cs typeface="Work Sans"/>
+                <a:sym typeface="Work Sans"/>
+              </a:rPr>
+              <a:t>We call this DeFi 2.0.</a:t>
+            </a:r>
+            <a:endParaRPr>
+              <a:solidFill>
+                <a:srgbClr val="000646"/>
+              </a:solidFill>
+              <a:latin typeface="Work Sans"/>
+              <a:ea typeface="Work Sans"/>
+              <a:cs typeface="Work Sans"/>
+              <a:sym typeface="Work Sans"/>
+            </a:endParaRPr>
+          </a:p>
         </p:txBody>
       </p:sp>
       <p:pic>
         <p:nvPicPr>
-          <p:cNvPr id="116" name="Google Shape;116;p9"/>
+          <p:cNvPr id="115" name="Google Shape;115;p9"/>
           <p:cNvPicPr preferRelativeResize="0"/>
           <p:nvPr/>
         </p:nvPicPr>
@@ -12519,7 +13757,7 @@
       </p:pic>
       <p:pic>
         <p:nvPicPr>
-          <p:cNvPr id="117" name="Google Shape;117;p9"/>
+          <p:cNvPr id="116" name="Google Shape;116;p9"/>
           <p:cNvPicPr preferRelativeResize="0"/>
           <p:nvPr/>
         </p:nvPicPr>
@@ -12565,7 +13803,7 @@
     </p:bg>
     <p:spTree>
       <p:nvGrpSpPr>
-        <p:cNvPr id="121" name="Shape 121"/>
+        <p:cNvPr id="120" name="Shape 120"/>
         <p:cNvGrpSpPr/>
         <p:nvPr/>
       </p:nvGrpSpPr>
@@ -12579,7 +13817,7 @@
       </p:grpSpPr>
       <p:sp>
         <p:nvSpPr>
-          <p:cNvPr id="122" name="Google Shape;122;p10"/>
+          <p:cNvPr id="121" name="Google Shape;121;p10"/>
           <p:cNvSpPr/>
           <p:nvPr/>
         </p:nvSpPr>
@@ -12638,7 +13876,7 @@
       </p:sp>
       <p:cxnSp>
         <p:nvCxnSpPr>
-          <p:cNvPr id="123" name="Google Shape;123;p10"/>
+          <p:cNvPr id="122" name="Google Shape;122;p10"/>
           <p:cNvCxnSpPr/>
           <p:nvPr/>
         </p:nvCxnSpPr>
@@ -12664,7 +13902,7 @@
       </p:cxnSp>
       <p:sp>
         <p:nvSpPr>
-          <p:cNvPr id="124" name="Google Shape;124;p10"/>
+          <p:cNvPr id="123" name="Google Shape;123;p10"/>
           <p:cNvSpPr/>
           <p:nvPr/>
         </p:nvSpPr>
@@ -12732,7 +13970,7 @@
       </p:sp>
       <p:sp>
         <p:nvSpPr>
-          <p:cNvPr id="125" name="Google Shape;125;p10"/>
+          <p:cNvPr id="124" name="Google Shape;124;p10"/>
           <p:cNvSpPr txBox="1"/>
           <p:nvPr/>
         </p:nvSpPr>
@@ -12798,7 +14036,7 @@
       </p:sp>
       <p:sp>
         <p:nvSpPr>
-          <p:cNvPr id="126" name="Google Shape;126;p10"/>
+          <p:cNvPr id="125" name="Google Shape;125;p10"/>
           <p:cNvSpPr txBox="1"/>
           <p:nvPr/>
         </p:nvSpPr>
@@ -12848,7 +14086,31 @@
                 <a:cs typeface="Work Sans"/>
                 <a:sym typeface="Work Sans"/>
               </a:rPr>
-              <a:t>Financial services has grown dramatically since the early 2000s, and emerging markets will grow to meet new market demands.</a:t>
+              <a:t>DeFi markets are still </a:t>
+            </a:r>
+            <a:r>
+              <a:rPr lang="en-GB" sz="1600">
+                <a:solidFill>
+                  <a:srgbClr val="000646"/>
+                </a:solidFill>
+                <a:latin typeface="Work Sans"/>
+                <a:ea typeface="Work Sans"/>
+                <a:cs typeface="Work Sans"/>
+                <a:sym typeface="Work Sans"/>
+              </a:rPr>
+              <a:t>emerging</a:t>
+            </a:r>
+            <a:r>
+              <a:rPr lang="en-GB" sz="1600">
+                <a:solidFill>
+                  <a:srgbClr val="000646"/>
+                </a:solidFill>
+                <a:latin typeface="Work Sans"/>
+                <a:ea typeface="Work Sans"/>
+                <a:cs typeface="Work Sans"/>
+                <a:sym typeface="Work Sans"/>
+              </a:rPr>
+              <a:t>. We are pitching into what we call a DeFi 2.0 market and that involves integration of DeFi protocols.</a:t>
             </a:r>
             <a:endParaRPr sz="1600">
               <a:solidFill>
@@ -12919,55 +14181,7 @@
                 <a:cs typeface="Work Sans"/>
                 <a:sym typeface="Work Sans"/>
               </a:rPr>
-              <a:t>Just for tokenization alone, </a:t>
-            </a:r>
-            <a:r>
-              <a:rPr lang="en-GB" sz="1600">
-                <a:solidFill>
-                  <a:srgbClr val="000646"/>
-                </a:solidFill>
-                <a:latin typeface="Work Sans"/>
-                <a:ea typeface="Work Sans"/>
-                <a:cs typeface="Work Sans"/>
-                <a:sym typeface="Work Sans"/>
-              </a:rPr>
-              <a:t>the</a:t>
-            </a:r>
-            <a:r>
-              <a:rPr lang="en-GB" sz="1600">
-                <a:solidFill>
-                  <a:srgbClr val="000646"/>
-                </a:solidFill>
-                <a:latin typeface="Work Sans"/>
-                <a:ea typeface="Work Sans"/>
-                <a:cs typeface="Work Sans"/>
-                <a:sym typeface="Work Sans"/>
-              </a:rPr>
-              <a:t> market size is estimated to be $16 trillion by 2030 but the Aquo model pitches into </a:t>
-            </a:r>
-            <a:r>
-              <a:rPr lang="en-GB" sz="1600">
-                <a:solidFill>
-                  <a:srgbClr val="000646"/>
-                </a:solidFill>
-                <a:latin typeface="Work Sans"/>
-                <a:ea typeface="Work Sans"/>
-                <a:cs typeface="Work Sans"/>
-                <a:sym typeface="Work Sans"/>
-              </a:rPr>
-              <a:t>derivatives</a:t>
-            </a:r>
-            <a:r>
-              <a:rPr lang="en-GB" sz="1600">
-                <a:solidFill>
-                  <a:srgbClr val="000646"/>
-                </a:solidFill>
-                <a:latin typeface="Work Sans"/>
-                <a:ea typeface="Work Sans"/>
-                <a:cs typeface="Work Sans"/>
-                <a:sym typeface="Work Sans"/>
-              </a:rPr>
-              <a:t> and borrowing (i.e. CDOs and CMOs) to inflate liquidity to cause more growth.</a:t>
+              <a:t>We expect services offered via TradFi will be offered in DeFi but via a different means.</a:t>
             </a:r>
             <a:endParaRPr sz="1600">
               <a:solidFill>
@@ -13038,7 +14252,31 @@
                 <a:cs typeface="Work Sans"/>
                 <a:sym typeface="Work Sans"/>
               </a:rPr>
-              <a:t>As banks create money via lending, we can significantly grow markets via borrowing. </a:t>
+              <a:t>Hence we expect derivatives (now for example consisting of 600 trillion dollars in the OTC market) will </a:t>
+            </a:r>
+            <a:r>
+              <a:rPr lang="en-GB" sz="1600">
+                <a:solidFill>
+                  <a:srgbClr val="000646"/>
+                </a:solidFill>
+                <a:latin typeface="Work Sans"/>
+                <a:ea typeface="Work Sans"/>
+                <a:cs typeface="Work Sans"/>
+                <a:sym typeface="Work Sans"/>
+              </a:rPr>
+              <a:t>start</a:t>
+            </a:r>
+            <a:r>
+              <a:rPr lang="en-GB" sz="1600">
+                <a:solidFill>
+                  <a:srgbClr val="000646"/>
+                </a:solidFill>
+                <a:latin typeface="Work Sans"/>
+                <a:ea typeface="Work Sans"/>
+                <a:cs typeface="Work Sans"/>
+                <a:sym typeface="Work Sans"/>
+              </a:rPr>
+              <a:t> to be evident in DeFi and via Aquo.</a:t>
             </a:r>
             <a:endParaRPr sz="1600">
               <a:solidFill>
@@ -13069,29 +14307,9 @@
               <a:buNone/>
             </a:pPr>
             <a:r>
-              <a:rPr b="1" i="0" lang="en-GB" sz="1600" u="none" cap="none" strike="noStrike">
-                <a:solidFill>
-                  <a:srgbClr val="000646"/>
-                </a:solidFill>
-                <a:latin typeface="Work Sans"/>
-                <a:ea typeface="Work Sans"/>
-                <a:cs typeface="Work Sans"/>
-                <a:sym typeface="Work Sans"/>
-              </a:rPr>
-              <a:t> </a:t>
-            </a:r>
-            <a:br>
-              <a:rPr b="0" i="0" lang="en-GB" sz="1600" u="none" cap="none" strike="noStrike">
-                <a:solidFill>
-                  <a:srgbClr val="000646"/>
-                </a:solidFill>
-                <a:latin typeface="Work Sans"/>
-                <a:ea typeface="Work Sans"/>
-                <a:cs typeface="Work Sans"/>
-                <a:sym typeface="Work Sans"/>
-              </a:rPr>
-            </a:br>
-            <a:endParaRPr b="0" i="0" sz="1600" u="none" cap="none" strike="noStrike">
+              <a:t/>
+            </a:r>
+            <a:endParaRPr sz="1600">
               <a:solidFill>
                 <a:srgbClr val="000646"/>
               </a:solidFill>
@@ -13101,11 +14319,173 @@
               <a:sym typeface="Work Sans"/>
             </a:endParaRPr>
           </a:p>
+          <a:p>
+            <a:pPr indent="0" lvl="0" marL="0" marR="0" rtl="0" algn="l">
+              <a:lnSpc>
+                <a:spcPct val="100000"/>
+              </a:lnSpc>
+              <a:spcBef>
+                <a:spcPts val="0"/>
+              </a:spcBef>
+              <a:spcAft>
+                <a:spcPts val="0"/>
+              </a:spcAft>
+              <a:buClr>
+                <a:schemeClr val="dk1"/>
+              </a:buClr>
+              <a:buSzPts val="1100"/>
+              <a:buFont typeface="Arial"/>
+              <a:buNone/>
+            </a:pPr>
+            <a:r>
+              <a:rPr lang="en-GB" sz="1600">
+                <a:solidFill>
+                  <a:srgbClr val="000646"/>
+                </a:solidFill>
+                <a:latin typeface="Work Sans"/>
+                <a:ea typeface="Work Sans"/>
+                <a:cs typeface="Work Sans"/>
+                <a:sym typeface="Work Sans"/>
+              </a:rPr>
+              <a:t> </a:t>
+            </a:r>
+            <a:endParaRPr sz="1600">
+              <a:solidFill>
+                <a:srgbClr val="000646"/>
+              </a:solidFill>
+              <a:latin typeface="Work Sans"/>
+              <a:ea typeface="Work Sans"/>
+              <a:cs typeface="Work Sans"/>
+              <a:sym typeface="Work Sans"/>
+            </a:endParaRPr>
+          </a:p>
+          <a:p>
+            <a:pPr indent="0" lvl="0" marL="0" marR="0" rtl="0" algn="l">
+              <a:lnSpc>
+                <a:spcPct val="100000"/>
+              </a:lnSpc>
+              <a:spcBef>
+                <a:spcPts val="0"/>
+              </a:spcBef>
+              <a:spcAft>
+                <a:spcPts val="0"/>
+              </a:spcAft>
+              <a:buClr>
+                <a:schemeClr val="dk1"/>
+              </a:buClr>
+              <a:buSzPts val="1100"/>
+              <a:buFont typeface="Arial"/>
+              <a:buNone/>
+            </a:pPr>
+            <a:r>
+              <a:t/>
+            </a:r>
+            <a:endParaRPr sz="1600">
+              <a:solidFill>
+                <a:srgbClr val="000646"/>
+              </a:solidFill>
+              <a:latin typeface="Work Sans"/>
+              <a:ea typeface="Work Sans"/>
+              <a:cs typeface="Work Sans"/>
+              <a:sym typeface="Work Sans"/>
+            </a:endParaRPr>
+          </a:p>
+          <a:p>
+            <a:pPr indent="0" lvl="0" marL="0" marR="0" rtl="0" algn="l">
+              <a:lnSpc>
+                <a:spcPct val="100000"/>
+              </a:lnSpc>
+              <a:spcBef>
+                <a:spcPts val="0"/>
+              </a:spcBef>
+              <a:spcAft>
+                <a:spcPts val="0"/>
+              </a:spcAft>
+              <a:buClr>
+                <a:schemeClr val="dk1"/>
+              </a:buClr>
+              <a:buSzPts val="1100"/>
+              <a:buFont typeface="Arial"/>
+              <a:buNone/>
+            </a:pPr>
+            <a:r>
+              <a:rPr lang="en-GB" sz="1600">
+                <a:solidFill>
+                  <a:srgbClr val="000646"/>
+                </a:solidFill>
+                <a:latin typeface="Work Sans"/>
+                <a:ea typeface="Work Sans"/>
+                <a:cs typeface="Work Sans"/>
+                <a:sym typeface="Work Sans"/>
+              </a:rPr>
+              <a:t> </a:t>
+            </a:r>
+            <a:endParaRPr sz="1600">
+              <a:solidFill>
+                <a:srgbClr val="000646"/>
+              </a:solidFill>
+              <a:latin typeface="Work Sans"/>
+              <a:ea typeface="Work Sans"/>
+              <a:cs typeface="Work Sans"/>
+              <a:sym typeface="Work Sans"/>
+            </a:endParaRPr>
+          </a:p>
+          <a:p>
+            <a:pPr indent="0" lvl="0" marL="0" marR="0" rtl="0" algn="l">
+              <a:lnSpc>
+                <a:spcPct val="100000"/>
+              </a:lnSpc>
+              <a:spcBef>
+                <a:spcPts val="0"/>
+              </a:spcBef>
+              <a:spcAft>
+                <a:spcPts val="0"/>
+              </a:spcAft>
+              <a:buClr>
+                <a:schemeClr val="dk1"/>
+              </a:buClr>
+              <a:buSzPts val="1100"/>
+              <a:buFont typeface="Arial"/>
+              <a:buNone/>
+            </a:pPr>
+            <a:r>
+              <a:rPr b="1" i="0" lang="en-GB" sz="1600" u="none" cap="none" strike="noStrike">
+                <a:solidFill>
+                  <a:srgbClr val="000646"/>
+                </a:solidFill>
+                <a:latin typeface="Work Sans"/>
+                <a:ea typeface="Work Sans"/>
+                <a:cs typeface="Work Sans"/>
+                <a:sym typeface="Work Sans"/>
+              </a:rPr>
+              <a:t> </a:t>
+            </a:r>
+            <a:br>
+              <a:rPr b="0" i="0" lang="en-GB" sz="1600" u="none" cap="none" strike="noStrike">
+                <a:solidFill>
+                  <a:srgbClr val="000646"/>
+                </a:solidFill>
+                <a:latin typeface="Work Sans"/>
+                <a:ea typeface="Work Sans"/>
+                <a:cs typeface="Work Sans"/>
+                <a:sym typeface="Work Sans"/>
+              </a:rPr>
+            </a:br>
+            <a:endParaRPr b="0" i="0" sz="1600" u="none" cap="none" strike="noStrike">
+              <a:solidFill>
+                <a:srgbClr val="000646"/>
+              </a:solidFill>
+              <a:latin typeface="Work Sans"/>
+              <a:ea typeface="Work Sans"/>
+              <a:cs typeface="Work Sans"/>
+              <a:sym typeface="Work Sans"/>
+            </a:endParaRPr>
+          </a:p>
         </p:txBody>
       </p:sp>
       <p:sp>
         <p:nvSpPr>
-          <p:cNvPr id="127" name="Google Shape;127;p10"/>
+          <p:cNvPr id="126" name="Google Shape;126;p10"/>
           <p:cNvSpPr txBox="1"/>
           <p:nvPr/>
         </p:nvSpPr>
@@ -13155,7 +14535,7 @@
                 <a:cs typeface="Work Sans"/>
                 <a:sym typeface="Work Sans"/>
               </a:rPr>
-              <a:t>Tokenized Illiquid Assets</a:t>
+              <a:t>Tokenization and RWAs</a:t>
             </a:r>
             <a:endParaRPr b="1" i="0" sz="1600" u="none" cap="none" strike="noStrike">
               <a:solidFill>
@@ -13195,19 +14575,7 @@
                 <a:cs typeface="Work Sans"/>
                 <a:sym typeface="Work Sans"/>
               </a:rPr>
-              <a:t>The market estimate is estimated to be $16 trillion by </a:t>
-            </a:r>
-            <a:r>
-              <a:rPr b="1" lang="en-GB" sz="1600">
-                <a:solidFill>
-                  <a:srgbClr val="000646"/>
-                </a:solidFill>
-                <a:latin typeface="Work Sans"/>
-                <a:ea typeface="Work Sans"/>
-                <a:cs typeface="Work Sans"/>
-                <a:sym typeface="Work Sans"/>
-              </a:rPr>
-              <a:t>2030</a:t>
+              <a:t>RWAs have been developed by several startups and this market is predicted to bring 16 trillion dollars in revenues by 2030. The large size of real assets (real estate alone is 300 trillion) means the </a:t>
             </a:r>
             <a:r>
               <a:rPr lang="en-GB" sz="1600">
@@ -13219,19 +14587,7 @@
                 <a:cs typeface="Work Sans"/>
                 <a:sym typeface="Work Sans"/>
               </a:rPr>
-              <a:t> for tokenized illiquid assets. A 1 percent share would be 160 billion market value. If a 1 percent fee were charged, then </a:t>
-            </a:r>
-            <a:r>
-              <a:rPr b="1" lang="en-GB" sz="1600">
-                <a:solidFill>
-                  <a:srgbClr val="000646"/>
-                </a:solidFill>
-                <a:latin typeface="Work Sans"/>
-                <a:ea typeface="Work Sans"/>
-                <a:cs typeface="Work Sans"/>
-                <a:sym typeface="Work Sans"/>
-              </a:rPr>
-              <a:t>revenues</a:t>
+              <a:t>market</a:t>
             </a:r>
             <a:r>
               <a:rPr lang="en-GB" sz="1600">
@@ -13243,7 +14599,7 @@
                 <a:cs typeface="Work Sans"/>
                 <a:sym typeface="Work Sans"/>
               </a:rPr>
-              <a:t> would be $1.6 billion.</a:t>
+              <a:t> demand is likely to be high. </a:t>
             </a:r>
             <a:endParaRPr b="0" i="0" sz="1400" u="none" cap="none" strike="noStrike">
               <a:solidFill>
@@ -13259,7 +14615,7 @@
       </p:sp>
       <p:sp>
         <p:nvSpPr>
-          <p:cNvPr id="128" name="Google Shape;128;p10"/>
+          <p:cNvPr id="127" name="Google Shape;127;p10"/>
           <p:cNvSpPr txBox="1"/>
           <p:nvPr/>
         </p:nvSpPr>
@@ -13380,19 +14736,7 @@
                 <a:cs typeface="Work Sans"/>
                 <a:sym typeface="Work Sans"/>
               </a:rPr>
-              <a:t>The Derivatives sector is very large and complex (hundreds of trillions of dollars for a notional value). Future demands will be high as the markets develop and business models in derivatives allow </a:t>
-            </a:r>
-            <a:r>
-              <a:rPr b="1" lang="en-GB" sz="1600">
-                <a:solidFill>
-                  <a:srgbClr val="000646"/>
-                </a:solidFill>
-                <a:latin typeface="Work Sans"/>
-                <a:ea typeface="Work Sans"/>
-                <a:cs typeface="Work Sans"/>
-                <a:sym typeface="Work Sans"/>
-              </a:rPr>
-              <a:t>considerable</a:t>
+              <a:t>The TradFi derivatives is very large (many times larger than the real world economy) and DeFi derivatives markets are </a:t>
             </a:r>
             <a:r>
               <a:rPr lang="en-GB" sz="1600">
@@ -13404,19 +14748,7 @@
                 <a:cs typeface="Work Sans"/>
                 <a:sym typeface="Work Sans"/>
               </a:rPr>
-              <a:t> </a:t>
-            </a:r>
-            <a:r>
-              <a:rPr b="1" lang="en-GB" sz="1600">
-                <a:solidFill>
-                  <a:srgbClr val="000646"/>
-                </a:solidFill>
-                <a:latin typeface="Work Sans"/>
-                <a:ea typeface="Work Sans"/>
-                <a:cs typeface="Work Sans"/>
-                <a:sym typeface="Work Sans"/>
-              </a:rPr>
-              <a:t>flexibility</a:t>
+              <a:t>likely</a:t>
             </a:r>
             <a:r>
               <a:rPr lang="en-GB" sz="1600">
@@ -13428,7 +14760,31 @@
                 <a:cs typeface="Work Sans"/>
                 <a:sym typeface="Work Sans"/>
               </a:rPr>
-              <a:t>. </a:t>
+              <a:t> to grow to high values. </a:t>
+            </a:r>
+            <a:r>
+              <a:rPr lang="en-GB" sz="1600">
+                <a:solidFill>
+                  <a:srgbClr val="000646"/>
+                </a:solidFill>
+                <a:latin typeface="Work Sans"/>
+                <a:ea typeface="Work Sans"/>
+                <a:cs typeface="Work Sans"/>
+                <a:sym typeface="Work Sans"/>
+              </a:rPr>
+              <a:t>Derivatives</a:t>
+            </a:r>
+            <a:r>
+              <a:rPr lang="en-GB" sz="1600">
+                <a:solidFill>
+                  <a:srgbClr val="000646"/>
+                </a:solidFill>
+                <a:latin typeface="Work Sans"/>
+                <a:ea typeface="Work Sans"/>
+                <a:cs typeface="Work Sans"/>
+                <a:sym typeface="Work Sans"/>
+              </a:rPr>
+              <a:t> in TradFi have a notional value of a quadrillion dollars. </a:t>
             </a:r>
             <a:endParaRPr b="0" i="0" sz="1400" u="none" cap="none" strike="noStrike">
               <a:solidFill>
@@ -13444,7 +14800,7 @@
       </p:sp>
       <p:cxnSp>
         <p:nvCxnSpPr>
-          <p:cNvPr id="129" name="Google Shape;129;p10"/>
+          <p:cNvPr id="128" name="Google Shape;128;p10"/>
           <p:cNvCxnSpPr/>
           <p:nvPr/>
         </p:nvCxnSpPr>
@@ -13470,7 +14826,7 @@
       </p:cxnSp>
       <p:sp>
         <p:nvSpPr>
-          <p:cNvPr id="130" name="Google Shape;130;p10"/>
+          <p:cNvPr id="129" name="Google Shape;129;p10"/>
           <p:cNvSpPr txBox="1"/>
           <p:nvPr/>
         </p:nvSpPr>
@@ -13520,7 +14876,7 @@
                 <a:cs typeface="Work Sans"/>
                 <a:sym typeface="Work Sans"/>
               </a:rPr>
-              <a:t>Liquidity Pools</a:t>
+              <a:t>Composability</a:t>
             </a:r>
             <a:endParaRPr b="1" sz="1600">
               <a:solidFill>
@@ -13591,7 +14947,7 @@
                 <a:cs typeface="Work Sans"/>
                 <a:sym typeface="Work Sans"/>
               </a:rPr>
-              <a:t>Money creation (lending) has been a critical liquidity factor in tradfi, are part of the emerging sector will be </a:t>
+              <a:t>TradFi composability </a:t>
             </a:r>
             <a:r>
               <a:rPr lang="en-GB" sz="1600">
@@ -13603,7 +14959,7 @@
                 <a:cs typeface="Work Sans"/>
                 <a:sym typeface="Work Sans"/>
               </a:rPr>
-              <a:t>creating</a:t>
+              <a:t>already</a:t>
             </a:r>
             <a:r>
               <a:rPr lang="en-GB" sz="1600">
@@ -13615,19 +14971,7 @@
                 <a:cs typeface="Work Sans"/>
                 <a:sym typeface="Work Sans"/>
               </a:rPr>
-              <a:t> liquidity via </a:t>
-            </a:r>
-            <a:r>
-              <a:rPr b="1" lang="en-GB" sz="1600">
-                <a:solidFill>
-                  <a:srgbClr val="000646"/>
-                </a:solidFill>
-                <a:latin typeface="Work Sans"/>
-                <a:ea typeface="Work Sans"/>
-                <a:cs typeface="Work Sans"/>
-                <a:sym typeface="Work Sans"/>
-              </a:rPr>
-              <a:t>borrowing</a:t>
+              <a:t> exists by integrating financial services into complex products. DeFi is likely to follow this same market curve and the market size is very large (as with derivatives it is </a:t>
             </a:r>
             <a:r>
               <a:rPr lang="en-GB" sz="1600">
@@ -13639,7 +14983,7 @@
                 <a:cs typeface="Work Sans"/>
                 <a:sym typeface="Work Sans"/>
               </a:rPr>
-              <a:t> from banks. Liquidity market </a:t>
+              <a:t>hundreds</a:t>
             </a:r>
             <a:r>
               <a:rPr lang="en-GB" sz="1600">
@@ -13651,7 +14995,7 @@
                 <a:cs typeface="Work Sans"/>
                 <a:sym typeface="Work Sans"/>
               </a:rPr>
-              <a:t>sizes will be based on borrowing on emerging tokenized assets.</a:t>
+              <a:t> of trillions of dollars in TradFi). </a:t>
             </a:r>
             <a:endParaRPr b="0" i="0" sz="1400" u="none" cap="none" strike="noStrike">
               <a:solidFill>
@@ -13667,7 +15011,7 @@
       </p:sp>
       <p:cxnSp>
         <p:nvCxnSpPr>
-          <p:cNvPr id="131" name="Google Shape;131;p10"/>
+          <p:cNvPr id="130" name="Google Shape;130;p10"/>
           <p:cNvCxnSpPr/>
           <p:nvPr/>
         </p:nvCxnSpPr>
@@ -13693,7 +15037,7 @@
       </p:cxnSp>
       <p:pic>
         <p:nvPicPr>
-          <p:cNvPr id="132" name="Google Shape;132;p10"/>
+          <p:cNvPr id="131" name="Google Shape;131;p10"/>
           <p:cNvPicPr preferRelativeResize="0"/>
           <p:nvPr/>
         </p:nvPicPr>
@@ -13721,17 +15065,16 @@
       </p:pic>
       <p:pic>
         <p:nvPicPr>
-          <p:cNvPr id="133" name="Google Shape;133;p10"/>
+          <p:cNvPr id="132" name="Google Shape;132;p10"/>
           <p:cNvPicPr preferRelativeResize="0"/>
           <p:nvPr/>
         </p:nvPicPr>
-        <p:blipFill>
+        <p:blipFill rotWithShape="1">
           <a:blip r:embed="rId4">
             <a:alphaModFix/>
           </a:blip>
-          <a:stretch>
-            <a:fillRect/>
-          </a:stretch>
+          <a:srcRect b="0" l="0" r="0" t="0"/>
+          <a:stretch/>
         </p:blipFill>
         <p:spPr>
           <a:xfrm>
@@ -13749,7 +15092,7 @@
       </p:pic>
       <p:pic>
         <p:nvPicPr>
-          <p:cNvPr id="134" name="Google Shape;134;p10"/>
+          <p:cNvPr id="133" name="Google Shape;133;p10"/>
           <p:cNvPicPr preferRelativeResize="0"/>
           <p:nvPr/>
         </p:nvPicPr>
@@ -13777,7 +15120,7 @@
       </p:pic>
       <p:pic>
         <p:nvPicPr>
-          <p:cNvPr id="135" name="Google Shape;135;p10"/>
+          <p:cNvPr id="134" name="Google Shape;134;p10"/>
           <p:cNvPicPr preferRelativeResize="0"/>
           <p:nvPr/>
         </p:nvPicPr>
@@ -13823,7 +15166,7 @@
     </p:bg>
     <p:spTree>
       <p:nvGrpSpPr>
-        <p:cNvPr id="139" name="Shape 139"/>
+        <p:cNvPr id="138" name="Shape 138"/>
         <p:cNvGrpSpPr/>
         <p:nvPr/>
       </p:nvGrpSpPr>
@@ -13837,7 +15180,7 @@
       </p:grpSpPr>
       <p:sp>
         <p:nvSpPr>
-          <p:cNvPr id="140" name="Google Shape;140;p11"/>
+          <p:cNvPr id="139" name="Google Shape;139;p11"/>
           <p:cNvSpPr/>
           <p:nvPr/>
         </p:nvSpPr>
@@ -13905,7 +15248,7 @@
       </p:sp>
       <p:sp>
         <p:nvSpPr>
-          <p:cNvPr id="141" name="Google Shape;141;p11"/>
+          <p:cNvPr id="140" name="Google Shape;140;p11"/>
           <p:cNvSpPr txBox="1"/>
           <p:nvPr/>
         </p:nvSpPr>
@@ -13971,7 +15314,7 @@
       </p:sp>
       <p:sp>
         <p:nvSpPr>
-          <p:cNvPr id="142" name="Google Shape;142;p11"/>
+          <p:cNvPr id="141" name="Google Shape;141;p11"/>
           <p:cNvSpPr txBox="1"/>
           <p:nvPr/>
         </p:nvSpPr>
@@ -14021,7 +15364,7 @@
                 <a:cs typeface="Work Sans"/>
                 <a:sym typeface="Work Sans"/>
               </a:rPr>
-              <a:t>The real asset tokenization space (or in blockchain terms is called RWA for real-world assets) has a strong </a:t>
+              <a:t>DeFi </a:t>
             </a:r>
             <a:r>
               <a:rPr lang="en-GB" sz="1600">
@@ -14033,7 +15376,19 @@
                 <a:cs typeface="Work Sans"/>
                 <a:sym typeface="Work Sans"/>
               </a:rPr>
-              <a:t>interest from large institutions and startups. </a:t>
+              <a:t>composition</a:t>
+            </a:r>
+            <a:r>
+              <a:rPr lang="en-GB" sz="1600">
+                <a:solidFill>
+                  <a:srgbClr val="000646"/>
+                </a:solidFill>
+                <a:latin typeface="Work Sans"/>
+                <a:ea typeface="Work Sans"/>
+                <a:cs typeface="Work Sans"/>
+                <a:sym typeface="Work Sans"/>
+              </a:rPr>
+              <a:t> is an emerging sector and competition is limited.</a:t>
             </a:r>
             <a:endParaRPr sz="1600">
               <a:solidFill>
@@ -14066,7 +15421,7 @@
             <a:r>
               <a:t/>
             </a:r>
-            <a:endParaRPr b="1" sz="1600">
+            <a:endParaRPr sz="1600">
               <a:solidFill>
                 <a:srgbClr val="000646"/>
               </a:solidFill>
@@ -14104,7 +15459,7 @@
                 <a:cs typeface="Work Sans"/>
                 <a:sym typeface="Work Sans"/>
               </a:rPr>
-              <a:t>Aquo is different as follows:</a:t>
+              <a:t>Large banks are moving into these sectors but they are slow and very bureaucratic taking years to make decisions.</a:t>
             </a:r>
             <a:endParaRPr sz="1600">
               <a:solidFill>
@@ -14117,31 +15472,25 @@
             </a:endParaRPr>
           </a:p>
           <a:p>
-            <a:pPr indent="-330200" lvl="0" marL="457200" rtl="0" algn="l">
-              <a:spcBef>
-                <a:spcPts val="0"/>
-              </a:spcBef>
-              <a:spcAft>
-                <a:spcPts val="0"/>
-              </a:spcAft>
-              <a:buClr>
-                <a:srgbClr val="000646"/>
-              </a:buClr>
-              <a:buSzPts val="1600"/>
-              <a:buFont typeface="Work Sans"/>
-              <a:buAutoNum type="arabicPeriod"/>
-            </a:pPr>
-            <a:r>
-              <a:rPr lang="en-GB" sz="1600">
-                <a:solidFill>
-                  <a:srgbClr val="000646"/>
-                </a:solidFill>
-                <a:latin typeface="Work Sans"/>
-                <a:ea typeface="Work Sans"/>
-                <a:cs typeface="Work Sans"/>
-                <a:sym typeface="Work Sans"/>
-              </a:rPr>
-              <a:t>Aquo focuses on new market creation via financial instruments.</a:t>
+            <a:pPr indent="0" lvl="0" marL="0" marR="0" rtl="0" algn="l">
+              <a:lnSpc>
+                <a:spcPct val="100000"/>
+              </a:lnSpc>
+              <a:spcBef>
+                <a:spcPts val="0"/>
+              </a:spcBef>
+              <a:spcAft>
+                <a:spcPts val="0"/>
+              </a:spcAft>
+              <a:buClr>
+                <a:schemeClr val="dk1"/>
+              </a:buClr>
+              <a:buSzPts val="1100"/>
+              <a:buFont typeface="Arial"/>
+              <a:buNone/>
+            </a:pPr>
+            <a:r>
+              <a:t/>
             </a:r>
             <a:endParaRPr sz="1600">
               <a:solidFill>
@@ -14154,19 +15503,22 @@
             </a:endParaRPr>
           </a:p>
           <a:p>
-            <a:pPr indent="-330200" lvl="0" marL="457200" rtl="0" algn="l">
-              <a:spcBef>
-                <a:spcPts val="0"/>
-              </a:spcBef>
-              <a:spcAft>
-                <a:spcPts val="0"/>
-              </a:spcAft>
-              <a:buClr>
-                <a:srgbClr val="000646"/>
-              </a:buClr>
-              <a:buSzPts val="1600"/>
-              <a:buFont typeface="Work Sans"/>
-              <a:buAutoNum type="arabicPeriod"/>
+            <a:pPr indent="0" lvl="0" marL="0" marR="0" rtl="0" algn="l">
+              <a:lnSpc>
+                <a:spcPct val="100000"/>
+              </a:lnSpc>
+              <a:spcBef>
+                <a:spcPts val="0"/>
+              </a:spcBef>
+              <a:spcAft>
+                <a:spcPts val="0"/>
+              </a:spcAft>
+              <a:buClr>
+                <a:schemeClr val="dk1"/>
+              </a:buClr>
+              <a:buSzPts val="1100"/>
+              <a:buFont typeface="Arial"/>
+              <a:buNone/>
             </a:pPr>
             <a:r>
               <a:rPr lang="en-GB" sz="1600">
@@ -14178,7 +15530,31 @@
                 <a:cs typeface="Work Sans"/>
                 <a:sym typeface="Work Sans"/>
               </a:rPr>
-              <a:t>Aquo focuses on pooling of digital assets to create liquidity pools. </a:t>
+              <a:t>Competitor startups have focused on DEXs and PLFs (protocols of loanable funds). </a:t>
+            </a:r>
+            <a:r>
+              <a:rPr lang="en-GB" sz="1600">
+                <a:solidFill>
+                  <a:srgbClr val="000646"/>
+                </a:solidFill>
+                <a:latin typeface="Work Sans"/>
+                <a:ea typeface="Work Sans"/>
+                <a:cs typeface="Work Sans"/>
+                <a:sym typeface="Work Sans"/>
+              </a:rPr>
+              <a:t>Synthetix</a:t>
+            </a:r>
+            <a:r>
+              <a:rPr lang="en-GB" sz="1600">
+                <a:solidFill>
+                  <a:srgbClr val="000646"/>
+                </a:solidFill>
+                <a:latin typeface="Work Sans"/>
+                <a:ea typeface="Work Sans"/>
+                <a:cs typeface="Work Sans"/>
+                <a:sym typeface="Work Sans"/>
+              </a:rPr>
+              <a:t> is the closest competitor for Aquo which is a liquidity provider implemented as a backend tool. </a:t>
             </a:r>
             <a:endParaRPr sz="1600">
               <a:solidFill>
@@ -14191,31 +15567,25 @@
             </a:endParaRPr>
           </a:p>
           <a:p>
-            <a:pPr indent="-330200" lvl="0" marL="457200" rtl="0" algn="l">
-              <a:spcBef>
-                <a:spcPts val="0"/>
-              </a:spcBef>
-              <a:spcAft>
-                <a:spcPts val="0"/>
-              </a:spcAft>
-              <a:buClr>
-                <a:srgbClr val="000646"/>
-              </a:buClr>
-              <a:buSzPts val="1600"/>
-              <a:buFont typeface="Work Sans"/>
-              <a:buAutoNum type="arabicPeriod"/>
-            </a:pPr>
-            <a:r>
-              <a:rPr lang="en-GB" sz="1600">
-                <a:solidFill>
-                  <a:srgbClr val="000646"/>
-                </a:solidFill>
-                <a:latin typeface="Work Sans"/>
-                <a:ea typeface="Work Sans"/>
-                <a:cs typeface="Work Sans"/>
-                <a:sym typeface="Work Sans"/>
-              </a:rPr>
-              <a:t>Aquo focuses on real growth from investments by tailoring products/services which includes reducing counterparty risk.</a:t>
+            <a:pPr indent="0" lvl="0" marL="0" marR="0" rtl="0" algn="l">
+              <a:lnSpc>
+                <a:spcPct val="100000"/>
+              </a:lnSpc>
+              <a:spcBef>
+                <a:spcPts val="0"/>
+              </a:spcBef>
+              <a:spcAft>
+                <a:spcPts val="0"/>
+              </a:spcAft>
+              <a:buClr>
+                <a:schemeClr val="dk1"/>
+              </a:buClr>
+              <a:buSzPts val="1100"/>
+              <a:buFont typeface="Arial"/>
+              <a:buNone/>
+            </a:pPr>
+            <a:r>
+              <a:t/>
             </a:r>
             <a:endParaRPr sz="1600">
               <a:solidFill>
@@ -14246,7 +15616,40 @@
               <a:buNone/>
             </a:pPr>
             <a:r>
-              <a:t/>
+              <a:rPr lang="en-GB" sz="1600">
+                <a:solidFill>
+                  <a:srgbClr val="000646"/>
+                </a:solidFill>
+                <a:latin typeface="Work Sans"/>
+                <a:ea typeface="Work Sans"/>
+                <a:cs typeface="Work Sans"/>
+                <a:sym typeface="Work Sans"/>
+              </a:rPr>
+              <a:t>Aquo is a more complete solution than what is offered </a:t>
+            </a:r>
+            <a:r>
+              <a:rPr lang="en-GB" sz="1600">
+                <a:solidFill>
+                  <a:srgbClr val="000646"/>
+                </a:solidFill>
+                <a:latin typeface="Work Sans"/>
+                <a:ea typeface="Work Sans"/>
+                <a:cs typeface="Work Sans"/>
+                <a:sym typeface="Work Sans"/>
+              </a:rPr>
+              <a:t>today</a:t>
+            </a:r>
+            <a:r>
+              <a:rPr lang="en-GB" sz="1600">
+                <a:solidFill>
+                  <a:srgbClr val="000646"/>
+                </a:solidFill>
+                <a:latin typeface="Work Sans"/>
+                <a:ea typeface="Work Sans"/>
+                <a:cs typeface="Work Sans"/>
+                <a:sym typeface="Work Sans"/>
+              </a:rPr>
+              <a:t>.</a:t>
             </a:r>
             <a:endParaRPr sz="1600">
               <a:solidFill>
@@ -14258,11 +15661,42 @@
               <a:sym typeface="Work Sans"/>
             </a:endParaRPr>
           </a:p>
+          <a:p>
+            <a:pPr indent="0" lvl="0" marL="0" marR="0" rtl="0" algn="l">
+              <a:lnSpc>
+                <a:spcPct val="100000"/>
+              </a:lnSpc>
+              <a:spcBef>
+                <a:spcPts val="0"/>
+              </a:spcBef>
+              <a:spcAft>
+                <a:spcPts val="0"/>
+              </a:spcAft>
+              <a:buClr>
+                <a:schemeClr val="dk1"/>
+              </a:buClr>
+              <a:buSzPts val="1100"/>
+              <a:buFont typeface="Arial"/>
+              <a:buNone/>
+            </a:pPr>
+            <a:r>
+              <a:t/>
+            </a:r>
+            <a:endParaRPr sz="1600">
+              <a:solidFill>
+                <a:srgbClr val="000646"/>
+              </a:solidFill>
+              <a:latin typeface="Work Sans"/>
+              <a:ea typeface="Work Sans"/>
+              <a:cs typeface="Work Sans"/>
+              <a:sym typeface="Work Sans"/>
+            </a:endParaRPr>
+          </a:p>
         </p:txBody>
       </p:sp>
       <p:graphicFrame>
         <p:nvGraphicFramePr>
-          <p:cNvPr id="143" name="Google Shape;143;p11"/>
+          <p:cNvPr id="142" name="Google Shape;142;p11"/>
           <p:cNvGraphicFramePr/>
           <p:nvPr/>
         </p:nvGraphicFramePr>
@@ -14275,7 +15709,7 @@
             <a:tbl>
               <a:tblPr bandRow="1" firstRow="1">
                 <a:noFill/>
-                <a:tableStyleId>{B34BFFC8-DDB4-4B29-B3F3-8DF0595BE423}</a:tableStyleId>
+                <a:tableStyleId>{836BBEEF-192A-4EE0-8BC7-4D255D593594}</a:tableStyleId>
               </a:tblPr>
               <a:tblGrid>
                 <a:gridCol w="2203650"/>
@@ -14545,7 +15979,7 @@
                         <a:buNone/>
                       </a:pPr>
                       <a:r>
-                        <a:rPr b="1" lang="en-GB" sz="1800" u="none" cap="none" strike="noStrike">
+                        <a:rPr b="1" lang="en-GB" sz="1800">
                           <a:solidFill>
                             <a:schemeClr val="accent6"/>
                           </a:solidFill>
@@ -14554,7 +15988,7 @@
                           <a:cs typeface="Work Sans"/>
                           <a:sym typeface="Work Sans"/>
                         </a:rPr>
-                        <a:t>Your company</a:t>
+                        <a:t>Aquo</a:t>
                       </a:r>
                       <a:endParaRPr sz="1400" u="none" cap="none" strike="noStrike">
                         <a:solidFill>
@@ -14718,41 +16152,63 @@
                       </a:pPr>
                       <a:r>
                         <a:rPr lang="en-GB" sz="1200"/>
-                        <a:t>The main advantage Aquo offers is </a:t>
-                      </a:r>
-                      <a:r>
-                        <a:rPr b="1" lang="en-GB" sz="1200"/>
-                        <a:t>agility</a:t>
+                        <a:t>Aquo focuses financial engineering innovation and full implementation of composition transactions especially for derivatives. This seeks to replicate user TradFi experiences by integrating options, </a:t>
                       </a:r>
                       <a:r>
                         <a:rPr lang="en-GB" sz="1200"/>
-                        <a:t> and </a:t>
-                      </a:r>
-                      <a:r>
-                        <a:rPr b="1" lang="en-GB" sz="1200"/>
-                        <a:t>speed</a:t>
+                        <a:t>debt</a:t>
                       </a:r>
                       <a:r>
                         <a:rPr lang="en-GB" sz="1200"/>
-                        <a:t> to adapt to niches and </a:t>
+                        <a:t>, risk management into a single transaction. </a:t>
                       </a:r>
+                      <a:endParaRPr sz="1200"/>
+                    </a:p>
+                    <a:p>
+                      <a:pPr indent="0" lvl="0" marL="0" marR="0" rtl="0" algn="l">
+                        <a:lnSpc>
+                          <a:spcPct val="100000"/>
+                        </a:lnSpc>
+                        <a:spcBef>
+                          <a:spcPts val="0"/>
+                        </a:spcBef>
+                        <a:spcAft>
+                          <a:spcPts val="0"/>
+                        </a:spcAft>
+                        <a:buClr>
+                          <a:srgbClr val="000000"/>
+                        </a:buClr>
+                        <a:buSzPts val="1200"/>
+                        <a:buFont typeface="Arial"/>
+                        <a:buNone/>
+                      </a:pPr>
                       <a:r>
-                        <a:rPr lang="en-GB" sz="1200"/>
-                        <a:t>nuances</a:t>
+                        <a:t/>
                       </a:r>
+                      <a:endParaRPr sz="1200"/>
+                    </a:p>
+                    <a:p>
+                      <a:pPr indent="0" lvl="0" marL="0" marR="0" rtl="0" algn="l">
+                        <a:lnSpc>
+                          <a:spcPct val="100000"/>
+                        </a:lnSpc>
+                        <a:spcBef>
+                          <a:spcPts val="0"/>
+                        </a:spcBef>
+                        <a:spcAft>
+                          <a:spcPts val="0"/>
+                        </a:spcAft>
+                        <a:buClr>
+                          <a:srgbClr val="000000"/>
+                        </a:buClr>
+                        <a:buSzPts val="1200"/>
+                        <a:buFont typeface="Arial"/>
+                        <a:buNone/>
+                      </a:pPr>
                       <a:r>
-                        <a:rPr lang="en-GB" sz="1200"/>
-                        <a:t> in the market. The market itself has numerous verticals based on asset types and also </a:t>
+                        <a:t/>
                       </a:r>
-                      <a:r>
-                        <a:rPr lang="en-GB" sz="1200"/>
-                        <a:t>geographical</a:t>
-                      </a:r>
-                      <a:r>
-                        <a:rPr lang="en-GB" sz="1200"/>
-                        <a:t> regions.</a:t>
-                      </a:r>
-                      <a:endParaRPr sz="1200" u="none" cap="none" strike="noStrike"/>
+                      <a:endParaRPr sz="1200"/>
                     </a:p>
                   </a:txBody>
                   <a:tcPr marT="108000" marB="45725" marR="91450" marL="108000">
@@ -14813,46 +16269,6 @@
                         <a:buNone/>
                       </a:pPr>
                       <a:r>
-                        <a:rPr b="1" lang="en-GB" sz="1800" u="none" cap="none" strike="noStrike">
-                          <a:solidFill>
-                            <a:schemeClr val="accent2"/>
-                          </a:solidFill>
-                          <a:latin typeface="Work Sans"/>
-                          <a:ea typeface="Work Sans"/>
-                          <a:cs typeface="Work Sans"/>
-                          <a:sym typeface="Work Sans"/>
-                        </a:rPr>
-                        <a:t>Competitor A</a:t>
-                      </a:r>
-                      <a:endParaRPr b="1" sz="1800" u="none" cap="none" strike="noStrike">
-                        <a:solidFill>
-                          <a:schemeClr val="accent2"/>
-                        </a:solidFill>
-                        <a:latin typeface="Work Sans"/>
-                        <a:ea typeface="Work Sans"/>
-                        <a:cs typeface="Work Sans"/>
-                        <a:sym typeface="Work Sans"/>
-                      </a:endParaRPr>
-                    </a:p>
-                    <a:p>
-                      <a:pPr indent="0" lvl="0" marL="0" marR="0" rtl="0" algn="l">
-                        <a:lnSpc>
-                          <a:spcPct val="100000"/>
-                        </a:lnSpc>
-                        <a:spcBef>
-                          <a:spcPts val="0"/>
-                        </a:spcBef>
-                        <a:spcAft>
-                          <a:spcPts val="0"/>
-                        </a:spcAft>
-                        <a:buClr>
-                          <a:srgbClr val="000000"/>
-                        </a:buClr>
-                        <a:buSzPts val="1800"/>
-                        <a:buFont typeface="Arial"/>
-                        <a:buNone/>
-                      </a:pPr>
-                      <a:r>
                         <a:rPr b="1" lang="en-GB" sz="1800">
                           <a:solidFill>
                             <a:schemeClr val="accent2"/>
@@ -14862,7 +16278,7 @@
                           <a:cs typeface="Work Sans"/>
                           <a:sym typeface="Work Sans"/>
                         </a:rPr>
-                        <a:t>JP Morgan</a:t>
+                        <a:t>dYdX</a:t>
                       </a:r>
                       <a:endParaRPr b="1" sz="1800">
                         <a:solidFill>
@@ -14959,7 +16375,7 @@
                       </a:pPr>
                       <a:r>
                         <a:rPr lang="en-GB" sz="1600"/>
-                        <a:t>TBC</a:t>
+                        <a:t>50M (coin) - was 800M</a:t>
                       </a:r>
                       <a:endParaRPr sz="1600" u="none" cap="none" strike="noStrike"/>
                     </a:p>
@@ -15030,51 +16446,53 @@
                       </a:pPr>
                       <a:r>
                         <a:rPr lang="en-GB" sz="1200"/>
-                        <a:t>Active </a:t>
+                        <a:t>This is a DEX offering margin, perpetual and features normally associated with an exchange. The look a feel is similar to coinbase and other exchanges,</a:t>
                       </a:r>
+                      <a:endParaRPr sz="1200"/>
+                    </a:p>
+                    <a:p>
+                      <a:pPr indent="0" lvl="0" marL="0" marR="0" rtl="0" algn="l">
+                        <a:lnSpc>
+                          <a:spcPct val="100000"/>
+                        </a:lnSpc>
+                        <a:spcBef>
+                          <a:spcPts val="0"/>
+                        </a:spcBef>
+                        <a:spcAft>
+                          <a:spcPts val="0"/>
+                        </a:spcAft>
+                        <a:buClr>
+                          <a:srgbClr val="000000"/>
+                        </a:buClr>
+                        <a:buSzPts val="1200"/>
+                        <a:buFont typeface="Arial"/>
+                        <a:buNone/>
+                      </a:pPr>
                       <a:r>
-                        <a:rPr lang="en-GB" sz="1200"/>
-                        <a:t>involvement</a:t>
+                        <a:t/>
                       </a:r>
+                      <a:endParaRPr sz="1200"/>
+                    </a:p>
+                    <a:p>
+                      <a:pPr indent="0" lvl="0" marL="0" marR="0" rtl="0" algn="l">
+                        <a:lnSpc>
+                          <a:spcPct val="100000"/>
+                        </a:lnSpc>
+                        <a:spcBef>
+                          <a:spcPts val="0"/>
+                        </a:spcBef>
+                        <a:spcAft>
+                          <a:spcPts val="0"/>
+                        </a:spcAft>
+                        <a:buClr>
+                          <a:srgbClr val="000000"/>
+                        </a:buClr>
+                        <a:buSzPts val="1200"/>
+                        <a:buFont typeface="Arial"/>
+                        <a:buNone/>
+                      </a:pPr>
                       <a:r>
-                        <a:rPr lang="en-GB" sz="1200"/>
-                        <a:t> in blockchain </a:t>
-                      </a:r>
-                      <a:r>
-                        <a:rPr lang="en-GB" sz="1200"/>
-                        <a:t>infrastructures</a:t>
-                      </a:r>
-                      <a:r>
-                        <a:rPr lang="en-GB" sz="1200"/>
-                        <a:t> and active work on tokenized assets in </a:t>
-                      </a:r>
-                      <a:r>
-                        <a:rPr lang="en-GB" sz="1200"/>
-                        <a:t>conjunction</a:t>
-                      </a:r>
-                      <a:r>
-                        <a:rPr lang="en-GB" sz="1200"/>
-                        <a:t> </a:t>
-                      </a:r>
-                      <a:r>
-                        <a:rPr lang="en-GB" sz="1200"/>
-                        <a:t>with other banks. JP Morgan due to its size and commitments to operations is </a:t>
-                      </a:r>
-                      <a:r>
-                        <a:rPr b="1" lang="en-GB" sz="1200"/>
-                        <a:t>slow</a:t>
-                      </a:r>
-                      <a:r>
-                        <a:rPr lang="en-GB" sz="1200"/>
-                        <a:t> and </a:t>
-                      </a:r>
-                      <a:r>
-                        <a:rPr b="1" lang="en-GB" sz="1200"/>
-                        <a:t>bureaucratic</a:t>
-                      </a:r>
-                      <a:r>
-                        <a:rPr lang="en-GB" sz="1200"/>
-                        <a:t> compared to a startup.</a:t>
+                        <a:t/>
                       </a:r>
                       <a:endParaRPr sz="1200" u="none" cap="none" strike="noStrike"/>
                     </a:p>
@@ -15146,7 +16564,19 @@
                           <a:cs typeface="Work Sans"/>
                           <a:sym typeface="Work Sans"/>
                         </a:rPr>
-                        <a:t>Competitor B</a:t>
+                        <a:t>Syntheti</a:t>
+                      </a:r>
+                      <a:r>
+                        <a:rPr b="1" lang="en-GB" sz="1800">
+                          <a:solidFill>
+                            <a:srgbClr val="5093FC"/>
+                          </a:solidFill>
+                          <a:latin typeface="Work Sans"/>
+                          <a:ea typeface="Work Sans"/>
+                          <a:cs typeface="Work Sans"/>
+                          <a:sym typeface="Work Sans"/>
+                        </a:rPr>
+                        <a:t>x</a:t>
                       </a:r>
                       <a:endParaRPr b="1" sz="1800" u="none" cap="none" strike="noStrike">
                         <a:solidFill>
@@ -15177,16 +16607,7 @@
                         <a:buNone/>
                       </a:pPr>
                       <a:r>
-                        <a:rPr b="1" lang="en-GB" sz="1800">
-                          <a:solidFill>
-                            <a:srgbClr val="5093FC"/>
-                          </a:solidFill>
-                          <a:latin typeface="Work Sans"/>
-                          <a:ea typeface="Work Sans"/>
-                          <a:cs typeface="Work Sans"/>
-                          <a:sym typeface="Work Sans"/>
-                        </a:rPr>
-                        <a:t>Goldman Sachs</a:t>
+                        <a:t/>
                       </a:r>
                       <a:endParaRPr b="1" sz="1800">
                         <a:solidFill>
@@ -15283,7 +16704,7 @@
                       </a:pPr>
                       <a:r>
                         <a:rPr lang="en-GB" sz="1600"/>
-                        <a:t>TBC</a:t>
+                        <a:t>800M (coin) - was 2.8B</a:t>
                       </a:r>
                       <a:endParaRPr sz="1600" u="none" cap="none" strike="noStrike"/>
                     </a:p>
@@ -15354,27 +16775,11 @@
                       </a:pPr>
                       <a:r>
                         <a:rPr lang="en-GB" sz="1200"/>
-                        <a:t>It has partnered Digital Asset along with others such as Microsoft and Deloitte. Large financial institutions will be looking to move their transactions overtime onto blockchain ledgers They will be hampered by large</a:t>
+                        <a:t>Synthetic</a:t>
                       </a:r>
                       <a:r>
                         <a:rPr lang="en-GB" sz="1200"/>
-                        <a:t> </a:t>
-                      </a:r>
-                      <a:r>
-                        <a:rPr b="1" lang="en-GB" sz="1200"/>
-                        <a:t>commitments</a:t>
-                      </a:r>
-                      <a:r>
-                        <a:rPr lang="en-GB" sz="1200"/>
-                        <a:t> to their current </a:t>
-                      </a:r>
-                      <a:r>
-                        <a:rPr b="1" lang="en-GB" sz="1200"/>
-                        <a:t>operations</a:t>
-                      </a:r>
-                      <a:r>
-                        <a:rPr lang="en-GB" sz="1200"/>
-                        <a:t>. </a:t>
+                        <a:t> is all about liquidity. Assets are collateralized and synthetic tokens (synths) are minted. This pool of synths creates liquidity. This is not a UX model but is a backend provisioning tool for DeFi apps.</a:t>
                       </a:r>
                       <a:endParaRPr sz="1200" u="none" cap="none" strike="noStrike"/>
                     </a:p>
@@ -15446,47 +16851,7 @@
                           <a:cs typeface="Work Sans"/>
                           <a:sym typeface="Work Sans"/>
                         </a:rPr>
-                        <a:t>Competitor C</a:t>
-                      </a:r>
-                      <a:endParaRPr b="1" sz="1800" u="none" cap="none" strike="noStrike">
-                        <a:solidFill>
-                          <a:srgbClr val="65738E"/>
-                        </a:solidFill>
-                        <a:latin typeface="Work Sans"/>
-                        <a:ea typeface="Work Sans"/>
-                        <a:cs typeface="Work Sans"/>
-                        <a:sym typeface="Work Sans"/>
-                      </a:endParaRPr>
-                    </a:p>
-                    <a:p>
-                      <a:pPr indent="0" lvl="0" marL="0" marR="0" rtl="0" algn="l">
-                        <a:lnSpc>
-                          <a:spcPct val="100000"/>
-                        </a:lnSpc>
-                        <a:spcBef>
-                          <a:spcPts val="0"/>
-                        </a:spcBef>
-                        <a:spcAft>
-                          <a:spcPts val="0"/>
-                        </a:spcAft>
-                        <a:buClr>
-                          <a:srgbClr val="000000"/>
-                        </a:buClr>
-                        <a:buSzPts val="1800"/>
-                        <a:buFont typeface="Arial"/>
-                        <a:buNone/>
-                      </a:pPr>
-                      <a:r>
-                        <a:rPr b="1" lang="en-GB" sz="1800">
-                          <a:solidFill>
-                            <a:srgbClr val="65738E"/>
-                          </a:solidFill>
-                          <a:latin typeface="Work Sans"/>
-                          <a:ea typeface="Work Sans"/>
-                          <a:cs typeface="Work Sans"/>
-                          <a:sym typeface="Work Sans"/>
-                        </a:rPr>
-                        <a:t>Centrifuge, Onda</a:t>
+                        <a:t>Compound</a:t>
                       </a:r>
                       <a:endParaRPr b="1" sz="1800">
                         <a:solidFill>
@@ -15574,7 +16939,7 @@
                       </a:pPr>
                       <a:r>
                         <a:rPr lang="en-GB" sz="1600"/>
-                        <a:t>TBC</a:t>
+                        <a:t>450M (coin) - was 4B</a:t>
                       </a:r>
                       <a:endParaRPr sz="1600" u="none" cap="none" strike="noStrike"/>
                     </a:p>
@@ -15636,43 +17001,7 @@
                       </a:pPr>
                       <a:r>
                         <a:rPr lang="en-GB" sz="1200"/>
-                        <a:t>Centrifuge and Onda are in a class of </a:t>
-                      </a:r>
-                      <a:r>
-                        <a:rPr lang="en-GB" sz="1200"/>
-                        <a:t>startups</a:t>
-                      </a:r>
-                      <a:r>
-                        <a:rPr lang="en-GB" sz="1200"/>
-                        <a:t> for asset tokenization of real-world </a:t>
-                      </a:r>
-                      <a:r>
-                        <a:rPr lang="en-GB" sz="1200"/>
-                        <a:t>assets</a:t>
-                      </a:r>
-                      <a:r>
-                        <a:rPr lang="en-GB" sz="1200"/>
-                        <a:t> (RWA). They are more </a:t>
-                      </a:r>
-                      <a:r>
-                        <a:rPr b="1" lang="en-GB" sz="1200"/>
-                        <a:t>taking tradfi </a:t>
-                      </a:r>
-                      <a:r>
-                        <a:rPr b="1" lang="en-GB" sz="1200"/>
-                        <a:t>methods</a:t>
-                      </a:r>
-                      <a:r>
-                        <a:rPr lang="en-GB" sz="1200"/>
-                        <a:t> and using blockchains. This is different to fundamentally </a:t>
-                      </a:r>
-                      <a:r>
-                        <a:rPr lang="en-GB" sz="1200"/>
-                        <a:t>creating</a:t>
-                      </a:r>
-                      <a:r>
-                        <a:rPr lang="en-GB" sz="1200"/>
-                        <a:t> new markets. </a:t>
+                        <a:t>Compound is a DeFi protocol for lending against cryptoassets. It is decentralized with a connect wallet button. </a:t>
                       </a:r>
                       <a:endParaRPr sz="1200" u="none" cap="none" strike="noStrike"/>
                     </a:p>
@@ -15708,7 +17037,7 @@
       </p:graphicFrame>
       <p:pic>
         <p:nvPicPr>
-          <p:cNvPr id="144" name="Google Shape;144;p11"/>
+          <p:cNvPr id="143" name="Google Shape;143;p11"/>
           <p:cNvPicPr preferRelativeResize="0"/>
           <p:nvPr/>
         </p:nvPicPr>
@@ -15722,7 +17051,7 @@
         </p:blipFill>
         <p:spPr>
           <a:xfrm>
-            <a:off x="11250650" y="76925"/>
+            <a:off x="11178775" y="130825"/>
             <a:ext cx="873400" cy="873400"/>
           </a:xfrm>
           <a:prstGeom prst="rect">
@@ -15754,7 +17083,7 @@
     </p:bg>
     <p:spTree>
       <p:nvGrpSpPr>
-        <p:cNvPr id="148" name="Shape 148"/>
+        <p:cNvPr id="147" name="Shape 147"/>
         <p:cNvGrpSpPr/>
         <p:nvPr/>
       </p:nvGrpSpPr>
@@ -15768,7 +17097,7 @@
       </p:grpSpPr>
       <p:cxnSp>
         <p:nvCxnSpPr>
-          <p:cNvPr id="149" name="Google Shape;149;p12"/>
+          <p:cNvPr id="148" name="Google Shape;148;p12"/>
           <p:cNvCxnSpPr/>
           <p:nvPr/>
         </p:nvCxnSpPr>
@@ -15794,7 +17123,7 @@
       </p:cxnSp>
       <p:cxnSp>
         <p:nvCxnSpPr>
-          <p:cNvPr id="150" name="Google Shape;150;p12"/>
+          <p:cNvPr id="149" name="Google Shape;149;p12"/>
           <p:cNvCxnSpPr/>
           <p:nvPr/>
         </p:nvCxnSpPr>
@@ -15820,7 +17149,7 @@
       </p:cxnSp>
       <p:cxnSp>
         <p:nvCxnSpPr>
-          <p:cNvPr id="151" name="Google Shape;151;p12"/>
+          <p:cNvPr id="150" name="Google Shape;150;p12"/>
           <p:cNvCxnSpPr/>
           <p:nvPr/>
         </p:nvCxnSpPr>
@@ -15846,7 +17175,7 @@
       </p:cxnSp>
       <p:sp>
         <p:nvSpPr>
-          <p:cNvPr id="152" name="Google Shape;152;p12"/>
+          <p:cNvPr id="151" name="Google Shape;151;p12"/>
           <p:cNvSpPr/>
           <p:nvPr/>
         </p:nvSpPr>
@@ -15914,7 +17243,7 @@
       </p:sp>
       <p:sp>
         <p:nvSpPr>
-          <p:cNvPr id="153" name="Google Shape;153;p12"/>
+          <p:cNvPr id="152" name="Google Shape;152;p12"/>
           <p:cNvSpPr txBox="1"/>
           <p:nvPr/>
         </p:nvSpPr>
@@ -15964,7 +17293,31 @@
                 <a:cs typeface="Work Sans SemiBold"/>
                 <a:sym typeface="Work Sans SemiBold"/>
               </a:rPr>
-              <a:t>Revenue model</a:t>
+              <a:t>Revenue </a:t>
+            </a:r>
+            <a:r>
+              <a:rPr lang="en-GB" sz="3400">
+                <a:solidFill>
+                  <a:srgbClr val="000646"/>
+                </a:solidFill>
+                <a:latin typeface="Work Sans SemiBold"/>
+                <a:ea typeface="Work Sans SemiBold"/>
+                <a:cs typeface="Work Sans SemiBold"/>
+                <a:sym typeface="Work Sans SemiBold"/>
+              </a:rPr>
+              <a:t>M</a:t>
+            </a:r>
+            <a:r>
+              <a:rPr b="0" i="0" lang="en-GB" sz="3400" u="none" cap="none" strike="noStrike">
+                <a:solidFill>
+                  <a:srgbClr val="000646"/>
+                </a:solidFill>
+                <a:latin typeface="Work Sans SemiBold"/>
+                <a:ea typeface="Work Sans SemiBold"/>
+                <a:cs typeface="Work Sans SemiBold"/>
+                <a:sym typeface="Work Sans SemiBold"/>
+              </a:rPr>
+              <a:t>odel</a:t>
             </a:r>
             <a:endParaRPr b="0" i="0" sz="3400" u="none" cap="none" strike="noStrike">
               <a:solidFill>
@@ -15980,14 +17333,14 @@
       </p:sp>
       <p:sp>
         <p:nvSpPr>
-          <p:cNvPr id="154" name="Google Shape;154;p12"/>
+          <p:cNvPr id="153" name="Google Shape;153;p12"/>
           <p:cNvSpPr txBox="1"/>
           <p:nvPr/>
         </p:nvSpPr>
         <p:spPr>
           <a:xfrm>
-            <a:off x="827150" y="1941289"/>
-            <a:ext cx="3510300" cy="3281100"/>
+            <a:off x="827150" y="1941305"/>
+            <a:ext cx="3510300" cy="4732800"/>
           </a:xfrm>
           <a:prstGeom prst="rect">
             <a:avLst/>
@@ -16030,20 +17383,9 @@
                 <a:cs typeface="Work Sans"/>
                 <a:sym typeface="Work Sans"/>
               </a:rPr>
-              <a:t>The simplest aspect is just a listing fee for investment opportunities. Transaction fees will account for a lot of revenues. Service fees related to the actual management aspects of the platform. </a:t>
-            </a:r>
-            <a:br>
-              <a:rPr b="0" i="0" lang="en-GB" sz="1600" u="none" cap="none" strike="noStrike">
-                <a:solidFill>
-                  <a:srgbClr val="000646"/>
-                </a:solidFill>
-                <a:latin typeface="Work Sans"/>
-                <a:ea typeface="Work Sans"/>
-                <a:cs typeface="Work Sans"/>
-                <a:sym typeface="Work Sans"/>
-              </a:rPr>
-            </a:br>
-            <a:endParaRPr b="0" i="0" sz="1600" u="none" cap="none" strike="noStrike">
+              <a:t>It is likely transaction fees will dominate much of the revenue for Aquo. </a:t>
+            </a:r>
+            <a:endParaRPr sz="1600">
               <a:solidFill>
                 <a:srgbClr val="000646"/>
               </a:solidFill>
@@ -16072,6 +17414,37 @@
               <a:buNone/>
             </a:pPr>
             <a:r>
+              <a:t/>
+            </a:r>
+            <a:endParaRPr sz="1600">
+              <a:solidFill>
+                <a:srgbClr val="000646"/>
+              </a:solidFill>
+              <a:latin typeface="Work Sans"/>
+              <a:ea typeface="Work Sans"/>
+              <a:cs typeface="Work Sans"/>
+              <a:sym typeface="Work Sans"/>
+            </a:endParaRPr>
+          </a:p>
+          <a:p>
+            <a:pPr indent="0" lvl="0" marL="0" marR="0" rtl="0" algn="l">
+              <a:lnSpc>
+                <a:spcPct val="100000"/>
+              </a:lnSpc>
+              <a:spcBef>
+                <a:spcPts val="0"/>
+              </a:spcBef>
+              <a:spcAft>
+                <a:spcPts val="0"/>
+              </a:spcAft>
+              <a:buClr>
+                <a:schemeClr val="dk1"/>
+              </a:buClr>
+              <a:buSzPts val="1100"/>
+              <a:buFont typeface="Arial"/>
+              <a:buNone/>
+            </a:pPr>
+            <a:r>
               <a:rPr lang="en-GB" sz="1600">
                 <a:solidFill>
                   <a:srgbClr val="000646"/>
@@ -16081,7 +17454,173 @@
                 <a:cs typeface="Work Sans"/>
                 <a:sym typeface="Work Sans"/>
               </a:rPr>
-              <a:t>Fees are recurring based on ongoing trade.</a:t>
+              <a:t>Unlike simple tokenization models, derivatives and complex product </a:t>
+            </a:r>
+            <a:r>
+              <a:rPr lang="en-GB" sz="1600">
+                <a:solidFill>
+                  <a:srgbClr val="000646"/>
+                </a:solidFill>
+                <a:latin typeface="Work Sans"/>
+                <a:ea typeface="Work Sans"/>
+                <a:cs typeface="Work Sans"/>
+                <a:sym typeface="Work Sans"/>
+              </a:rPr>
+              <a:t>transactions</a:t>
+            </a:r>
+            <a:r>
+              <a:rPr lang="en-GB" sz="1600">
+                <a:solidFill>
+                  <a:srgbClr val="000646"/>
+                </a:solidFill>
+                <a:latin typeface="Work Sans"/>
+                <a:ea typeface="Work Sans"/>
+                <a:cs typeface="Work Sans"/>
+                <a:sym typeface="Work Sans"/>
+              </a:rPr>
+              <a:t> generate large transaction volumes. </a:t>
+            </a:r>
+            <a:endParaRPr sz="1600">
+              <a:solidFill>
+                <a:srgbClr val="000646"/>
+              </a:solidFill>
+              <a:latin typeface="Work Sans"/>
+              <a:ea typeface="Work Sans"/>
+              <a:cs typeface="Work Sans"/>
+              <a:sym typeface="Work Sans"/>
+            </a:endParaRPr>
+          </a:p>
+          <a:p>
+            <a:pPr indent="0" lvl="0" marL="0" marR="0" rtl="0" algn="l">
+              <a:lnSpc>
+                <a:spcPct val="100000"/>
+              </a:lnSpc>
+              <a:spcBef>
+                <a:spcPts val="0"/>
+              </a:spcBef>
+              <a:spcAft>
+                <a:spcPts val="0"/>
+              </a:spcAft>
+              <a:buClr>
+                <a:schemeClr val="dk1"/>
+              </a:buClr>
+              <a:buSzPts val="1100"/>
+              <a:buFont typeface="Arial"/>
+              <a:buNone/>
+            </a:pPr>
+            <a:r>
+              <a:t/>
+            </a:r>
+            <a:endParaRPr sz="1600">
+              <a:solidFill>
+                <a:srgbClr val="000646"/>
+              </a:solidFill>
+              <a:latin typeface="Work Sans"/>
+              <a:ea typeface="Work Sans"/>
+              <a:cs typeface="Work Sans"/>
+              <a:sym typeface="Work Sans"/>
+            </a:endParaRPr>
+          </a:p>
+          <a:p>
+            <a:pPr indent="0" lvl="0" marL="0" marR="0" rtl="0" algn="l">
+              <a:lnSpc>
+                <a:spcPct val="100000"/>
+              </a:lnSpc>
+              <a:spcBef>
+                <a:spcPts val="0"/>
+              </a:spcBef>
+              <a:spcAft>
+                <a:spcPts val="0"/>
+              </a:spcAft>
+              <a:buClr>
+                <a:schemeClr val="dk1"/>
+              </a:buClr>
+              <a:buSzPts val="1100"/>
+              <a:buFont typeface="Arial"/>
+              <a:buNone/>
+            </a:pPr>
+            <a:r>
+              <a:rPr lang="en-GB" sz="1600">
+                <a:solidFill>
+                  <a:srgbClr val="000646"/>
+                </a:solidFill>
+                <a:latin typeface="Work Sans"/>
+                <a:ea typeface="Work Sans"/>
+                <a:cs typeface="Work Sans"/>
+                <a:sym typeface="Work Sans"/>
+              </a:rPr>
+              <a:t>At this point, Aquo is profiting similarly to how a DEX would profit.</a:t>
+            </a:r>
+            <a:endParaRPr sz="1600">
+              <a:solidFill>
+                <a:srgbClr val="000646"/>
+              </a:solidFill>
+              <a:latin typeface="Work Sans"/>
+              <a:ea typeface="Work Sans"/>
+              <a:cs typeface="Work Sans"/>
+              <a:sym typeface="Work Sans"/>
+            </a:endParaRPr>
+          </a:p>
+          <a:p>
+            <a:pPr indent="0" lvl="0" marL="0" marR="0" rtl="0" algn="l">
+              <a:lnSpc>
+                <a:spcPct val="100000"/>
+              </a:lnSpc>
+              <a:spcBef>
+                <a:spcPts val="0"/>
+              </a:spcBef>
+              <a:spcAft>
+                <a:spcPts val="0"/>
+              </a:spcAft>
+              <a:buClr>
+                <a:schemeClr val="dk1"/>
+              </a:buClr>
+              <a:buSzPts val="1100"/>
+              <a:buFont typeface="Arial"/>
+              <a:buNone/>
+            </a:pPr>
+            <a:r>
+              <a:t/>
+            </a:r>
+            <a:endParaRPr sz="1600">
+              <a:solidFill>
+                <a:srgbClr val="000646"/>
+              </a:solidFill>
+              <a:latin typeface="Work Sans"/>
+              <a:ea typeface="Work Sans"/>
+              <a:cs typeface="Work Sans"/>
+              <a:sym typeface="Work Sans"/>
+            </a:endParaRPr>
+          </a:p>
+          <a:p>
+            <a:pPr indent="0" lvl="0" marL="0" marR="0" rtl="0" algn="l">
+              <a:lnSpc>
+                <a:spcPct val="100000"/>
+              </a:lnSpc>
+              <a:spcBef>
+                <a:spcPts val="0"/>
+              </a:spcBef>
+              <a:spcAft>
+                <a:spcPts val="0"/>
+              </a:spcAft>
+              <a:buClr>
+                <a:schemeClr val="dk1"/>
+              </a:buClr>
+              <a:buSzPts val="1100"/>
+              <a:buFont typeface="Arial"/>
+              <a:buNone/>
+            </a:pPr>
+            <a:r>
+              <a:rPr lang="en-GB" sz="1600">
+                <a:solidFill>
+                  <a:srgbClr val="000646"/>
+                </a:solidFill>
+                <a:latin typeface="Work Sans"/>
+                <a:ea typeface="Work Sans"/>
+                <a:cs typeface="Work Sans"/>
+                <a:sym typeface="Work Sans"/>
+              </a:rPr>
+              <a:t>Other revenues would be via listing financial products and investment offerings. This is similar to paying a CEX to get listed. There would also be service related fees (eg investment monitoring)</a:t>
             </a:r>
             <a:br>
               <a:rPr b="0" i="0" lang="en-GB" sz="1600" u="none" cap="none" strike="noStrike">
@@ -16160,7 +17699,7 @@
       </p:sp>
       <p:sp>
         <p:nvSpPr>
-          <p:cNvPr id="155" name="Google Shape;155;p12"/>
+          <p:cNvPr id="154" name="Google Shape;154;p12"/>
           <p:cNvSpPr txBox="1"/>
           <p:nvPr/>
         </p:nvSpPr>
@@ -16212,7 +17751,31 @@
                 <a:cs typeface="Work Sans"/>
                 <a:sym typeface="Work Sans"/>
               </a:rPr>
-              <a:t>Based on transactions via Aquo (buying, selling, creating liquidity, creating derivatives, collateralization of derivatives, settlements, DAO voting).</a:t>
+              <a:t>As users initiate transactions, there </a:t>
+            </a:r>
+            <a:r>
+              <a:rPr lang="en-GB">
+                <a:solidFill>
+                  <a:srgbClr val="000646"/>
+                </a:solidFill>
+                <a:latin typeface="Work Sans"/>
+                <a:ea typeface="Work Sans"/>
+                <a:cs typeface="Work Sans"/>
+                <a:sym typeface="Work Sans"/>
+              </a:rPr>
+              <a:t>would</a:t>
+            </a:r>
+            <a:r>
+              <a:rPr lang="en-GB">
+                <a:solidFill>
+                  <a:srgbClr val="000646"/>
+                </a:solidFill>
+                <a:latin typeface="Work Sans"/>
+                <a:ea typeface="Work Sans"/>
+                <a:cs typeface="Work Sans"/>
+                <a:sym typeface="Work Sans"/>
+              </a:rPr>
+              <a:t> be a fee structure. We envisage derivatives and complex products and hence fees would be built into these transactions.</a:t>
             </a:r>
             <a:endParaRPr b="0" i="0" u="none" cap="none" strike="noStrike">
               <a:solidFill>
@@ -16228,7 +17791,7 @@
       </p:sp>
       <p:sp>
         <p:nvSpPr>
-          <p:cNvPr id="156" name="Google Shape;156;p12"/>
+          <p:cNvPr id="155" name="Google Shape;155;p12"/>
           <p:cNvSpPr/>
           <p:nvPr/>
         </p:nvSpPr>
@@ -16287,7 +17850,7 @@
       </p:sp>
       <p:sp>
         <p:nvSpPr>
-          <p:cNvPr id="157" name="Google Shape;157;p12"/>
+          <p:cNvPr id="156" name="Google Shape;156;p12"/>
           <p:cNvSpPr txBox="1"/>
           <p:nvPr/>
         </p:nvSpPr>
@@ -16353,14 +17916,14 @@
       </p:sp>
       <p:sp>
         <p:nvSpPr>
-          <p:cNvPr id="158" name="Google Shape;158;p12"/>
+          <p:cNvPr id="157" name="Google Shape;157;p12"/>
           <p:cNvSpPr txBox="1"/>
           <p:nvPr/>
         </p:nvSpPr>
         <p:spPr>
           <a:xfrm>
             <a:off x="7790015" y="3897089"/>
-            <a:ext cx="1962000" cy="1391400"/>
+            <a:ext cx="1962000" cy="1143600"/>
           </a:xfrm>
           <a:prstGeom prst="rect">
             <a:avLst/>
@@ -16405,7 +17968,7 @@
                 <a:cs typeface="Work Sans"/>
                 <a:sym typeface="Work Sans"/>
               </a:rPr>
-              <a:t>Listing investment opportunities on the Aquo marketplace, sponsored listings.</a:t>
+              <a:t>Products and investments would be listed and subject to a fee. </a:t>
             </a:r>
             <a:endParaRPr b="0" i="0" u="none" cap="none" strike="noStrike">
               <a:solidFill>
@@ -16421,7 +17984,7 @@
       </p:sp>
       <p:sp>
         <p:nvSpPr>
-          <p:cNvPr id="159" name="Google Shape;159;p12"/>
+          <p:cNvPr id="158" name="Google Shape;158;p12"/>
           <p:cNvSpPr/>
           <p:nvPr/>
         </p:nvSpPr>
@@ -16480,7 +18043,7 @@
       </p:sp>
       <p:sp>
         <p:nvSpPr>
-          <p:cNvPr id="160" name="Google Shape;160;p12"/>
+          <p:cNvPr id="159" name="Google Shape;159;p12"/>
           <p:cNvSpPr txBox="1"/>
           <p:nvPr/>
         </p:nvSpPr>
@@ -16546,14 +18109,14 @@
       </p:sp>
       <p:sp>
         <p:nvSpPr>
-          <p:cNvPr id="161" name="Google Shape;161;p12"/>
+          <p:cNvPr id="160" name="Google Shape;160;p12"/>
           <p:cNvSpPr txBox="1"/>
           <p:nvPr/>
         </p:nvSpPr>
         <p:spPr>
           <a:xfrm>
             <a:off x="9892940" y="4790742"/>
-            <a:ext cx="1962000" cy="2134800"/>
+            <a:ext cx="1962000" cy="1887000"/>
           </a:xfrm>
           <a:prstGeom prst="rect">
             <a:avLst/>
@@ -16598,7 +18161,55 @@
                 <a:cs typeface="Work Sans"/>
                 <a:sym typeface="Work Sans"/>
               </a:rPr>
-              <a:t>Fees to use library functions (smart contracts), audit smart contracts (derivatives), dashboard access, investor alerts, KYC, AML, CTF. </a:t>
+              <a:t>Users would likely need a lot of </a:t>
+            </a:r>
+            <a:r>
+              <a:rPr lang="en-GB">
+                <a:solidFill>
+                  <a:srgbClr val="000646"/>
+                </a:solidFill>
+                <a:latin typeface="Work Sans"/>
+                <a:ea typeface="Work Sans"/>
+                <a:cs typeface="Work Sans"/>
+                <a:sym typeface="Work Sans"/>
+              </a:rPr>
+              <a:t>monitoring</a:t>
+            </a:r>
+            <a:r>
+              <a:rPr lang="en-GB">
+                <a:solidFill>
+                  <a:srgbClr val="000646"/>
+                </a:solidFill>
+                <a:latin typeface="Work Sans"/>
+                <a:ea typeface="Work Sans"/>
+                <a:cs typeface="Work Sans"/>
+                <a:sym typeface="Work Sans"/>
+              </a:rPr>
+              <a:t> and investment services (but Aquo </a:t>
+            </a:r>
+            <a:r>
+              <a:rPr lang="en-GB">
+                <a:solidFill>
+                  <a:srgbClr val="000646"/>
+                </a:solidFill>
+                <a:latin typeface="Work Sans"/>
+                <a:ea typeface="Work Sans"/>
+                <a:cs typeface="Work Sans"/>
+                <a:sym typeface="Work Sans"/>
+              </a:rPr>
+              <a:t>will</a:t>
+            </a:r>
+            <a:r>
+              <a:rPr lang="en-GB">
+                <a:solidFill>
+                  <a:srgbClr val="000646"/>
+                </a:solidFill>
+                <a:latin typeface="Work Sans"/>
+                <a:ea typeface="Work Sans"/>
+                <a:cs typeface="Work Sans"/>
+                <a:sym typeface="Work Sans"/>
+              </a:rPr>
+              <a:t> not advise, manage, or recommend)</a:t>
             </a:r>
             <a:endParaRPr b="0" i="0" u="none" cap="none" strike="noStrike">
               <a:solidFill>
@@ -16614,7 +18225,7 @@
       </p:sp>
       <p:sp>
         <p:nvSpPr>
-          <p:cNvPr id="162" name="Google Shape;162;p12"/>
+          <p:cNvPr id="161" name="Google Shape;161;p12"/>
           <p:cNvSpPr/>
           <p:nvPr/>
         </p:nvSpPr>
@@ -16673,7 +18284,7 @@
       </p:sp>
       <p:sp>
         <p:nvSpPr>
-          <p:cNvPr id="163" name="Google Shape;163;p12"/>
+          <p:cNvPr id="162" name="Google Shape;162;p12"/>
           <p:cNvSpPr txBox="1"/>
           <p:nvPr/>
         </p:nvSpPr>
@@ -16739,7 +18350,7 @@
       </p:sp>
       <p:pic>
         <p:nvPicPr>
-          <p:cNvPr id="164" name="Google Shape;164;p12"/>
+          <p:cNvPr id="163" name="Google Shape;163;p12"/>
           <p:cNvPicPr preferRelativeResize="0"/>
           <p:nvPr/>
         </p:nvPicPr>
@@ -16774,6 +18385,285 @@
 </file>
 
 <file path=ppt/theme/theme1.xml><?xml version="1.0" encoding="utf-8"?>
+<a:theme xmlns:a="http://schemas.openxmlformats.org/drawingml/2006/main" xmlns:r="http://schemas.openxmlformats.org/officeDocument/2006/relationships" name="SeedLegals">
+  <a:themeElements>
+    <a:clrScheme name="SeedLegals">
+      <a:dk1>
+        <a:srgbClr val="000646"/>
+      </a:dk1>
+      <a:lt1>
+        <a:srgbClr val="FFFFFF"/>
+      </a:lt1>
+      <a:dk2>
+        <a:srgbClr val="F8F9FE"/>
+      </a:dk2>
+      <a:lt2>
+        <a:srgbClr val="FFFFFF"/>
+      </a:lt2>
+      <a:accent1>
+        <a:srgbClr val="BBFEEC"/>
+      </a:accent1>
+      <a:accent2>
+        <a:srgbClr val="6062FF"/>
+      </a:accent2>
+      <a:accent3>
+        <a:srgbClr val="23E580"/>
+      </a:accent3>
+      <a:accent4>
+        <a:srgbClr val="FADE19"/>
+      </a:accent4>
+      <a:accent5>
+        <a:srgbClr val="CFE2FF"/>
+      </a:accent5>
+      <a:accent6>
+        <a:srgbClr val="04DCA2"/>
+      </a:accent6>
+      <a:hlink>
+        <a:srgbClr val="5195FF"/>
+      </a:hlink>
+      <a:folHlink>
+        <a:srgbClr val="8588FD"/>
+      </a:folHlink>
+    </a:clrScheme>
+    <a:fontScheme name="Office">
+      <a:majorFont>
+        <a:latin typeface="Arial"/>
+        <a:ea typeface=""/>
+        <a:cs typeface=""/>
+        <a:font script="Jpan" typeface="ＭＳ Ｐゴシック"/>
+        <a:font script="Hang" typeface="맑은 고딕"/>
+        <a:font script="Hans" typeface="宋体"/>
+        <a:font script="Hant" typeface="新細明體"/>
+        <a:font script="Arab" typeface="Times New Roman"/>
+        <a:font script="Hebr" typeface="Times New Roman"/>
+        <a:font script="Thai" typeface="Angsana New"/>
+        <a:font script="Ethi" typeface="Nyala"/>
+        <a:font script="Beng" typeface="Vrinda"/>
+        <a:font script="Gujr" typeface="Shruti"/>
+        <a:font script="Khmr" typeface="MoolBoran"/>
+        <a:font script="Knda" typeface="Tunga"/>
+        <a:font script="Guru" typeface="Raavi"/>
+        <a:font script="Cans" typeface="Euphemia"/>
+        <a:font script="Cher" typeface="Plantagenet Cherokee"/>
+        <a:font script="Yiii" typeface="Microsoft Yi Baiti"/>
+        <a:font script="Tibt" typeface="Microsoft Himalaya"/>
+        <a:font script="Thaa" typeface="MV Boli"/>
+        <a:font script="Deva" typeface="Mangal"/>
+        <a:font script="Telu" typeface="Gautami"/>
+        <a:font script="Taml" typeface="Latha"/>
+        <a:font script="Syrc" typeface="Estrangelo Edessa"/>
+        <a:font script="Orya" typeface="Kalinga"/>
+        <a:font script="Mlym" typeface="Kartika"/>
+        <a:font script="Laoo" typeface="DokChampa"/>
+        <a:font script="Sinh" typeface="Iskoola Pota"/>
+        <a:font script="Mong" typeface="Mongolian Baiti"/>
+        <a:font script="Viet" typeface="Times New Roman"/>
+        <a:font script="Uigh" typeface="Microsoft Uighur"/>
+        <a:font script="Geor" typeface="Sylfaen"/>
+      </a:majorFont>
+      <a:minorFont>
+        <a:latin typeface="Arial"/>
+        <a:ea typeface=""/>
+        <a:cs typeface=""/>
+        <a:font script="Jpan" typeface="ＭＳ Ｐゴシック"/>
+        <a:font script="Hang" typeface="맑은 고딕"/>
+        <a:font script="Hans" typeface="宋体"/>
+        <a:font script="Hant" typeface="新細明體"/>
+        <a:font script="Arab" typeface="Arial"/>
+        <a:font script="Hebr" typeface="Arial"/>
+        <a:font script="Thai" typeface="Cordia New"/>
+        <a:font script="Ethi" typeface="Nyala"/>
+        <a:font script="Beng" typeface="Vrinda"/>
+        <a:font script="Gujr" typeface="Shruti"/>
+        <a:font script="Khmr" typeface="DaunPenh"/>
+        <a:font script="Knda" typeface="Tunga"/>
+        <a:font script="Guru" typeface="Raavi"/>
+        <a:font script="Cans" typeface="Euphemia"/>
+        <a:font script="Cher" typeface="Plantagenet Cherokee"/>
+        <a:font script="Yiii" typeface="Microsoft Yi Baiti"/>
+        <a:font script="Tibt" typeface="Microsoft Himalaya"/>
+        <a:font script="Thaa" typeface="MV Boli"/>
+        <a:font script="Deva" typeface="Mangal"/>
+        <a:font script="Telu" typeface="Gautami"/>
+        <a:font script="Taml" typeface="Latha"/>
+        <a:font script="Syrc" typeface="Estrangelo Edessa"/>
+        <a:font script="Orya" typeface="Kalinga"/>
+        <a:font script="Mlym" typeface="Kartika"/>
+        <a:font script="Laoo" typeface="DokChampa"/>
+        <a:font script="Sinh" typeface="Iskoola Pota"/>
+        <a:font script="Mong" typeface="Mongolian Baiti"/>
+        <a:font script="Viet" typeface="Arial"/>
+        <a:font script="Uigh" typeface="Microsoft Uighur"/>
+        <a:font script="Geor" typeface="Sylfaen"/>
+      </a:minorFont>
+    </a:fontScheme>
+    <a:fmtScheme name="Office">
+      <a:fillStyleLst>
+        <a:solidFill>
+          <a:schemeClr val="phClr"/>
+        </a:solidFill>
+        <a:gradFill rotWithShape="1">
+          <a:gsLst>
+            <a:gs pos="0">
+              <a:schemeClr val="phClr">
+                <a:tint val="50000"/>
+                <a:satMod val="300000"/>
+              </a:schemeClr>
+            </a:gs>
+            <a:gs pos="35000">
+              <a:schemeClr val="phClr">
+                <a:tint val="37000"/>
+                <a:satMod val="300000"/>
+              </a:schemeClr>
+            </a:gs>
+            <a:gs pos="100000">
+              <a:schemeClr val="phClr">
+                <a:tint val="15000"/>
+                <a:satMod val="350000"/>
+              </a:schemeClr>
+            </a:gs>
+          </a:gsLst>
+          <a:lin ang="16200000" scaled="1"/>
+        </a:gradFill>
+        <a:gradFill rotWithShape="1">
+          <a:gsLst>
+            <a:gs pos="0">
+              <a:schemeClr val="phClr">
+                <a:tint val="100000"/>
+                <a:shade val="100000"/>
+                <a:satMod val="130000"/>
+              </a:schemeClr>
+            </a:gs>
+            <a:gs pos="100000">
+              <a:schemeClr val="phClr">
+                <a:tint val="50000"/>
+                <a:shade val="100000"/>
+                <a:satMod val="350000"/>
+              </a:schemeClr>
+            </a:gs>
+          </a:gsLst>
+          <a:lin ang="16200000" scaled="0"/>
+        </a:gradFill>
+      </a:fillStyleLst>
+      <a:lnStyleLst>
+        <a:ln w="9525" cap="flat" cmpd="sng" algn="ctr">
+          <a:solidFill>
+            <a:schemeClr val="phClr">
+              <a:shade val="95000"/>
+              <a:satMod val="105000"/>
+            </a:schemeClr>
+          </a:solidFill>
+          <a:prstDash val="solid"/>
+        </a:ln>
+        <a:ln w="25400" cap="flat" cmpd="sng" algn="ctr">
+          <a:solidFill>
+            <a:schemeClr val="phClr"/>
+          </a:solidFill>
+          <a:prstDash val="solid"/>
+        </a:ln>
+        <a:ln w="38100" cap="flat" cmpd="sng" algn="ctr">
+          <a:solidFill>
+            <a:schemeClr val="phClr"/>
+          </a:solidFill>
+          <a:prstDash val="solid"/>
+        </a:ln>
+      </a:lnStyleLst>
+      <a:effectStyleLst>
+        <a:effectStyle>
+          <a:effectLst>
+            <a:outerShdw blurRad="40000" dist="20000" dir="5400000" rotWithShape="0">
+              <a:srgbClr val="000000">
+                <a:alpha val="38000"/>
+              </a:srgbClr>
+            </a:outerShdw>
+          </a:effectLst>
+        </a:effectStyle>
+        <a:effectStyle>
+          <a:effectLst>
+            <a:outerShdw blurRad="40000" dist="23000" dir="5400000" rotWithShape="0">
+              <a:srgbClr val="000000">
+                <a:alpha val="35000"/>
+              </a:srgbClr>
+            </a:outerShdw>
+          </a:effectLst>
+        </a:effectStyle>
+        <a:effectStyle>
+          <a:effectLst>
+            <a:outerShdw blurRad="40000" dist="23000" dir="5400000" rotWithShape="0">
+              <a:srgbClr val="000000">
+                <a:alpha val="35000"/>
+              </a:srgbClr>
+            </a:outerShdw>
+          </a:effectLst>
+          <a:scene3d>
+            <a:camera prst="orthographicFront">
+              <a:rot lat="0" lon="0" rev="0"/>
+            </a:camera>
+            <a:lightRig rig="threePt" dir="t">
+              <a:rot lat="0" lon="0" rev="1200000"/>
+            </a:lightRig>
+          </a:scene3d>
+          <a:sp3d>
+            <a:bevelT w="63500" h="25400"/>
+          </a:sp3d>
+        </a:effectStyle>
+      </a:effectStyleLst>
+      <a:bgFillStyleLst>
+        <a:solidFill>
+          <a:schemeClr val="phClr"/>
+        </a:solidFill>
+        <a:gradFill rotWithShape="1">
+          <a:gsLst>
+            <a:gs pos="0">
+              <a:schemeClr val="phClr">
+                <a:tint val="40000"/>
+                <a:satMod val="350000"/>
+              </a:schemeClr>
+            </a:gs>
+            <a:gs pos="40000">
+              <a:schemeClr val="phClr">
+                <a:tint val="45000"/>
+                <a:shade val="99000"/>
+                <a:satMod val="350000"/>
+              </a:schemeClr>
+            </a:gs>
+            <a:gs pos="100000">
+              <a:schemeClr val="phClr">
+                <a:shade val="20000"/>
+                <a:satMod val="255000"/>
+              </a:schemeClr>
+            </a:gs>
+          </a:gsLst>
+          <a:path path="circle">
+            <a:fillToRect l="50000" t="-80000" r="50000" b="180000"/>
+          </a:path>
+        </a:gradFill>
+        <a:gradFill rotWithShape="1">
+          <a:gsLst>
+            <a:gs pos="0">
+              <a:schemeClr val="phClr">
+                <a:tint val="80000"/>
+                <a:satMod val="300000"/>
+              </a:schemeClr>
+            </a:gs>
+            <a:gs pos="100000">
+              <a:schemeClr val="phClr">
+                <a:shade val="30000"/>
+                <a:satMod val="200000"/>
+              </a:schemeClr>
+            </a:gs>
+          </a:gsLst>
+          <a:path path="circle">
+            <a:fillToRect l="50000" t="50000" r="50000" b="50000"/>
+          </a:path>
+        </a:gradFill>
+      </a:bgFillStyleLst>
+    </a:fmtScheme>
+  </a:themeElements>
+</a:theme>
+</file>
+
+<file path=ppt/theme/theme2.xml><?xml version="1.0" encoding="utf-8"?>
 <a:theme xmlns:a="http://schemas.openxmlformats.org/drawingml/2006/main" xmlns:r="http://schemas.openxmlformats.org/officeDocument/2006/relationships">
   <a:themeElements>
     <a:clrScheme name="Default">
@@ -17050,283 +18940,4 @@
     </a:fmtScheme>
   </a:themeElements>
 </a:theme>
-</file>
-
-<file path=ppt/theme/theme2.xml><?xml version="1.0" encoding="utf-8"?>
-<a:theme xmlns:a="http://schemas.openxmlformats.org/drawingml/2006/main" xmlns:r="http://schemas.openxmlformats.org/officeDocument/2006/relationships" name="SeedLegals">
-  <a:themeElements>
-    <a:clrScheme name="SeedLegals">
-      <a:dk1>
-        <a:srgbClr val="000646"/>
-      </a:dk1>
-      <a:lt1>
-        <a:srgbClr val="FFFFFF"/>
-      </a:lt1>
-      <a:dk2>
-        <a:srgbClr val="F8F9FE"/>
-      </a:dk2>
-      <a:lt2>
-        <a:srgbClr val="FFFFFF"/>
-      </a:lt2>
-      <a:accent1>
-        <a:srgbClr val="BBFEEC"/>
-      </a:accent1>
-      <a:accent2>
-        <a:srgbClr val="6062FF"/>
-      </a:accent2>
-      <a:accent3>
-        <a:srgbClr val="23E580"/>
-      </a:accent3>
-      <a:accent4>
-        <a:srgbClr val="FADE19"/>
-      </a:accent4>
-      <a:accent5>
-        <a:srgbClr val="CFE2FF"/>
-      </a:accent5>
-      <a:accent6>
-        <a:srgbClr val="04DCA2"/>
-      </a:accent6>
-      <a:hlink>
-        <a:srgbClr val="5195FF"/>
-      </a:hlink>
-      <a:folHlink>
-        <a:srgbClr val="8588FD"/>
-      </a:folHlink>
-    </a:clrScheme>
-    <a:fontScheme name="Office">
-      <a:majorFont>
-        <a:latin typeface="Arial"/>
-        <a:ea typeface=""/>
-        <a:cs typeface=""/>
-        <a:font script="Jpan" typeface="ＭＳ Ｐゴシック"/>
-        <a:font script="Hang" typeface="맑은 고딕"/>
-        <a:font script="Hans" typeface="宋体"/>
-        <a:font script="Hant" typeface="新細明體"/>
-        <a:font script="Arab" typeface="Times New Roman"/>
-        <a:font script="Hebr" typeface="Times New Roman"/>
-        <a:font script="Thai" typeface="Angsana New"/>
-        <a:font script="Ethi" typeface="Nyala"/>
-        <a:font script="Beng" typeface="Vrinda"/>
-        <a:font script="Gujr" typeface="Shruti"/>
-        <a:font script="Khmr" typeface="MoolBoran"/>
-        <a:font script="Knda" typeface="Tunga"/>
-        <a:font script="Guru" typeface="Raavi"/>
-        <a:font script="Cans" typeface="Euphemia"/>
-        <a:font script="Cher" typeface="Plantagenet Cherokee"/>
-        <a:font script="Yiii" typeface="Microsoft Yi Baiti"/>
-        <a:font script="Tibt" typeface="Microsoft Himalaya"/>
-        <a:font script="Thaa" typeface="MV Boli"/>
-        <a:font script="Deva" typeface="Mangal"/>
-        <a:font script="Telu" typeface="Gautami"/>
-        <a:font script="Taml" typeface="Latha"/>
-        <a:font script="Syrc" typeface="Estrangelo Edessa"/>
-        <a:font script="Orya" typeface="Kalinga"/>
-        <a:font script="Mlym" typeface="Kartika"/>
-        <a:font script="Laoo" typeface="DokChampa"/>
-        <a:font script="Sinh" typeface="Iskoola Pota"/>
-        <a:font script="Mong" typeface="Mongolian Baiti"/>
-        <a:font script="Viet" typeface="Times New Roman"/>
-        <a:font script="Uigh" typeface="Microsoft Uighur"/>
-        <a:font script="Geor" typeface="Sylfaen"/>
-      </a:majorFont>
-      <a:minorFont>
-        <a:latin typeface="Arial"/>
-        <a:ea typeface=""/>
-        <a:cs typeface=""/>
-        <a:font script="Jpan" typeface="ＭＳ Ｐゴシック"/>
-        <a:font script="Hang" typeface="맑은 고딕"/>
-        <a:font script="Hans" typeface="宋体"/>
-        <a:font script="Hant" typeface="新細明體"/>
-        <a:font script="Arab" typeface="Arial"/>
-        <a:font script="Hebr" typeface="Arial"/>
-        <a:font script="Thai" typeface="Cordia New"/>
-        <a:font script="Ethi" typeface="Nyala"/>
-        <a:font script="Beng" typeface="Vrinda"/>
-        <a:font script="Gujr" typeface="Shruti"/>
-        <a:font script="Khmr" typeface="DaunPenh"/>
-        <a:font script="Knda" typeface="Tunga"/>
-        <a:font script="Guru" typeface="Raavi"/>
-        <a:font script="Cans" typeface="Euphemia"/>
-        <a:font script="Cher" typeface="Plantagenet Cherokee"/>
-        <a:font script="Yiii" typeface="Microsoft Yi Baiti"/>
-        <a:font script="Tibt" typeface="Microsoft Himalaya"/>
-        <a:font script="Thaa" typeface="MV Boli"/>
-        <a:font script="Deva" typeface="Mangal"/>
-        <a:font script="Telu" typeface="Gautami"/>
-        <a:font script="Taml" typeface="Latha"/>
-        <a:font script="Syrc" typeface="Estrangelo Edessa"/>
-        <a:font script="Orya" typeface="Kalinga"/>
-        <a:font script="Mlym" typeface="Kartika"/>
-        <a:font script="Laoo" typeface="DokChampa"/>
-        <a:font script="Sinh" typeface="Iskoola Pota"/>
-        <a:font script="Mong" typeface="Mongolian Baiti"/>
-        <a:font script="Viet" typeface="Arial"/>
-        <a:font script="Uigh" typeface="Microsoft Uighur"/>
-        <a:font script="Geor" typeface="Sylfaen"/>
-      </a:minorFont>
-    </a:fontScheme>
-    <a:fmtScheme name="Office">
-      <a:fillStyleLst>
-        <a:solidFill>
-          <a:schemeClr val="phClr"/>
-        </a:solidFill>
-        <a:gradFill rotWithShape="1">
-          <a:gsLst>
-            <a:gs pos="0">
-              <a:schemeClr val="phClr">
-                <a:tint val="50000"/>
-                <a:satMod val="300000"/>
-              </a:schemeClr>
-            </a:gs>
-            <a:gs pos="35000">
-              <a:schemeClr val="phClr">
-                <a:tint val="37000"/>
-                <a:satMod val="300000"/>
-              </a:schemeClr>
-            </a:gs>
-            <a:gs pos="100000">
-              <a:schemeClr val="phClr">
-                <a:tint val="15000"/>
-                <a:satMod val="350000"/>
-              </a:schemeClr>
-            </a:gs>
-          </a:gsLst>
-          <a:lin ang="16200000" scaled="1"/>
-        </a:gradFill>
-        <a:gradFill rotWithShape="1">
-          <a:gsLst>
-            <a:gs pos="0">
-              <a:schemeClr val="phClr">
-                <a:tint val="100000"/>
-                <a:shade val="100000"/>
-                <a:satMod val="130000"/>
-              </a:schemeClr>
-            </a:gs>
-            <a:gs pos="100000">
-              <a:schemeClr val="phClr">
-                <a:tint val="50000"/>
-                <a:shade val="100000"/>
-                <a:satMod val="350000"/>
-              </a:schemeClr>
-            </a:gs>
-          </a:gsLst>
-          <a:lin ang="16200000" scaled="0"/>
-        </a:gradFill>
-      </a:fillStyleLst>
-      <a:lnStyleLst>
-        <a:ln w="9525" cap="flat" cmpd="sng" algn="ctr">
-          <a:solidFill>
-            <a:schemeClr val="phClr">
-              <a:shade val="95000"/>
-              <a:satMod val="105000"/>
-            </a:schemeClr>
-          </a:solidFill>
-          <a:prstDash val="solid"/>
-        </a:ln>
-        <a:ln w="25400" cap="flat" cmpd="sng" algn="ctr">
-          <a:solidFill>
-            <a:schemeClr val="phClr"/>
-          </a:solidFill>
-          <a:prstDash val="solid"/>
-        </a:ln>
-        <a:ln w="38100" cap="flat" cmpd="sng" algn="ctr">
-          <a:solidFill>
-            <a:schemeClr val="phClr"/>
-          </a:solidFill>
-          <a:prstDash val="solid"/>
-        </a:ln>
-      </a:lnStyleLst>
-      <a:effectStyleLst>
-        <a:effectStyle>
-          <a:effectLst>
-            <a:outerShdw blurRad="40000" dist="20000" dir="5400000" rotWithShape="0">
-              <a:srgbClr val="000000">
-                <a:alpha val="38000"/>
-              </a:srgbClr>
-            </a:outerShdw>
-          </a:effectLst>
-        </a:effectStyle>
-        <a:effectStyle>
-          <a:effectLst>
-            <a:outerShdw blurRad="40000" dist="23000" dir="5400000" rotWithShape="0">
-              <a:srgbClr val="000000">
-                <a:alpha val="35000"/>
-              </a:srgbClr>
-            </a:outerShdw>
-          </a:effectLst>
-        </a:effectStyle>
-        <a:effectStyle>
-          <a:effectLst>
-            <a:outerShdw blurRad="40000" dist="23000" dir="5400000" rotWithShape="0">
-              <a:srgbClr val="000000">
-                <a:alpha val="35000"/>
-              </a:srgbClr>
-            </a:outerShdw>
-          </a:effectLst>
-          <a:scene3d>
-            <a:camera prst="orthographicFront">
-              <a:rot lat="0" lon="0" rev="0"/>
-            </a:camera>
-            <a:lightRig rig="threePt" dir="t">
-              <a:rot lat="0" lon="0" rev="1200000"/>
-            </a:lightRig>
-          </a:scene3d>
-          <a:sp3d>
-            <a:bevelT w="63500" h="25400"/>
-          </a:sp3d>
-        </a:effectStyle>
-      </a:effectStyleLst>
-      <a:bgFillStyleLst>
-        <a:solidFill>
-          <a:schemeClr val="phClr"/>
-        </a:solidFill>
-        <a:gradFill rotWithShape="1">
-          <a:gsLst>
-            <a:gs pos="0">
-              <a:schemeClr val="phClr">
-                <a:tint val="40000"/>
-                <a:satMod val="350000"/>
-              </a:schemeClr>
-            </a:gs>
-            <a:gs pos="40000">
-              <a:schemeClr val="phClr">
-                <a:tint val="45000"/>
-                <a:shade val="99000"/>
-                <a:satMod val="350000"/>
-              </a:schemeClr>
-            </a:gs>
-            <a:gs pos="100000">
-              <a:schemeClr val="phClr">
-                <a:shade val="20000"/>
-                <a:satMod val="255000"/>
-              </a:schemeClr>
-            </a:gs>
-          </a:gsLst>
-          <a:path path="circle">
-            <a:fillToRect l="50000" t="-80000" r="50000" b="180000"/>
-          </a:path>
-        </a:gradFill>
-        <a:gradFill rotWithShape="1">
-          <a:gsLst>
-            <a:gs pos="0">
-              <a:schemeClr val="phClr">
-                <a:tint val="80000"/>
-                <a:satMod val="300000"/>
-              </a:schemeClr>
-            </a:gs>
-            <a:gs pos="100000">
-              <a:schemeClr val="phClr">
-                <a:shade val="30000"/>
-                <a:satMod val="200000"/>
-              </a:schemeClr>
-            </a:gs>
-          </a:gsLst>
-          <a:path path="circle">
-            <a:fillToRect l="50000" t="50000" r="50000" b="50000"/>
-          </a:path>
-        </a:gradFill>
-      </a:bgFillStyleLst>
-    </a:fmtScheme>
-  </a:themeElements>
-</a:theme>
 </file>
--- a/public/aquopitchdeck.pptx
+++ b/public/aquopitchdeck.pptx
@@ -3131,8 +3131,8 @@
         </p:nvSpPr>
         <p:spPr>
           <a:xfrm>
-            <a:off x="7484150" y="2029601"/>
-            <a:ext cx="3996600" cy="2732100"/>
+            <a:off x="6786125" y="2029600"/>
+            <a:ext cx="4694700" cy="2732100"/>
           </a:xfrm>
           <a:prstGeom prst="rect">
             <a:avLst/>
@@ -3215,7 +3215,7 @@
                 <a:cs typeface="Open Sans"/>
                 <a:sym typeface="Open Sans"/>
               </a:rPr>
-              <a:t>To integrate the world’s financial systems into one protocol.</a:t>
+              <a:t>To integrate the world’s financial systems into one protocol using decentralization.</a:t>
             </a:r>
             <a:br>
               <a:rPr b="1" i="0" lang="en-GB" sz="2200" u="none" cap="none" strike="noStrike">
@@ -3255,7 +3255,7 @@
         </p:blipFill>
         <p:spPr>
           <a:xfrm>
-            <a:off x="7498743" y="1651668"/>
+            <a:off x="6812943" y="1651668"/>
             <a:ext cx="333084" cy="253778"/>
           </a:xfrm>
           <a:prstGeom prst="rect">
@@ -15709,7 +15709,7 @@
             <a:tbl>
               <a:tblPr bandRow="1" firstRow="1">
                 <a:noFill/>
-                <a:tableStyleId>{836BBEEF-192A-4EE0-8BC7-4D255D593594}</a:tableStyleId>
+                <a:tableStyleId>{57D96909-D7D4-44C3-8B18-838BB17721EE}</a:tableStyleId>
               </a:tblPr>
               <a:tblGrid>
                 <a:gridCol w="2203650"/>
